--- a/캡스톤디자인 3주차.pptx
+++ b/캡스톤디자인 3주차.pptx
@@ -10,6 +10,7 @@
     <p:sldId id="258" r:id="rId4"/>
     <p:sldId id="257" r:id="rId5"/>
     <p:sldId id="259" r:id="rId6"/>
+    <p:sldId id="261" r:id="rId7"/>
   </p:sldIdLst>
   <p:sldSz cx="12192000" cy="6858000"/>
   <p:notesSz cx="6858000" cy="9144000"/>
@@ -263,7 +264,7 @@
           <a:p>
             <a:fld id="{5520B1F3-07DD-44E3-A9BF-64A33A5CC9D8}" type="datetimeFigureOut">
               <a:rPr lang="ko-KR" altLang="en-US" smtClean="0"/>
-              <a:t>2025-04-01</a:t>
+              <a:t>2025-04-02</a:t>
             </a:fld>
             <a:endParaRPr lang="ko-KR" altLang="en-US"/>
           </a:p>
@@ -461,7 +462,7 @@
           <a:p>
             <a:fld id="{5520B1F3-07DD-44E3-A9BF-64A33A5CC9D8}" type="datetimeFigureOut">
               <a:rPr lang="ko-KR" altLang="en-US" smtClean="0"/>
-              <a:t>2025-04-01</a:t>
+              <a:t>2025-04-02</a:t>
             </a:fld>
             <a:endParaRPr lang="ko-KR" altLang="en-US"/>
           </a:p>
@@ -669,7 +670,7 @@
           <a:p>
             <a:fld id="{5520B1F3-07DD-44E3-A9BF-64A33A5CC9D8}" type="datetimeFigureOut">
               <a:rPr lang="ko-KR" altLang="en-US" smtClean="0"/>
-              <a:t>2025-04-01</a:t>
+              <a:t>2025-04-02</a:t>
             </a:fld>
             <a:endParaRPr lang="ko-KR" altLang="en-US"/>
           </a:p>
@@ -867,7 +868,7 @@
           <a:p>
             <a:fld id="{5520B1F3-07DD-44E3-A9BF-64A33A5CC9D8}" type="datetimeFigureOut">
               <a:rPr lang="ko-KR" altLang="en-US" smtClean="0"/>
-              <a:t>2025-04-01</a:t>
+              <a:t>2025-04-02</a:t>
             </a:fld>
             <a:endParaRPr lang="ko-KR" altLang="en-US"/>
           </a:p>
@@ -1142,7 +1143,7 @@
           <a:p>
             <a:fld id="{5520B1F3-07DD-44E3-A9BF-64A33A5CC9D8}" type="datetimeFigureOut">
               <a:rPr lang="ko-KR" altLang="en-US" smtClean="0"/>
-              <a:t>2025-04-01</a:t>
+              <a:t>2025-04-02</a:t>
             </a:fld>
             <a:endParaRPr lang="ko-KR" altLang="en-US"/>
           </a:p>
@@ -1407,7 +1408,7 @@
           <a:p>
             <a:fld id="{5520B1F3-07DD-44E3-A9BF-64A33A5CC9D8}" type="datetimeFigureOut">
               <a:rPr lang="ko-KR" altLang="en-US" smtClean="0"/>
-              <a:t>2025-04-01</a:t>
+              <a:t>2025-04-02</a:t>
             </a:fld>
             <a:endParaRPr lang="ko-KR" altLang="en-US"/>
           </a:p>
@@ -1819,7 +1820,7 @@
           <a:p>
             <a:fld id="{5520B1F3-07DD-44E3-A9BF-64A33A5CC9D8}" type="datetimeFigureOut">
               <a:rPr lang="ko-KR" altLang="en-US" smtClean="0"/>
-              <a:t>2025-04-01</a:t>
+              <a:t>2025-04-02</a:t>
             </a:fld>
             <a:endParaRPr lang="ko-KR" altLang="en-US"/>
           </a:p>
@@ -1960,7 +1961,7 @@
           <a:p>
             <a:fld id="{5520B1F3-07DD-44E3-A9BF-64A33A5CC9D8}" type="datetimeFigureOut">
               <a:rPr lang="ko-KR" altLang="en-US" smtClean="0"/>
-              <a:t>2025-04-01</a:t>
+              <a:t>2025-04-02</a:t>
             </a:fld>
             <a:endParaRPr lang="ko-KR" altLang="en-US"/>
           </a:p>
@@ -2073,7 +2074,7 @@
           <a:p>
             <a:fld id="{5520B1F3-07DD-44E3-A9BF-64A33A5CC9D8}" type="datetimeFigureOut">
               <a:rPr lang="ko-KR" altLang="en-US" smtClean="0"/>
-              <a:t>2025-04-01</a:t>
+              <a:t>2025-04-02</a:t>
             </a:fld>
             <a:endParaRPr lang="ko-KR" altLang="en-US"/>
           </a:p>
@@ -2384,7 +2385,7 @@
           <a:p>
             <a:fld id="{5520B1F3-07DD-44E3-A9BF-64A33A5CC9D8}" type="datetimeFigureOut">
               <a:rPr lang="ko-KR" altLang="en-US" smtClean="0"/>
-              <a:t>2025-04-01</a:t>
+              <a:t>2025-04-02</a:t>
             </a:fld>
             <a:endParaRPr lang="ko-KR" altLang="en-US"/>
           </a:p>
@@ -2672,7 +2673,7 @@
           <a:p>
             <a:fld id="{5520B1F3-07DD-44E3-A9BF-64A33A5CC9D8}" type="datetimeFigureOut">
               <a:rPr lang="ko-KR" altLang="en-US" smtClean="0"/>
-              <a:t>2025-04-01</a:t>
+              <a:t>2025-04-02</a:t>
             </a:fld>
             <a:endParaRPr lang="ko-KR" altLang="en-US"/>
           </a:p>
@@ -2913,7 +2914,7 @@
           <a:p>
             <a:fld id="{5520B1F3-07DD-44E3-A9BF-64A33A5CC9D8}" type="datetimeFigureOut">
               <a:rPr lang="ko-KR" altLang="en-US" smtClean="0"/>
-              <a:t>2025-04-01</a:t>
+              <a:t>2025-04-02</a:t>
             </a:fld>
             <a:endParaRPr lang="ko-KR" altLang="en-US"/>
           </a:p>
@@ -3552,7 +3553,15 @@
             </a:r>
             <a:r>
               <a:rPr lang="ko-KR" altLang="en-US" dirty="0"/>
-              <a:t>는 입력 데이터를 낮은 차원의 표현으로 변환하고 이를 다시 원래 형태로 복원하는 신경망</a:t>
+              <a:t>는 입력 데이터를 낮은 차원의 표현</a:t>
+            </a:r>
+            <a:r>
+              <a:rPr lang="en-US" altLang="ko-KR" dirty="0"/>
+              <a:t>(Latent Space)</a:t>
+            </a:r>
+            <a:r>
+              <a:rPr lang="ko-KR" altLang="en-US" dirty="0"/>
+              <a:t>으로 변환하고 이를 다시 원래 형태로 복원하는 신경망</a:t>
             </a:r>
             <a:endParaRPr lang="en-US" altLang="ko-KR" dirty="0"/>
           </a:p>
@@ -3617,8 +3626,68 @@
               </a:solidFill>
             </a:endParaRPr>
           </a:p>
-        </p:txBody>
-      </p:sp>
+          <a:p>
+            <a:r>
+              <a:rPr lang="ko-KR" altLang="en-US" dirty="0"/>
+              <a:t>정상 데이터로만 학습한다면 원본 데이터와 복원 데이터의 차이는 매우 작을 것</a:t>
+            </a:r>
+            <a:r>
+              <a:rPr lang="en-US" altLang="ko-KR" dirty="0"/>
+              <a:t>.</a:t>
+            </a:r>
+          </a:p>
+          <a:p>
+            <a:endParaRPr lang="en-US" altLang="ko-KR" dirty="0"/>
+          </a:p>
+        </p:txBody>
+      </p:sp>
+      <p:pic>
+        <p:nvPicPr>
+          <p:cNvPr id="1026" name="Picture 2">
+            <a:extLst>
+              <a:ext uri="{FF2B5EF4-FFF2-40B4-BE49-F238E27FC236}">
+                <a16:creationId xmlns:a16="http://schemas.microsoft.com/office/drawing/2014/main" id="{329EA4AC-351E-67ED-E066-BABA28EA6249}"/>
+              </a:ext>
+            </a:extLst>
+          </p:cNvPr>
+          <p:cNvPicPr>
+            <a:picLocks noChangeAspect="1" noChangeArrowheads="1"/>
+          </p:cNvPicPr>
+          <p:nvPr/>
+        </p:nvPicPr>
+        <p:blipFill>
+          <a:blip r:embed="rId2">
+            <a:extLst>
+              <a:ext uri="{28A0092B-C50C-407E-A947-70E740481C1C}">
+                <a14:useLocalDpi xmlns:a14="http://schemas.microsoft.com/office/drawing/2010/main" val="0"/>
+              </a:ext>
+            </a:extLst>
+          </a:blip>
+          <a:srcRect/>
+          <a:stretch>
+            <a:fillRect/>
+          </a:stretch>
+        </p:blipFill>
+        <p:spPr bwMode="auto">
+          <a:xfrm>
+            <a:off x="5049671" y="4955423"/>
+            <a:ext cx="4917743" cy="1760270"/>
+          </a:xfrm>
+          <a:prstGeom prst="rect">
+            <a:avLst/>
+          </a:prstGeom>
+          <a:noFill/>
+          <a:extLst>
+            <a:ext uri="{909E8E84-426E-40DD-AFC4-6F175D3DCCD1}">
+              <a14:hiddenFill xmlns:a14="http://schemas.microsoft.com/office/drawing/2010/main">
+                <a:solidFill>
+                  <a:srgbClr val="FFFFFF"/>
+                </a:solidFill>
+              </a14:hiddenFill>
+            </a:ext>
+          </a:extLst>
+        </p:spPr>
+      </p:pic>
     </p:spTree>
     <p:extLst>
       <p:ext uri="{BB962C8B-B14F-4D97-AF65-F5344CB8AC3E}">
@@ -3875,6 +3944,98 @@
     <p:extLst>
       <p:ext uri="{BB962C8B-B14F-4D97-AF65-F5344CB8AC3E}">
         <p14:creationId xmlns:p14="http://schemas.microsoft.com/office/powerpoint/2010/main" val="3915418885"/>
+      </p:ext>
+    </p:extLst>
+  </p:cSld>
+  <p:clrMapOvr>
+    <a:masterClrMapping/>
+  </p:clrMapOvr>
+</p:sld>
+</file>
+
+<file path=ppt/slides/slide6.xml><?xml version="1.0" encoding="utf-8"?>
+<p:sld xmlns:a="http://schemas.openxmlformats.org/drawingml/2006/main" xmlns:r="http://schemas.openxmlformats.org/officeDocument/2006/relationships" xmlns:p="http://schemas.openxmlformats.org/presentationml/2006/main">
+  <p:cSld>
+    <p:spTree>
+      <p:nvGrpSpPr>
+        <p:cNvPr id="1" name=""/>
+        <p:cNvGrpSpPr/>
+        <p:nvPr/>
+      </p:nvGrpSpPr>
+      <p:grpSpPr>
+        <a:xfrm>
+          <a:off x="0" y="0"/>
+          <a:ext cx="0" cy="0"/>
+          <a:chOff x="0" y="0"/>
+          <a:chExt cx="0" cy="0"/>
+        </a:xfrm>
+      </p:grpSpPr>
+      <p:sp>
+        <p:nvSpPr>
+          <p:cNvPr id="2" name="제목 1">
+            <a:extLst>
+              <a:ext uri="{FF2B5EF4-FFF2-40B4-BE49-F238E27FC236}">
+                <a16:creationId xmlns:a16="http://schemas.microsoft.com/office/drawing/2014/main" id="{AD581883-4B72-3882-5BEA-733AB2AA20B0}"/>
+              </a:ext>
+            </a:extLst>
+          </p:cNvPr>
+          <p:cNvSpPr>
+            <a:spLocks noGrp="1"/>
+          </p:cNvSpPr>
+          <p:nvPr>
+            <p:ph type="title"/>
+          </p:nvPr>
+        </p:nvSpPr>
+        <p:spPr/>
+        <p:txBody>
+          <a:bodyPr/>
+          <a:lstStyle/>
+          <a:p>
+            <a:r>
+              <a:rPr lang="ko-KR" altLang="en-US" dirty="0"/>
+              <a:t>출처</a:t>
+            </a:r>
+          </a:p>
+        </p:txBody>
+      </p:sp>
+      <p:sp>
+        <p:nvSpPr>
+          <p:cNvPr id="3" name="내용 개체 틀 2">
+            <a:extLst>
+              <a:ext uri="{FF2B5EF4-FFF2-40B4-BE49-F238E27FC236}">
+                <a16:creationId xmlns:a16="http://schemas.microsoft.com/office/drawing/2014/main" id="{FDBCC205-2D68-8506-3F4C-76B5BA9D0B24}"/>
+              </a:ext>
+            </a:extLst>
+          </p:cNvPr>
+          <p:cNvSpPr>
+            <a:spLocks noGrp="1"/>
+          </p:cNvSpPr>
+          <p:nvPr>
+            <p:ph idx="1"/>
+          </p:nvPr>
+        </p:nvSpPr>
+        <p:spPr/>
+        <p:txBody>
+          <a:bodyPr/>
+          <a:lstStyle/>
+          <a:p>
+            <a:r>
+              <a:rPr lang="en-US" altLang="ko-KR" dirty="0">
+                <a:hlinkClick r:id="rId2"/>
+              </a:rPr>
+              <a:t>https://pasus.tistory.com/267</a:t>
+            </a:r>
+            <a:endParaRPr lang="en-US" altLang="ko-KR" dirty="0"/>
+          </a:p>
+          <a:p>
+            <a:endParaRPr lang="ko-KR" altLang="en-US" dirty="0"/>
+          </a:p>
+        </p:txBody>
+      </p:sp>
+    </p:spTree>
+    <p:extLst>
+      <p:ext uri="{BB962C8B-B14F-4D97-AF65-F5344CB8AC3E}">
+        <p14:creationId xmlns:p14="http://schemas.microsoft.com/office/powerpoint/2010/main" val="3989817147"/>
       </p:ext>
     </p:extLst>
   </p:cSld>

--- a/캡스톤디자인 3주차.pptx
+++ b/캡스톤디자인 3주차.pptx
@@ -4,13 +4,17 @@
   <p:sldMasterIdLst>
     <p:sldMasterId id="2147483648" r:id="rId1"/>
   </p:sldMasterIdLst>
+  <p:notesMasterIdLst>
+    <p:notesMasterId r:id="rId9"/>
+  </p:notesMasterIdLst>
   <p:sldIdLst>
     <p:sldId id="256" r:id="rId2"/>
     <p:sldId id="260" r:id="rId3"/>
     <p:sldId id="258" r:id="rId4"/>
-    <p:sldId id="257" r:id="rId5"/>
-    <p:sldId id="259" r:id="rId6"/>
-    <p:sldId id="261" r:id="rId7"/>
+    <p:sldId id="259" r:id="rId5"/>
+    <p:sldId id="257" r:id="rId6"/>
+    <p:sldId id="262" r:id="rId7"/>
+    <p:sldId id="261" r:id="rId8"/>
   </p:sldIdLst>
   <p:sldSz cx="12192000" cy="6858000"/>
   <p:notesSz cx="6858000" cy="9144000"/>
@@ -115,6 +119,439 @@
     </p:ext>
   </p:extLst>
 </p:presentation>
+</file>
+
+<file path=ppt/notesMasters/notesMaster1.xml><?xml version="1.0" encoding="utf-8"?>
+<p:notesMaster xmlns:a="http://schemas.openxmlformats.org/drawingml/2006/main" xmlns:r="http://schemas.openxmlformats.org/officeDocument/2006/relationships" xmlns:p="http://schemas.openxmlformats.org/presentationml/2006/main">
+  <p:cSld>
+    <p:bg>
+      <p:bgRef idx="1001">
+        <a:schemeClr val="bg1"/>
+      </p:bgRef>
+    </p:bg>
+    <p:spTree>
+      <p:nvGrpSpPr>
+        <p:cNvPr id="1" name=""/>
+        <p:cNvGrpSpPr/>
+        <p:nvPr/>
+      </p:nvGrpSpPr>
+      <p:grpSpPr>
+        <a:xfrm>
+          <a:off x="0" y="0"/>
+          <a:ext cx="0" cy="0"/>
+          <a:chOff x="0" y="0"/>
+          <a:chExt cx="0" cy="0"/>
+        </a:xfrm>
+      </p:grpSpPr>
+      <p:sp>
+        <p:nvSpPr>
+          <p:cNvPr id="2" name="머리글 개체 틀 1"/>
+          <p:cNvSpPr>
+            <a:spLocks noGrp="1"/>
+          </p:cNvSpPr>
+          <p:nvPr>
+            <p:ph type="hdr" sz="quarter"/>
+          </p:nvPr>
+        </p:nvSpPr>
+        <p:spPr>
+          <a:xfrm>
+            <a:off x="0" y="0"/>
+            <a:ext cx="2971800" cy="458788"/>
+          </a:xfrm>
+          <a:prstGeom prst="rect">
+            <a:avLst/>
+          </a:prstGeom>
+        </p:spPr>
+        <p:txBody>
+          <a:bodyPr vert="horz" lIns="91440" tIns="45720" rIns="91440" bIns="45720" rtlCol="0"/>
+          <a:lstStyle>
+            <a:lvl1pPr algn="l">
+              <a:defRPr sz="1200"/>
+            </a:lvl1pPr>
+          </a:lstStyle>
+          <a:p>
+            <a:endParaRPr lang="ko-KR" altLang="en-US"/>
+          </a:p>
+        </p:txBody>
+      </p:sp>
+      <p:sp>
+        <p:nvSpPr>
+          <p:cNvPr id="3" name="날짜 개체 틀 2"/>
+          <p:cNvSpPr>
+            <a:spLocks noGrp="1"/>
+          </p:cNvSpPr>
+          <p:nvPr>
+            <p:ph type="dt" idx="1"/>
+          </p:nvPr>
+        </p:nvSpPr>
+        <p:spPr>
+          <a:xfrm>
+            <a:off x="3884613" y="0"/>
+            <a:ext cx="2971800" cy="458788"/>
+          </a:xfrm>
+          <a:prstGeom prst="rect">
+            <a:avLst/>
+          </a:prstGeom>
+        </p:spPr>
+        <p:txBody>
+          <a:bodyPr vert="horz" lIns="91440" tIns="45720" rIns="91440" bIns="45720" rtlCol="0"/>
+          <a:lstStyle>
+            <a:lvl1pPr algn="r">
+              <a:defRPr sz="1200"/>
+            </a:lvl1pPr>
+          </a:lstStyle>
+          <a:p>
+            <a:fld id="{B9C56273-945D-4505-998A-F4CA5AA702A3}" type="datetimeFigureOut">
+              <a:rPr lang="ko-KR" altLang="en-US" smtClean="0"/>
+              <a:t>2025-04-02</a:t>
+            </a:fld>
+            <a:endParaRPr lang="ko-KR" altLang="en-US"/>
+          </a:p>
+        </p:txBody>
+      </p:sp>
+      <p:sp>
+        <p:nvSpPr>
+          <p:cNvPr id="4" name="슬라이드 이미지 개체 틀 3"/>
+          <p:cNvSpPr>
+            <a:spLocks noGrp="1" noRot="1" noChangeAspect="1"/>
+          </p:cNvSpPr>
+          <p:nvPr>
+            <p:ph type="sldImg" idx="2"/>
+          </p:nvPr>
+        </p:nvSpPr>
+        <p:spPr>
+          <a:xfrm>
+            <a:off x="685800" y="1143000"/>
+            <a:ext cx="5486400" cy="3086100"/>
+          </a:xfrm>
+          <a:prstGeom prst="rect">
+            <a:avLst/>
+          </a:prstGeom>
+          <a:noFill/>
+          <a:ln w="12700">
+            <a:solidFill>
+              <a:prstClr val="black"/>
+            </a:solidFill>
+          </a:ln>
+        </p:spPr>
+        <p:txBody>
+          <a:bodyPr vert="horz" lIns="91440" tIns="45720" rIns="91440" bIns="45720" rtlCol="0" anchor="ctr"/>
+          <a:lstStyle/>
+          <a:p>
+            <a:endParaRPr lang="ko-KR" altLang="en-US"/>
+          </a:p>
+        </p:txBody>
+      </p:sp>
+      <p:sp>
+        <p:nvSpPr>
+          <p:cNvPr id="5" name="슬라이드 노트 개체 틀 4"/>
+          <p:cNvSpPr>
+            <a:spLocks noGrp="1"/>
+          </p:cNvSpPr>
+          <p:nvPr>
+            <p:ph type="body" sz="quarter" idx="3"/>
+          </p:nvPr>
+        </p:nvSpPr>
+        <p:spPr>
+          <a:xfrm>
+            <a:off x="685800" y="4400550"/>
+            <a:ext cx="5486400" cy="3600450"/>
+          </a:xfrm>
+          <a:prstGeom prst="rect">
+            <a:avLst/>
+          </a:prstGeom>
+        </p:spPr>
+        <p:txBody>
+          <a:bodyPr vert="horz" lIns="91440" tIns="45720" rIns="91440" bIns="45720" rtlCol="0"/>
+          <a:lstStyle/>
+          <a:p>
+            <a:pPr lvl="0"/>
+            <a:r>
+              <a:rPr lang="ko-KR" altLang="en-US"/>
+              <a:t>마스터 텍스트 스타일을 편집하려면 클릭</a:t>
+            </a:r>
+          </a:p>
+          <a:p>
+            <a:pPr lvl="1"/>
+            <a:r>
+              <a:rPr lang="ko-KR" altLang="en-US"/>
+              <a:t>두 번째 수준</a:t>
+            </a:r>
+          </a:p>
+          <a:p>
+            <a:pPr lvl="2"/>
+            <a:r>
+              <a:rPr lang="ko-KR" altLang="en-US"/>
+              <a:t>세 번째 수준</a:t>
+            </a:r>
+          </a:p>
+          <a:p>
+            <a:pPr lvl="3"/>
+            <a:r>
+              <a:rPr lang="ko-KR" altLang="en-US"/>
+              <a:t>네 번째 수준</a:t>
+            </a:r>
+          </a:p>
+          <a:p>
+            <a:pPr lvl="4"/>
+            <a:r>
+              <a:rPr lang="ko-KR" altLang="en-US"/>
+              <a:t>다섯 번째 수준</a:t>
+            </a:r>
+          </a:p>
+        </p:txBody>
+      </p:sp>
+      <p:sp>
+        <p:nvSpPr>
+          <p:cNvPr id="6" name="바닥글 개체 틀 5"/>
+          <p:cNvSpPr>
+            <a:spLocks noGrp="1"/>
+          </p:cNvSpPr>
+          <p:nvPr>
+            <p:ph type="ftr" sz="quarter" idx="4"/>
+          </p:nvPr>
+        </p:nvSpPr>
+        <p:spPr>
+          <a:xfrm>
+            <a:off x="0" y="8685213"/>
+            <a:ext cx="2971800" cy="458787"/>
+          </a:xfrm>
+          <a:prstGeom prst="rect">
+            <a:avLst/>
+          </a:prstGeom>
+        </p:spPr>
+        <p:txBody>
+          <a:bodyPr vert="horz" lIns="91440" tIns="45720" rIns="91440" bIns="45720" rtlCol="0" anchor="b"/>
+          <a:lstStyle>
+            <a:lvl1pPr algn="l">
+              <a:defRPr sz="1200"/>
+            </a:lvl1pPr>
+          </a:lstStyle>
+          <a:p>
+            <a:endParaRPr lang="ko-KR" altLang="en-US"/>
+          </a:p>
+        </p:txBody>
+      </p:sp>
+      <p:sp>
+        <p:nvSpPr>
+          <p:cNvPr id="7" name="슬라이드 번호 개체 틀 6"/>
+          <p:cNvSpPr>
+            <a:spLocks noGrp="1"/>
+          </p:cNvSpPr>
+          <p:nvPr>
+            <p:ph type="sldNum" sz="quarter" idx="5"/>
+          </p:nvPr>
+        </p:nvSpPr>
+        <p:spPr>
+          <a:xfrm>
+            <a:off x="3884613" y="8685213"/>
+            <a:ext cx="2971800" cy="458787"/>
+          </a:xfrm>
+          <a:prstGeom prst="rect">
+            <a:avLst/>
+          </a:prstGeom>
+        </p:spPr>
+        <p:txBody>
+          <a:bodyPr vert="horz" lIns="91440" tIns="45720" rIns="91440" bIns="45720" rtlCol="0" anchor="b"/>
+          <a:lstStyle>
+            <a:lvl1pPr algn="r">
+              <a:defRPr sz="1200"/>
+            </a:lvl1pPr>
+          </a:lstStyle>
+          <a:p>
+            <a:fld id="{FA523524-E5B6-4CAC-896D-5A3829789C79}" type="slidenum">
+              <a:rPr lang="ko-KR" altLang="en-US" smtClean="0"/>
+              <a:t>‹#›</a:t>
+            </a:fld>
+            <a:endParaRPr lang="ko-KR" altLang="en-US"/>
+          </a:p>
+        </p:txBody>
+      </p:sp>
+    </p:spTree>
+    <p:extLst>
+      <p:ext uri="{BB962C8B-B14F-4D97-AF65-F5344CB8AC3E}">
+        <p14:creationId xmlns:p14="http://schemas.microsoft.com/office/powerpoint/2010/main" val="959712757"/>
+      </p:ext>
+    </p:extLst>
+  </p:cSld>
+  <p:clrMap bg1="lt1" tx1="dk1" bg2="lt2" tx2="dk2" accent1="accent1" accent2="accent2" accent3="accent3" accent4="accent4" accent5="accent5" accent6="accent6" hlink="hlink" folHlink="folHlink"/>
+  <p:notesStyle>
+    <a:lvl1pPr marL="0" algn="l" defTabSz="914400" rtl="0" eaLnBrk="1" latinLnBrk="1" hangingPunct="1">
+      <a:defRPr sz="1200" kern="1200">
+        <a:solidFill>
+          <a:schemeClr val="tx1"/>
+        </a:solidFill>
+        <a:latin typeface="+mn-lt"/>
+        <a:ea typeface="+mn-ea"/>
+        <a:cs typeface="+mn-cs"/>
+      </a:defRPr>
+    </a:lvl1pPr>
+    <a:lvl2pPr marL="457200" algn="l" defTabSz="914400" rtl="0" eaLnBrk="1" latinLnBrk="1" hangingPunct="1">
+      <a:defRPr sz="1200" kern="1200">
+        <a:solidFill>
+          <a:schemeClr val="tx1"/>
+        </a:solidFill>
+        <a:latin typeface="+mn-lt"/>
+        <a:ea typeface="+mn-ea"/>
+        <a:cs typeface="+mn-cs"/>
+      </a:defRPr>
+    </a:lvl2pPr>
+    <a:lvl3pPr marL="914400" algn="l" defTabSz="914400" rtl="0" eaLnBrk="1" latinLnBrk="1" hangingPunct="1">
+      <a:defRPr sz="1200" kern="1200">
+        <a:solidFill>
+          <a:schemeClr val="tx1"/>
+        </a:solidFill>
+        <a:latin typeface="+mn-lt"/>
+        <a:ea typeface="+mn-ea"/>
+        <a:cs typeface="+mn-cs"/>
+      </a:defRPr>
+    </a:lvl3pPr>
+    <a:lvl4pPr marL="1371600" algn="l" defTabSz="914400" rtl="0" eaLnBrk="1" latinLnBrk="1" hangingPunct="1">
+      <a:defRPr sz="1200" kern="1200">
+        <a:solidFill>
+          <a:schemeClr val="tx1"/>
+        </a:solidFill>
+        <a:latin typeface="+mn-lt"/>
+        <a:ea typeface="+mn-ea"/>
+        <a:cs typeface="+mn-cs"/>
+      </a:defRPr>
+    </a:lvl4pPr>
+    <a:lvl5pPr marL="1828800" algn="l" defTabSz="914400" rtl="0" eaLnBrk="1" latinLnBrk="1" hangingPunct="1">
+      <a:defRPr sz="1200" kern="1200">
+        <a:solidFill>
+          <a:schemeClr val="tx1"/>
+        </a:solidFill>
+        <a:latin typeface="+mn-lt"/>
+        <a:ea typeface="+mn-ea"/>
+        <a:cs typeface="+mn-cs"/>
+      </a:defRPr>
+    </a:lvl5pPr>
+    <a:lvl6pPr marL="2286000" algn="l" defTabSz="914400" rtl="0" eaLnBrk="1" latinLnBrk="1" hangingPunct="1">
+      <a:defRPr sz="1200" kern="1200">
+        <a:solidFill>
+          <a:schemeClr val="tx1"/>
+        </a:solidFill>
+        <a:latin typeface="+mn-lt"/>
+        <a:ea typeface="+mn-ea"/>
+        <a:cs typeface="+mn-cs"/>
+      </a:defRPr>
+    </a:lvl6pPr>
+    <a:lvl7pPr marL="2743200" algn="l" defTabSz="914400" rtl="0" eaLnBrk="1" latinLnBrk="1" hangingPunct="1">
+      <a:defRPr sz="1200" kern="1200">
+        <a:solidFill>
+          <a:schemeClr val="tx1"/>
+        </a:solidFill>
+        <a:latin typeface="+mn-lt"/>
+        <a:ea typeface="+mn-ea"/>
+        <a:cs typeface="+mn-cs"/>
+      </a:defRPr>
+    </a:lvl7pPr>
+    <a:lvl8pPr marL="3200400" algn="l" defTabSz="914400" rtl="0" eaLnBrk="1" latinLnBrk="1" hangingPunct="1">
+      <a:defRPr sz="1200" kern="1200">
+        <a:solidFill>
+          <a:schemeClr val="tx1"/>
+        </a:solidFill>
+        <a:latin typeface="+mn-lt"/>
+        <a:ea typeface="+mn-ea"/>
+        <a:cs typeface="+mn-cs"/>
+      </a:defRPr>
+    </a:lvl8pPr>
+    <a:lvl9pPr marL="3657600" algn="l" defTabSz="914400" rtl="0" eaLnBrk="1" latinLnBrk="1" hangingPunct="1">
+      <a:defRPr sz="1200" kern="1200">
+        <a:solidFill>
+          <a:schemeClr val="tx1"/>
+        </a:solidFill>
+        <a:latin typeface="+mn-lt"/>
+        <a:ea typeface="+mn-ea"/>
+        <a:cs typeface="+mn-cs"/>
+      </a:defRPr>
+    </a:lvl9pPr>
+  </p:notesStyle>
+</p:notesMaster>
+</file>
+
+<file path=ppt/notesSlides/notesSlide1.xml><?xml version="1.0" encoding="utf-8"?>
+<p:notes xmlns:a="http://schemas.openxmlformats.org/drawingml/2006/main" xmlns:r="http://schemas.openxmlformats.org/officeDocument/2006/relationships" xmlns:p="http://schemas.openxmlformats.org/presentationml/2006/main">
+  <p:cSld>
+    <p:spTree>
+      <p:nvGrpSpPr>
+        <p:cNvPr id="1" name=""/>
+        <p:cNvGrpSpPr/>
+        <p:nvPr/>
+      </p:nvGrpSpPr>
+      <p:grpSpPr>
+        <a:xfrm>
+          <a:off x="0" y="0"/>
+          <a:ext cx="0" cy="0"/>
+          <a:chOff x="0" y="0"/>
+          <a:chExt cx="0" cy="0"/>
+        </a:xfrm>
+      </p:grpSpPr>
+      <p:sp>
+        <p:nvSpPr>
+          <p:cNvPr id="2" name="슬라이드 이미지 개체 틀 1"/>
+          <p:cNvSpPr>
+            <a:spLocks noGrp="1" noRot="1" noChangeAspect="1"/>
+          </p:cNvSpPr>
+          <p:nvPr>
+            <p:ph type="sldImg"/>
+          </p:nvPr>
+        </p:nvSpPr>
+        <p:spPr/>
+      </p:sp>
+      <p:sp>
+        <p:nvSpPr>
+          <p:cNvPr id="3" name="슬라이드 노트 개체 틀 2"/>
+          <p:cNvSpPr>
+            <a:spLocks noGrp="1"/>
+          </p:cNvSpPr>
+          <p:nvPr>
+            <p:ph type="body" idx="1"/>
+          </p:nvPr>
+        </p:nvSpPr>
+        <p:spPr/>
+        <p:txBody>
+          <a:bodyPr/>
+          <a:lstStyle/>
+          <a:p>
+            <a:endParaRPr lang="ko-KR" altLang="en-US" dirty="0"/>
+          </a:p>
+        </p:txBody>
+      </p:sp>
+      <p:sp>
+        <p:nvSpPr>
+          <p:cNvPr id="4" name="슬라이드 번호 개체 틀 3"/>
+          <p:cNvSpPr>
+            <a:spLocks noGrp="1"/>
+          </p:cNvSpPr>
+          <p:nvPr>
+            <p:ph type="sldNum" sz="quarter" idx="5"/>
+          </p:nvPr>
+        </p:nvSpPr>
+        <p:spPr/>
+        <p:txBody>
+          <a:bodyPr/>
+          <a:lstStyle/>
+          <a:p>
+            <a:fld id="{FA523524-E5B6-4CAC-896D-5A3829789C79}" type="slidenum">
+              <a:rPr lang="ko-KR" altLang="en-US" smtClean="0"/>
+              <a:t>4</a:t>
+            </a:fld>
+            <a:endParaRPr lang="ko-KR" altLang="en-US"/>
+          </a:p>
+        </p:txBody>
+      </p:sp>
+    </p:spTree>
+    <p:extLst>
+      <p:ext uri="{BB962C8B-B14F-4D97-AF65-F5344CB8AC3E}">
+        <p14:creationId xmlns:p14="http://schemas.microsoft.com/office/powerpoint/2010/main" val="1408975217"/>
+      </p:ext>
+    </p:extLst>
+  </p:cSld>
+  <p:clrMapOvr>
+    <a:masterClrMapping/>
+  </p:clrMapOvr>
+</p:notes>
 </file>
 
 <file path=ppt/slideLayouts/slideLayout1.xml><?xml version="1.0" encoding="utf-8"?>
@@ -3544,52 +3981,54 @@
         </p:nvSpPr>
         <p:spPr/>
         <p:txBody>
-          <a:bodyPr/>
-          <a:lstStyle/>
-          <a:p>
-            <a:r>
-              <a:rPr lang="en-US" altLang="ko-KR" dirty="0"/>
+          <a:bodyPr>
+            <a:normAutofit/>
+          </a:bodyPr>
+          <a:lstStyle/>
+          <a:p>
+            <a:r>
+              <a:rPr lang="en-US" altLang="ko-KR" sz="2400" dirty="0"/>
               <a:t>Autoencoder</a:t>
             </a:r>
             <a:r>
-              <a:rPr lang="ko-KR" altLang="en-US" dirty="0"/>
+              <a:rPr lang="ko-KR" altLang="en-US" sz="2400" dirty="0"/>
               <a:t>는 입력 데이터를 낮은 차원의 표현</a:t>
             </a:r>
             <a:r>
-              <a:rPr lang="en-US" altLang="ko-KR" dirty="0"/>
+              <a:rPr lang="en-US" altLang="ko-KR" sz="2400" dirty="0"/>
               <a:t>(Latent Space)</a:t>
             </a:r>
             <a:r>
-              <a:rPr lang="ko-KR" altLang="en-US" dirty="0"/>
+              <a:rPr lang="ko-KR" altLang="en-US" sz="2400" dirty="0"/>
               <a:t>으로 변환하고 이를 다시 원래 형태로 복원하는 신경망</a:t>
             </a:r>
-            <a:endParaRPr lang="en-US" altLang="ko-KR" dirty="0"/>
-          </a:p>
-          <a:p>
-            <a:endParaRPr lang="en-US" altLang="ko-KR" dirty="0"/>
-          </a:p>
-          <a:p>
-            <a:r>
-              <a:rPr lang="ko-KR" altLang="en-US" dirty="0"/>
+            <a:endParaRPr lang="en-US" altLang="ko-KR" sz="2400" dirty="0"/>
+          </a:p>
+          <a:p>
+            <a:endParaRPr lang="en-US" altLang="ko-KR" sz="2400" dirty="0"/>
+          </a:p>
+          <a:p>
+            <a:r>
+              <a:rPr lang="ko-KR" altLang="en-US" sz="2400" dirty="0"/>
               <a:t>두 가지의 주요 구성 부분이 있음</a:t>
             </a:r>
             <a:r>
-              <a:rPr lang="en-US" altLang="ko-KR" dirty="0"/>
+              <a:rPr lang="en-US" altLang="ko-KR" sz="2400" dirty="0"/>
               <a:t>.</a:t>
             </a:r>
           </a:p>
           <a:p>
             <a:pPr lvl="1"/>
             <a:r>
-              <a:rPr lang="en-US" altLang="ko-KR" dirty="0"/>
+              <a:rPr lang="en-US" altLang="ko-KR" sz="2000" dirty="0"/>
               <a:t>Encoder: </a:t>
             </a:r>
             <a:r>
-              <a:rPr lang="ko-KR" altLang="en-US" dirty="0"/>
+              <a:rPr lang="ko-KR" altLang="en-US" sz="2000" dirty="0"/>
               <a:t>데이터를 </a:t>
             </a:r>
             <a:r>
-              <a:rPr lang="ko-KR" altLang="en-US" b="1" dirty="0">
+              <a:rPr lang="ko-KR" altLang="en-US" sz="2000" b="1" dirty="0">
                 <a:solidFill>
                   <a:srgbClr val="C00000"/>
                 </a:solidFill>
@@ -3597,97 +4036,60 @@
               <a:t>압축</a:t>
             </a:r>
             <a:r>
-              <a:rPr lang="ko-KR" altLang="en-US" dirty="0"/>
+              <a:rPr lang="ko-KR" altLang="en-US" sz="2000" dirty="0"/>
               <a:t>하여 중요한 부분만 저장</a:t>
             </a:r>
-            <a:endParaRPr lang="en-US" altLang="ko-KR" dirty="0"/>
+            <a:endParaRPr lang="en-US" altLang="ko-KR" sz="2000" dirty="0"/>
           </a:p>
           <a:p>
             <a:pPr lvl="1"/>
             <a:r>
-              <a:rPr lang="en-US" altLang="ko-KR" dirty="0"/>
+              <a:rPr lang="en-US" altLang="ko-KR" sz="2000" dirty="0"/>
               <a:t>Decoder: </a:t>
             </a:r>
             <a:r>
-              <a:rPr lang="ko-KR" altLang="en-US" dirty="0"/>
+              <a:rPr lang="ko-KR" altLang="en-US" sz="2000" dirty="0"/>
               <a:t>압축된 데이터를 기반으로 </a:t>
             </a:r>
             <a:r>
-              <a:rPr lang="ko-KR" altLang="en-US" b="1" dirty="0">
+              <a:rPr lang="ko-KR" altLang="en-US" sz="2000" b="1" dirty="0">
                 <a:solidFill>
                   <a:srgbClr val="C00000"/>
                 </a:solidFill>
               </a:rPr>
               <a:t>원본 복원</a:t>
             </a:r>
-            <a:endParaRPr lang="en-US" altLang="ko-KR" b="1" dirty="0">
+            <a:endParaRPr lang="en-US" altLang="ko-KR" sz="2000" b="1" dirty="0">
               <a:solidFill>
                 <a:srgbClr val="C00000"/>
               </a:solidFill>
             </a:endParaRPr>
           </a:p>
           <a:p>
-            <a:r>
-              <a:rPr lang="ko-KR" altLang="en-US" dirty="0"/>
-              <a:t>정상 데이터로만 학습한다면 원본 데이터와 복원 데이터의 차이는 매우 작을 것</a:t>
-            </a:r>
-            <a:r>
-              <a:rPr lang="en-US" altLang="ko-KR" dirty="0"/>
+            <a:endParaRPr lang="en-US" altLang="ko-KR" sz="2400" dirty="0"/>
+          </a:p>
+          <a:p>
+            <a:r>
+              <a:rPr lang="en-US" altLang="ko-KR" sz="2400" dirty="0"/>
+              <a:t>Autoencoder</a:t>
+            </a:r>
+            <a:r>
+              <a:rPr lang="ko-KR" altLang="en-US" sz="2400" dirty="0"/>
+              <a:t>는 차원 축소와 이상 탐지에 쓰일 수 있음</a:t>
+            </a:r>
+            <a:r>
+              <a:rPr lang="en-US" altLang="ko-KR" sz="2400" dirty="0"/>
               <a:t>.</a:t>
             </a:r>
           </a:p>
           <a:p>
+            <a:endParaRPr lang="en-US" altLang="ko-KR" sz="2400" dirty="0"/>
+          </a:p>
+          <a:p>
             <a:endParaRPr lang="en-US" altLang="ko-KR" dirty="0"/>
           </a:p>
         </p:txBody>
       </p:sp>
-      <p:pic>
-        <p:nvPicPr>
-          <p:cNvPr id="1026" name="Picture 2">
-            <a:extLst>
-              <a:ext uri="{FF2B5EF4-FFF2-40B4-BE49-F238E27FC236}">
-                <a16:creationId xmlns:a16="http://schemas.microsoft.com/office/drawing/2014/main" id="{329EA4AC-351E-67ED-E066-BABA28EA6249}"/>
-              </a:ext>
-            </a:extLst>
-          </p:cNvPr>
-          <p:cNvPicPr>
-            <a:picLocks noChangeAspect="1" noChangeArrowheads="1"/>
-          </p:cNvPicPr>
-          <p:nvPr/>
-        </p:nvPicPr>
-        <p:blipFill>
-          <a:blip r:embed="rId2">
-            <a:extLst>
-              <a:ext uri="{28A0092B-C50C-407E-A947-70E740481C1C}">
-                <a14:useLocalDpi xmlns:a14="http://schemas.microsoft.com/office/drawing/2010/main" val="0"/>
-              </a:ext>
-            </a:extLst>
-          </a:blip>
-          <a:srcRect/>
-          <a:stretch>
-            <a:fillRect/>
-          </a:stretch>
-        </p:blipFill>
-        <p:spPr bwMode="auto">
-          <a:xfrm>
-            <a:off x="5049671" y="4955423"/>
-            <a:ext cx="4917743" cy="1760270"/>
-          </a:xfrm>
-          <a:prstGeom prst="rect">
-            <a:avLst/>
-          </a:prstGeom>
-          <a:noFill/>
-          <a:extLst>
-            <a:ext uri="{909E8E84-426E-40DD-AFC4-6F175D3DCCD1}">
-              <a14:hiddenFill xmlns:a14="http://schemas.microsoft.com/office/drawing/2010/main">
-                <a:solidFill>
-                  <a:srgbClr val="FFFFFF"/>
-                </a:solidFill>
-              </a14:hiddenFill>
-            </a:ext>
-          </a:extLst>
-        </p:spPr>
-      </p:pic>
     </p:spTree>
     <p:extLst>
       <p:ext uri="{BB962C8B-B14F-4D97-AF65-F5344CB8AC3E}">
@@ -3723,7 +4125,7 @@
           <p:cNvPr id="2" name="제목 1">
             <a:extLst>
               <a:ext uri="{FF2B5EF4-FFF2-40B4-BE49-F238E27FC236}">
-                <a16:creationId xmlns:a16="http://schemas.microsoft.com/office/drawing/2014/main" id="{27C85483-0598-B9EE-B281-E7806A851853}"/>
+                <a16:creationId xmlns:a16="http://schemas.microsoft.com/office/drawing/2014/main" id="{43D1CEAE-C02F-D3C0-03D8-2FF48317BE16}"/>
               </a:ext>
             </a:extLst>
           </p:cNvPr>
@@ -3741,7 +4143,7 @@
           <a:p>
             <a:r>
               <a:rPr lang="en-US" altLang="ko-KR" dirty="0"/>
-              <a:t>LSTM-Autoencoder</a:t>
+              <a:t>What Is Autoencoder?</a:t>
             </a:r>
             <a:endParaRPr lang="ko-KR" altLang="en-US" dirty="0"/>
           </a:p>
@@ -3752,7 +4154,7 @@
           <p:cNvPr id="3" name="내용 개체 틀 2">
             <a:extLst>
               <a:ext uri="{FF2B5EF4-FFF2-40B4-BE49-F238E27FC236}">
-                <a16:creationId xmlns:a16="http://schemas.microsoft.com/office/drawing/2014/main" id="{3F17B88B-7D32-FE59-7D69-2B95CB5C7E13}"/>
+                <a16:creationId xmlns:a16="http://schemas.microsoft.com/office/drawing/2014/main" id="{D3E8E277-DE03-EF34-46E2-D99445009DBB}"/>
               </a:ext>
             </a:extLst>
           </p:cNvPr>
@@ -3763,12 +4165,7 @@
             <p:ph idx="1"/>
           </p:nvPr>
         </p:nvSpPr>
-        <p:spPr>
-          <a:xfrm>
-            <a:off x="838200" y="1825625"/>
-            <a:ext cx="10515600" cy="4351338"/>
-          </a:xfrm>
-        </p:spPr>
+        <p:spPr/>
         <p:txBody>
           <a:bodyPr>
             <a:normAutofit/>
@@ -3776,90 +4173,164 @@
           <a:lstStyle/>
           <a:p>
             <a:r>
+              <a:rPr lang="ko-KR" altLang="en-US" sz="2400" dirty="0"/>
+              <a:t>정상적인 데이터만을 입력으로 받게 된다면 원본 데이터와 </a:t>
+            </a:r>
+            <a:r>
+              <a:rPr lang="ko-KR" altLang="en-US" sz="2400" dirty="0" err="1"/>
+              <a:t>디코더가</a:t>
+            </a:r>
+            <a:r>
+              <a:rPr lang="ko-KR" altLang="en-US" sz="2400" dirty="0"/>
+              <a:t> 복원한 데이터의 오차는 작게 될 것이다</a:t>
+            </a:r>
+            <a:r>
               <a:rPr lang="en-US" altLang="ko-KR" sz="2400" dirty="0"/>
-              <a:t>Time-Series Data</a:t>
-            </a:r>
+              <a:t>.</a:t>
+            </a:r>
+          </a:p>
+          <a:p>
+            <a:endParaRPr lang="en-US" altLang="ko-KR" sz="2400" dirty="0"/>
+          </a:p>
+          <a:p>
             <a:r>
               <a:rPr lang="ko-KR" altLang="en-US" sz="2400" dirty="0"/>
-              <a:t>를 처리하기 위한 </a:t>
+              <a:t>반대로 말하면 두 데이터의 오차가 </a:t>
+            </a:r>
+            <a:r>
+              <a:rPr lang="ko-KR" altLang="en-US" sz="2400" dirty="0">
+                <a:solidFill>
+                  <a:srgbClr val="FF0000"/>
+                </a:solidFill>
+              </a:rPr>
+              <a:t>임계치</a:t>
+            </a:r>
+            <a:r>
+              <a:rPr lang="en-US" altLang="ko-KR" sz="2400" dirty="0">
+                <a:solidFill>
+                  <a:srgbClr val="FF0000"/>
+                </a:solidFill>
+              </a:rPr>
+              <a:t>(threshold)</a:t>
+            </a:r>
+            <a:r>
+              <a:rPr lang="ko-KR" altLang="en-US" sz="2400" dirty="0">
+                <a:solidFill>
+                  <a:srgbClr val="FF0000"/>
+                </a:solidFill>
+              </a:rPr>
+              <a:t>를 넘어가게 된다면 이상</a:t>
+            </a:r>
+            <a:r>
+              <a:rPr lang="ko-KR" altLang="en-US" sz="2400" dirty="0"/>
+              <a:t>이라고 정의할 수 있다</a:t>
             </a:r>
             <a:r>
               <a:rPr lang="en-US" altLang="ko-KR" sz="2400" dirty="0"/>
-              <a:t>LSTM</a:t>
-            </a:r>
-            <a:r>
-              <a:rPr lang="ko-KR" altLang="en-US" sz="2400" dirty="0"/>
-              <a:t>을 활용한 </a:t>
-            </a:r>
-            <a:r>
-              <a:rPr lang="en-US" altLang="ko-KR" sz="2400" dirty="0"/>
-              <a:t>Autoencoder </a:t>
-            </a:r>
-            <a:r>
-              <a:rPr lang="ko-KR" altLang="en-US" sz="2400" dirty="0"/>
-              <a:t>모델</a:t>
-            </a:r>
-            <a:endParaRPr lang="en-US" altLang="ko-KR" sz="2400" dirty="0"/>
-          </a:p>
-          <a:p>
-            <a:r>
-              <a:rPr lang="ko-KR" altLang="en-US" sz="2400" dirty="0"/>
-              <a:t>입력 데이터를 학습하여 </a:t>
-            </a:r>
-            <a:r>
-              <a:rPr lang="ko-KR" altLang="en-US" sz="2400" b="1" dirty="0"/>
-              <a:t>다시 복원</a:t>
-            </a:r>
-            <a:r>
-              <a:rPr lang="ko-KR" altLang="en-US" sz="2400" dirty="0"/>
-              <a:t>하는 방식으로 특징을 학습</a:t>
-            </a:r>
-            <a:endParaRPr lang="en-US" altLang="ko-KR" sz="2400" dirty="0"/>
-          </a:p>
-          <a:p>
-            <a:r>
-              <a:rPr lang="ko-KR" altLang="en-US" sz="2400" dirty="0"/>
-              <a:t>주로 </a:t>
-            </a:r>
-            <a:r>
-              <a:rPr lang="ko-KR" altLang="en-US" sz="2400" b="1" dirty="0"/>
-              <a:t>이상 탐지</a:t>
-            </a:r>
-            <a:r>
-              <a:rPr lang="en-US" altLang="ko-KR" sz="2400" b="1" dirty="0"/>
-              <a:t>(Anomaly Detection)</a:t>
-            </a:r>
-            <a:r>
-              <a:rPr lang="en-US" altLang="ko-KR" sz="2400" dirty="0"/>
-              <a:t> </a:t>
-            </a:r>
-            <a:r>
-              <a:rPr lang="ko-KR" altLang="en-US" sz="2400" dirty="0"/>
-              <a:t>및 </a:t>
-            </a:r>
-            <a:r>
-              <a:rPr lang="ko-KR" altLang="en-US" sz="2400" b="1" dirty="0"/>
-              <a:t>시계열 데이터 특징 추출</a:t>
-            </a:r>
-            <a:r>
-              <a:rPr lang="en-US" altLang="ko-KR" sz="2400" b="1" dirty="0"/>
-              <a:t>(Feature Extraction)</a:t>
-            </a:r>
-            <a:r>
-              <a:rPr lang="en-US" altLang="ko-KR" sz="2400" dirty="0"/>
-              <a:t> </a:t>
-            </a:r>
-            <a:r>
-              <a:rPr lang="ko-KR" altLang="en-US" sz="2400" dirty="0"/>
-              <a:t>에 활용됨</a:t>
-            </a:r>
-          </a:p>
-        </p:txBody>
-      </p:sp>
+              <a:t>.</a:t>
+            </a:r>
+            <a:endParaRPr lang="ko-KR" altLang="en-US" sz="2400" dirty="0"/>
+          </a:p>
+        </p:txBody>
+      </p:sp>
+      <p:pic>
+        <p:nvPicPr>
+          <p:cNvPr id="1030" name="Picture 6" descr="AutoEncoder">
+            <a:extLst>
+              <a:ext uri="{FF2B5EF4-FFF2-40B4-BE49-F238E27FC236}">
+                <a16:creationId xmlns:a16="http://schemas.microsoft.com/office/drawing/2014/main" id="{3A21286B-4673-49C6-1B34-143F4B27D2C8}"/>
+              </a:ext>
+            </a:extLst>
+          </p:cNvPr>
+          <p:cNvPicPr>
+            <a:picLocks noChangeAspect="1" noChangeArrowheads="1"/>
+          </p:cNvPicPr>
+          <p:nvPr/>
+        </p:nvPicPr>
+        <p:blipFill>
+          <a:blip r:embed="rId3">
+            <a:extLst>
+              <a:ext uri="{28A0092B-C50C-407E-A947-70E740481C1C}">
+                <a14:useLocalDpi xmlns:a14="http://schemas.microsoft.com/office/drawing/2010/main" val="0"/>
+              </a:ext>
+            </a:extLst>
+          </a:blip>
+          <a:srcRect/>
+          <a:stretch>
+            <a:fillRect/>
+          </a:stretch>
+        </p:blipFill>
+        <p:spPr bwMode="auto">
+          <a:xfrm>
+            <a:off x="153880" y="4115827"/>
+            <a:ext cx="5942120" cy="1870065"/>
+          </a:xfrm>
+          <a:prstGeom prst="rect">
+            <a:avLst/>
+          </a:prstGeom>
+          <a:noFill/>
+          <a:extLst>
+            <a:ext uri="{909E8E84-426E-40DD-AFC4-6F175D3DCCD1}">
+              <a14:hiddenFill xmlns:a14="http://schemas.microsoft.com/office/drawing/2010/main">
+                <a:solidFill>
+                  <a:srgbClr val="FFFFFF"/>
+                </a:solidFill>
+              </a14:hiddenFill>
+            </a:ext>
+          </a:extLst>
+        </p:spPr>
+      </p:pic>
+      <p:pic>
+        <p:nvPicPr>
+          <p:cNvPr id="1032" name="Picture 8" descr="AutoEncoder">
+            <a:extLst>
+              <a:ext uri="{FF2B5EF4-FFF2-40B4-BE49-F238E27FC236}">
+                <a16:creationId xmlns:a16="http://schemas.microsoft.com/office/drawing/2014/main" id="{6CAD02E3-3C10-B4DF-8641-4A60F1E7284B}"/>
+              </a:ext>
+            </a:extLst>
+          </p:cNvPr>
+          <p:cNvPicPr>
+            <a:picLocks noChangeAspect="1" noChangeArrowheads="1"/>
+          </p:cNvPicPr>
+          <p:nvPr/>
+        </p:nvPicPr>
+        <p:blipFill>
+          <a:blip r:embed="rId4">
+            <a:extLst>
+              <a:ext uri="{28A0092B-C50C-407E-A947-70E740481C1C}">
+                <a14:useLocalDpi xmlns:a14="http://schemas.microsoft.com/office/drawing/2010/main" val="0"/>
+              </a:ext>
+            </a:extLst>
+          </a:blip>
+          <a:srcRect/>
+          <a:stretch>
+            <a:fillRect/>
+          </a:stretch>
+        </p:blipFill>
+        <p:spPr bwMode="auto">
+          <a:xfrm>
+            <a:off x="6086151" y="4158094"/>
+            <a:ext cx="5951969" cy="1870065"/>
+          </a:xfrm>
+          <a:prstGeom prst="rect">
+            <a:avLst/>
+          </a:prstGeom>
+          <a:noFill/>
+          <a:extLst>
+            <a:ext uri="{909E8E84-426E-40DD-AFC4-6F175D3DCCD1}">
+              <a14:hiddenFill xmlns:a14="http://schemas.microsoft.com/office/drawing/2010/main">
+                <a:solidFill>
+                  <a:srgbClr val="FFFFFF"/>
+                </a:solidFill>
+              </a14:hiddenFill>
+            </a:ext>
+          </a:extLst>
+        </p:spPr>
+      </p:pic>
     </p:spTree>
     <p:extLst>
       <p:ext uri="{BB962C8B-B14F-4D97-AF65-F5344CB8AC3E}">
-        <p14:creationId xmlns:p14="http://schemas.microsoft.com/office/powerpoint/2010/main" val="3817972118"/>
+        <p14:creationId xmlns:p14="http://schemas.microsoft.com/office/powerpoint/2010/main" val="3915418885"/>
       </p:ext>
     </p:extLst>
   </p:cSld>
@@ -3891,7 +4362,7 @@
           <p:cNvPr id="2" name="제목 1">
             <a:extLst>
               <a:ext uri="{FF2B5EF4-FFF2-40B4-BE49-F238E27FC236}">
-                <a16:creationId xmlns:a16="http://schemas.microsoft.com/office/drawing/2014/main" id="{43D1CEAE-C02F-D3C0-03D8-2FF48317BE16}"/>
+                <a16:creationId xmlns:a16="http://schemas.microsoft.com/office/drawing/2014/main" id="{27C85483-0598-B9EE-B281-E7806A851853}"/>
               </a:ext>
             </a:extLst>
           </p:cNvPr>
@@ -3909,7 +4380,7 @@
           <a:p>
             <a:r>
               <a:rPr lang="en-US" altLang="ko-KR" dirty="0"/>
-              <a:t>Why We Use LSTM-Autoencoder?</a:t>
+              <a:t>LSTM-Autoencoder</a:t>
             </a:r>
             <a:endParaRPr lang="ko-KR" altLang="en-US" dirty="0"/>
           </a:p>
@@ -3920,7 +4391,7 @@
           <p:cNvPr id="3" name="내용 개체 틀 2">
             <a:extLst>
               <a:ext uri="{FF2B5EF4-FFF2-40B4-BE49-F238E27FC236}">
-                <a16:creationId xmlns:a16="http://schemas.microsoft.com/office/drawing/2014/main" id="{D3E8E277-DE03-EF34-46E2-D99445009DBB}"/>
+                <a16:creationId xmlns:a16="http://schemas.microsoft.com/office/drawing/2014/main" id="{3F17B88B-7D32-FE59-7D69-2B95CB5C7E13}"/>
               </a:ext>
             </a:extLst>
           </p:cNvPr>
@@ -3931,19 +4402,150 @@
             <p:ph idx="1"/>
           </p:nvPr>
         </p:nvSpPr>
-        <p:spPr/>
-        <p:txBody>
-          <a:bodyPr/>
-          <a:lstStyle/>
-          <a:p>
-            <a:endParaRPr lang="ko-KR" altLang="en-US" dirty="0"/>
-          </a:p>
-        </p:txBody>
-      </p:sp>
+        <p:spPr>
+          <a:xfrm>
+            <a:off x="838200" y="1825625"/>
+            <a:ext cx="10515600" cy="4351338"/>
+          </a:xfrm>
+        </p:spPr>
+        <p:txBody>
+          <a:bodyPr>
+            <a:normAutofit/>
+          </a:bodyPr>
+          <a:lstStyle/>
+          <a:p>
+            <a:r>
+              <a:rPr lang="en-US" altLang="ko-KR" sz="2400" dirty="0"/>
+              <a:t>Time-Series Data</a:t>
+            </a:r>
+            <a:r>
+              <a:rPr lang="ko-KR" altLang="en-US" sz="2400" dirty="0"/>
+              <a:t>를 처리하기 위한 </a:t>
+            </a:r>
+            <a:r>
+              <a:rPr lang="en-US" altLang="ko-KR" sz="2400" dirty="0"/>
+              <a:t>LSTM</a:t>
+            </a:r>
+            <a:r>
+              <a:rPr lang="ko-KR" altLang="en-US" sz="2400" dirty="0"/>
+              <a:t>을 활용한 </a:t>
+            </a:r>
+            <a:r>
+              <a:rPr lang="en-US" altLang="ko-KR" sz="2400" dirty="0"/>
+              <a:t>Autoencoder </a:t>
+            </a:r>
+            <a:r>
+              <a:rPr lang="ko-KR" altLang="en-US" sz="2400" dirty="0"/>
+              <a:t>모델</a:t>
+            </a:r>
+            <a:endParaRPr lang="en-US" altLang="ko-KR" sz="2400" dirty="0"/>
+          </a:p>
+          <a:p>
+            <a:r>
+              <a:rPr lang="ko-KR" altLang="en-US" sz="2400" dirty="0"/>
+              <a:t>입력 데이터를 학습하여 </a:t>
+            </a:r>
+            <a:r>
+              <a:rPr lang="ko-KR" altLang="en-US" sz="2400" b="1" dirty="0"/>
+              <a:t>다시 복원</a:t>
+            </a:r>
+            <a:r>
+              <a:rPr lang="ko-KR" altLang="en-US" sz="2400" dirty="0"/>
+              <a:t>하는 방식으로 특징을 학습</a:t>
+            </a:r>
+            <a:endParaRPr lang="en-US" altLang="ko-KR" sz="2400" dirty="0"/>
+          </a:p>
+          <a:p>
+            <a:r>
+              <a:rPr lang="ko-KR" altLang="en-US" sz="2400" dirty="0"/>
+              <a:t>주로 </a:t>
+            </a:r>
+            <a:r>
+              <a:rPr lang="ko-KR" altLang="en-US" sz="2400" b="1" dirty="0"/>
+              <a:t>이상 탐지</a:t>
+            </a:r>
+            <a:r>
+              <a:rPr lang="en-US" altLang="ko-KR" sz="2400" b="1" dirty="0"/>
+              <a:t>(Anomaly Detection)</a:t>
+            </a:r>
+            <a:r>
+              <a:rPr lang="en-US" altLang="ko-KR" sz="2400" dirty="0"/>
+              <a:t> </a:t>
+            </a:r>
+            <a:r>
+              <a:rPr lang="ko-KR" altLang="en-US" sz="2400" dirty="0"/>
+              <a:t>및 </a:t>
+            </a:r>
+            <a:r>
+              <a:rPr lang="ko-KR" altLang="en-US" sz="2400" b="1" dirty="0"/>
+              <a:t>시계열 데이터 특징 추출</a:t>
+            </a:r>
+            <a:r>
+              <a:rPr lang="en-US" altLang="ko-KR" sz="2400" b="1" dirty="0"/>
+              <a:t>(Feature Extraction)</a:t>
+            </a:r>
+            <a:r>
+              <a:rPr lang="en-US" altLang="ko-KR" sz="2400" dirty="0"/>
+              <a:t> </a:t>
+            </a:r>
+            <a:r>
+              <a:rPr lang="ko-KR" altLang="en-US" sz="2400" dirty="0"/>
+              <a:t>에 활용됨</a:t>
+            </a:r>
+          </a:p>
+        </p:txBody>
+      </p:sp>
+      <p:pic>
+        <p:nvPicPr>
+          <p:cNvPr id="1026" name="Picture 2">
+            <a:extLst>
+              <a:ext uri="{FF2B5EF4-FFF2-40B4-BE49-F238E27FC236}">
+                <a16:creationId xmlns:a16="http://schemas.microsoft.com/office/drawing/2014/main" id="{329EA4AC-351E-67ED-E066-BABA28EA6249}"/>
+              </a:ext>
+            </a:extLst>
+          </p:cNvPr>
+          <p:cNvPicPr>
+            <a:picLocks noChangeAspect="1" noChangeArrowheads="1"/>
+          </p:cNvPicPr>
+          <p:nvPr/>
+        </p:nvPicPr>
+        <p:blipFill>
+          <a:blip r:embed="rId2">
+            <a:extLst>
+              <a:ext uri="{28A0092B-C50C-407E-A947-70E740481C1C}">
+                <a14:useLocalDpi xmlns:a14="http://schemas.microsoft.com/office/drawing/2010/main" val="0"/>
+              </a:ext>
+            </a:extLst>
+          </a:blip>
+          <a:srcRect/>
+          <a:stretch>
+            <a:fillRect/>
+          </a:stretch>
+        </p:blipFill>
+        <p:spPr bwMode="auto">
+          <a:xfrm>
+            <a:off x="2469086" y="3896421"/>
+            <a:ext cx="7253827" cy="2596454"/>
+          </a:xfrm>
+          <a:prstGeom prst="rect">
+            <a:avLst/>
+          </a:prstGeom>
+          <a:noFill/>
+          <a:extLst>
+            <a:ext uri="{909E8E84-426E-40DD-AFC4-6F175D3DCCD1}">
+              <a14:hiddenFill xmlns:a14="http://schemas.microsoft.com/office/drawing/2010/main">
+                <a:solidFill>
+                  <a:srgbClr val="FFFFFF"/>
+                </a:solidFill>
+              </a14:hiddenFill>
+            </a:ext>
+          </a:extLst>
+        </p:spPr>
+      </p:pic>
     </p:spTree>
     <p:extLst>
       <p:ext uri="{BB962C8B-B14F-4D97-AF65-F5344CB8AC3E}">
-        <p14:creationId xmlns:p14="http://schemas.microsoft.com/office/powerpoint/2010/main" val="3915418885"/>
+        <p14:creationId xmlns:p14="http://schemas.microsoft.com/office/powerpoint/2010/main" val="3817972118"/>
       </p:ext>
     </p:extLst>
   </p:cSld>
@@ -3975,6 +4577,127 @@
           <p:cNvPr id="2" name="제목 1">
             <a:extLst>
               <a:ext uri="{FF2B5EF4-FFF2-40B4-BE49-F238E27FC236}">
+                <a16:creationId xmlns:a16="http://schemas.microsoft.com/office/drawing/2014/main" id="{B8378B59-7A54-CE88-A19A-F16953A7AA15}"/>
+              </a:ext>
+            </a:extLst>
+          </p:cNvPr>
+          <p:cNvSpPr>
+            <a:spLocks noGrp="1"/>
+          </p:cNvSpPr>
+          <p:nvPr>
+            <p:ph type="title"/>
+          </p:nvPr>
+        </p:nvSpPr>
+        <p:spPr/>
+        <p:txBody>
+          <a:bodyPr/>
+          <a:lstStyle/>
+          <a:p>
+            <a:r>
+              <a:rPr lang="en-US" altLang="ko-KR" dirty="0"/>
+              <a:t>LSTM-Autoencoder</a:t>
+            </a:r>
+            <a:endParaRPr lang="ko-KR" altLang="en-US" dirty="0"/>
+          </a:p>
+        </p:txBody>
+      </p:sp>
+      <p:sp>
+        <p:nvSpPr>
+          <p:cNvPr id="3" name="내용 개체 틀 2">
+            <a:extLst>
+              <a:ext uri="{FF2B5EF4-FFF2-40B4-BE49-F238E27FC236}">
+                <a16:creationId xmlns:a16="http://schemas.microsoft.com/office/drawing/2014/main" id="{D202C859-A847-9855-08C5-B3744B9616ED}"/>
+              </a:ext>
+            </a:extLst>
+          </p:cNvPr>
+          <p:cNvSpPr>
+            <a:spLocks noGrp="1"/>
+          </p:cNvSpPr>
+          <p:nvPr>
+            <p:ph idx="1"/>
+          </p:nvPr>
+        </p:nvSpPr>
+        <p:spPr/>
+        <p:txBody>
+          <a:bodyPr/>
+          <a:lstStyle/>
+          <a:p>
+            <a:r>
+              <a:rPr lang="ko-KR" altLang="en-US" dirty="0"/>
+              <a:t>기존의 </a:t>
+            </a:r>
+            <a:r>
+              <a:rPr lang="en-US" altLang="ko-KR" dirty="0"/>
+              <a:t>Autoencoder</a:t>
+            </a:r>
+            <a:r>
+              <a:rPr lang="ko-KR" altLang="en-US" dirty="0"/>
+              <a:t>는 시간적인 특성을 담기 어려움</a:t>
+            </a:r>
+            <a:r>
+              <a:rPr lang="en-US" altLang="ko-KR" dirty="0"/>
+              <a:t>.</a:t>
+            </a:r>
+          </a:p>
+          <a:p>
+            <a:endParaRPr lang="en-US" altLang="ko-KR" dirty="0"/>
+          </a:p>
+          <a:p>
+            <a:r>
+              <a:rPr lang="ko-KR" altLang="en-US" dirty="0"/>
+              <a:t>따라서 시간적인 특성을 담을 수 있는 </a:t>
+            </a:r>
+            <a:r>
+              <a:rPr lang="en-US" altLang="ko-KR" dirty="0"/>
+              <a:t>LSTM</a:t>
+            </a:r>
+            <a:r>
+              <a:rPr lang="ko-KR" altLang="en-US" dirty="0"/>
+              <a:t>과 결합함</a:t>
+            </a:r>
+            <a:r>
+              <a:rPr lang="en-US" altLang="ko-KR" dirty="0"/>
+              <a:t>.</a:t>
+            </a:r>
+            <a:endParaRPr lang="ko-KR" altLang="en-US" dirty="0"/>
+          </a:p>
+        </p:txBody>
+      </p:sp>
+    </p:spTree>
+    <p:extLst>
+      <p:ext uri="{BB962C8B-B14F-4D97-AF65-F5344CB8AC3E}">
+        <p14:creationId xmlns:p14="http://schemas.microsoft.com/office/powerpoint/2010/main" val="969389698"/>
+      </p:ext>
+    </p:extLst>
+  </p:cSld>
+  <p:clrMapOvr>
+    <a:masterClrMapping/>
+  </p:clrMapOvr>
+</p:sld>
+</file>
+
+<file path=ppt/slides/slide7.xml><?xml version="1.0" encoding="utf-8"?>
+<p:sld xmlns:a="http://schemas.openxmlformats.org/drawingml/2006/main" xmlns:r="http://schemas.openxmlformats.org/officeDocument/2006/relationships" xmlns:p="http://schemas.openxmlformats.org/presentationml/2006/main">
+  <p:cSld>
+    <p:spTree>
+      <p:nvGrpSpPr>
+        <p:cNvPr id="1" name=""/>
+        <p:cNvGrpSpPr/>
+        <p:nvPr/>
+      </p:nvGrpSpPr>
+      <p:grpSpPr>
+        <a:xfrm>
+          <a:off x="0" y="0"/>
+          <a:ext cx="0" cy="0"/>
+          <a:chOff x="0" y="0"/>
+          <a:chExt cx="0" cy="0"/>
+        </a:xfrm>
+      </p:grpSpPr>
+      <p:sp>
+        <p:nvSpPr>
+          <p:cNvPr id="2" name="제목 1">
+            <a:extLst>
+              <a:ext uri="{FF2B5EF4-FFF2-40B4-BE49-F238E27FC236}">
                 <a16:creationId xmlns:a16="http://schemas.microsoft.com/office/drawing/2014/main" id="{AD581883-4B72-3882-5BEA-733AB2AA20B0}"/>
               </a:ext>
             </a:extLst>
@@ -4014,7 +4737,12 @@
             <p:ph idx="1"/>
           </p:nvPr>
         </p:nvSpPr>
-        <p:spPr/>
+        <p:spPr>
+          <a:xfrm>
+            <a:off x="847078" y="1834503"/>
+            <a:ext cx="10515600" cy="4351338"/>
+          </a:xfrm>
+        </p:spPr>
         <p:txBody>
           <a:bodyPr/>
           <a:lstStyle/>
@@ -4025,6 +4753,18 @@
               </a:rPr>
               <a:t>https://pasus.tistory.com/267</a:t>
             </a:r>
+            <a:endParaRPr lang="en-US" altLang="ko-KR" dirty="0"/>
+          </a:p>
+          <a:p>
+            <a:r>
+              <a:rPr lang="en-US" altLang="ko-KR" dirty="0">
+                <a:hlinkClick r:id="rId3"/>
+              </a:rPr>
+              <a:t>https://inspaceai.github.io/2019/03/21/Anomaly_Detection_With_LSTM-AE/</a:t>
+            </a:r>
+            <a:endParaRPr lang="en-US" altLang="ko-KR" dirty="0"/>
+          </a:p>
+          <a:p>
             <a:endParaRPr lang="en-US" altLang="ko-KR" dirty="0"/>
           </a:p>
           <a:p>
@@ -4338,4 +5078,299 @@
     </a:ext>
   </a:extLst>
 </a:theme>
+</file>
+
+<file path=ppt/theme/theme2.xml><?xml version="1.0" encoding="utf-8"?>
+<a:theme xmlns:a="http://schemas.openxmlformats.org/drawingml/2006/main" name="Office 테마">
+  <a:themeElements>
+    <a:clrScheme name="Office">
+      <a:dk1>
+        <a:sysClr val="windowText" lastClr="000000"/>
+      </a:dk1>
+      <a:lt1>
+        <a:sysClr val="window" lastClr="FFFFFF"/>
+      </a:lt1>
+      <a:dk2>
+        <a:srgbClr val="44546A"/>
+      </a:dk2>
+      <a:lt2>
+        <a:srgbClr val="E7E6E6"/>
+      </a:lt2>
+      <a:accent1>
+        <a:srgbClr val="4472C4"/>
+      </a:accent1>
+      <a:accent2>
+        <a:srgbClr val="ED7D31"/>
+      </a:accent2>
+      <a:accent3>
+        <a:srgbClr val="A5A5A5"/>
+      </a:accent3>
+      <a:accent4>
+        <a:srgbClr val="FFC000"/>
+      </a:accent4>
+      <a:accent5>
+        <a:srgbClr val="5B9BD5"/>
+      </a:accent5>
+      <a:accent6>
+        <a:srgbClr val="70AD47"/>
+      </a:accent6>
+      <a:hlink>
+        <a:srgbClr val="0563C1"/>
+      </a:hlink>
+      <a:folHlink>
+        <a:srgbClr val="954F72"/>
+      </a:folHlink>
+    </a:clrScheme>
+    <a:fontScheme name="Office">
+      <a:majorFont>
+        <a:latin typeface="맑은 고딕" panose="020F0302020204030204"/>
+        <a:ea typeface=""/>
+        <a:cs typeface=""/>
+        <a:font script="Jpan" typeface="游ゴシック Light"/>
+        <a:font script="Hang" typeface="맑은 고딕"/>
+        <a:font script="Hans" typeface="等线 Light"/>
+        <a:font script="Hant" typeface="新細明體"/>
+        <a:font script="Arab" typeface="Times New Roman"/>
+        <a:font script="Hebr" typeface="Times New Roman"/>
+        <a:font script="Thai" typeface="Angsana New"/>
+        <a:font script="Ethi" typeface="Nyala"/>
+        <a:font script="Beng" typeface="Vrinda"/>
+        <a:font script="Gujr" typeface="Shruti"/>
+        <a:font script="Khmr" typeface="MoolBoran"/>
+        <a:font script="Knda" typeface="Tunga"/>
+        <a:font script="Guru" typeface="Raavi"/>
+        <a:font script="Cans" typeface="Euphemia"/>
+        <a:font script="Cher" typeface="Plantagenet Cherokee"/>
+        <a:font script="Yiii" typeface="Microsoft Yi Baiti"/>
+        <a:font script="Tibt" typeface="Microsoft Himalaya"/>
+        <a:font script="Thaa" typeface="MV Boli"/>
+        <a:font script="Deva" typeface="Mangal"/>
+        <a:font script="Telu" typeface="Gautami"/>
+        <a:font script="Taml" typeface="Latha"/>
+        <a:font script="Syrc" typeface="Estrangelo Edessa"/>
+        <a:font script="Orya" typeface="Kalinga"/>
+        <a:font script="Mlym" typeface="Kartika"/>
+        <a:font script="Laoo" typeface="DokChampa"/>
+        <a:font script="Sinh" typeface="Iskoola Pota"/>
+        <a:font script="Mong" typeface="Mongolian Baiti"/>
+        <a:font script="Viet" typeface="Times New Roman"/>
+        <a:font script="Uigh" typeface="Microsoft Uighur"/>
+        <a:font script="Geor" typeface="Sylfaen"/>
+        <a:font script="Armn" typeface="Arial"/>
+        <a:font script="Bugi" typeface="Leelawadee UI"/>
+        <a:font script="Bopo" typeface="Microsoft JhengHei"/>
+        <a:font script="Java" typeface="Javanese Text"/>
+        <a:font script="Lisu" typeface="Segoe UI"/>
+        <a:font script="Mymr" typeface="Myanmar Text"/>
+        <a:font script="Nkoo" typeface="Ebrima"/>
+        <a:font script="Olck" typeface="Nirmala UI"/>
+        <a:font script="Osma" typeface="Ebrima"/>
+        <a:font script="Phag" typeface="Phagspa"/>
+        <a:font script="Syrn" typeface="Estrangelo Edessa"/>
+        <a:font script="Syrj" typeface="Estrangelo Edessa"/>
+        <a:font script="Syre" typeface="Estrangelo Edessa"/>
+        <a:font script="Sora" typeface="Nirmala UI"/>
+        <a:font script="Tale" typeface="Microsoft Tai Le"/>
+        <a:font script="Talu" typeface="Microsoft New Tai Lue"/>
+        <a:font script="Tfng" typeface="Ebrima"/>
+      </a:majorFont>
+      <a:minorFont>
+        <a:latin typeface="맑은 고딕" panose="020F0502020204030204"/>
+        <a:ea typeface=""/>
+        <a:cs typeface=""/>
+        <a:font script="Jpan" typeface="游ゴシック"/>
+        <a:font script="Hang" typeface="맑은 고딕"/>
+        <a:font script="Hans" typeface="等线"/>
+        <a:font script="Hant" typeface="新細明體"/>
+        <a:font script="Arab" typeface="Arial"/>
+        <a:font script="Hebr" typeface="Arial"/>
+        <a:font script="Thai" typeface="Cordia New"/>
+        <a:font script="Ethi" typeface="Nyala"/>
+        <a:font script="Beng" typeface="Vrinda"/>
+        <a:font script="Gujr" typeface="Shruti"/>
+        <a:font script="Khmr" typeface="DaunPenh"/>
+        <a:font script="Knda" typeface="Tunga"/>
+        <a:font script="Guru" typeface="Raavi"/>
+        <a:font script="Cans" typeface="Euphemia"/>
+        <a:font script="Cher" typeface="Plantagenet Cherokee"/>
+        <a:font script="Yiii" typeface="Microsoft Yi Baiti"/>
+        <a:font script="Tibt" typeface="Microsoft Himalaya"/>
+        <a:font script="Thaa" typeface="MV Boli"/>
+        <a:font script="Deva" typeface="Mangal"/>
+        <a:font script="Telu" typeface="Gautami"/>
+        <a:font script="Taml" typeface="Latha"/>
+        <a:font script="Syrc" typeface="Estrangelo Edessa"/>
+        <a:font script="Orya" typeface="Kalinga"/>
+        <a:font script="Mlym" typeface="Kartika"/>
+        <a:font script="Laoo" typeface="DokChampa"/>
+        <a:font script="Sinh" typeface="Iskoola Pota"/>
+        <a:font script="Mong" typeface="Mongolian Baiti"/>
+        <a:font script="Viet" typeface="Arial"/>
+        <a:font script="Uigh" typeface="Microsoft Uighur"/>
+        <a:font script="Geor" typeface="Sylfaen"/>
+        <a:font script="Armn" typeface="Arial"/>
+        <a:font script="Bugi" typeface="Leelawadee UI"/>
+        <a:font script="Bopo" typeface="Microsoft JhengHei"/>
+        <a:font script="Java" typeface="Javanese Text"/>
+        <a:font script="Lisu" typeface="Segoe UI"/>
+        <a:font script="Mymr" typeface="Myanmar Text"/>
+        <a:font script="Nkoo" typeface="Ebrima"/>
+        <a:font script="Olck" typeface="Nirmala UI"/>
+        <a:font script="Osma" typeface="Ebrima"/>
+        <a:font script="Phag" typeface="Phagspa"/>
+        <a:font script="Syrn" typeface="Estrangelo Edessa"/>
+        <a:font script="Syrj" typeface="Estrangelo Edessa"/>
+        <a:font script="Syre" typeface="Estrangelo Edessa"/>
+        <a:font script="Sora" typeface="Nirmala UI"/>
+        <a:font script="Tale" typeface="Microsoft Tai Le"/>
+        <a:font script="Talu" typeface="Microsoft New Tai Lue"/>
+        <a:font script="Tfng" typeface="Ebrima"/>
+      </a:minorFont>
+    </a:fontScheme>
+    <a:fmtScheme name="Office">
+      <a:fillStyleLst>
+        <a:solidFill>
+          <a:schemeClr val="phClr"/>
+        </a:solidFill>
+        <a:gradFill rotWithShape="1">
+          <a:gsLst>
+            <a:gs pos="0">
+              <a:schemeClr val="phClr">
+                <a:lumMod val="110000"/>
+                <a:satMod val="105000"/>
+                <a:tint val="67000"/>
+              </a:schemeClr>
+            </a:gs>
+            <a:gs pos="50000">
+              <a:schemeClr val="phClr">
+                <a:lumMod val="105000"/>
+                <a:satMod val="103000"/>
+                <a:tint val="73000"/>
+              </a:schemeClr>
+            </a:gs>
+            <a:gs pos="100000">
+              <a:schemeClr val="phClr">
+                <a:lumMod val="105000"/>
+                <a:satMod val="109000"/>
+                <a:tint val="81000"/>
+              </a:schemeClr>
+            </a:gs>
+          </a:gsLst>
+          <a:lin ang="5400000" scaled="0"/>
+        </a:gradFill>
+        <a:gradFill rotWithShape="1">
+          <a:gsLst>
+            <a:gs pos="0">
+              <a:schemeClr val="phClr">
+                <a:satMod val="103000"/>
+                <a:lumMod val="102000"/>
+                <a:tint val="94000"/>
+              </a:schemeClr>
+            </a:gs>
+            <a:gs pos="50000">
+              <a:schemeClr val="phClr">
+                <a:satMod val="110000"/>
+                <a:lumMod val="100000"/>
+                <a:shade val="100000"/>
+              </a:schemeClr>
+            </a:gs>
+            <a:gs pos="100000">
+              <a:schemeClr val="phClr">
+                <a:lumMod val="99000"/>
+                <a:satMod val="120000"/>
+                <a:shade val="78000"/>
+              </a:schemeClr>
+            </a:gs>
+          </a:gsLst>
+          <a:lin ang="5400000" scaled="0"/>
+        </a:gradFill>
+      </a:fillStyleLst>
+      <a:lnStyleLst>
+        <a:ln w="6350" cap="flat" cmpd="sng" algn="ctr">
+          <a:solidFill>
+            <a:schemeClr val="phClr"/>
+          </a:solidFill>
+          <a:prstDash val="solid"/>
+          <a:miter lim="800000"/>
+        </a:ln>
+        <a:ln w="12700" cap="flat" cmpd="sng" algn="ctr">
+          <a:solidFill>
+            <a:schemeClr val="phClr"/>
+          </a:solidFill>
+          <a:prstDash val="solid"/>
+          <a:miter lim="800000"/>
+        </a:ln>
+        <a:ln w="19050" cap="flat" cmpd="sng" algn="ctr">
+          <a:solidFill>
+            <a:schemeClr val="phClr"/>
+          </a:solidFill>
+          <a:prstDash val="solid"/>
+          <a:miter lim="800000"/>
+        </a:ln>
+      </a:lnStyleLst>
+      <a:effectStyleLst>
+        <a:effectStyle>
+          <a:effectLst/>
+        </a:effectStyle>
+        <a:effectStyle>
+          <a:effectLst/>
+        </a:effectStyle>
+        <a:effectStyle>
+          <a:effectLst>
+            <a:outerShdw blurRad="57150" dist="19050" dir="5400000" algn="ctr" rotWithShape="0">
+              <a:srgbClr val="000000">
+                <a:alpha val="63000"/>
+              </a:srgbClr>
+            </a:outerShdw>
+          </a:effectLst>
+        </a:effectStyle>
+      </a:effectStyleLst>
+      <a:bgFillStyleLst>
+        <a:solidFill>
+          <a:schemeClr val="phClr"/>
+        </a:solidFill>
+        <a:solidFill>
+          <a:schemeClr val="phClr">
+            <a:tint val="95000"/>
+            <a:satMod val="170000"/>
+          </a:schemeClr>
+        </a:solidFill>
+        <a:gradFill rotWithShape="1">
+          <a:gsLst>
+            <a:gs pos="0">
+              <a:schemeClr val="phClr">
+                <a:tint val="93000"/>
+                <a:satMod val="150000"/>
+                <a:shade val="98000"/>
+                <a:lumMod val="102000"/>
+              </a:schemeClr>
+            </a:gs>
+            <a:gs pos="50000">
+              <a:schemeClr val="phClr">
+                <a:tint val="98000"/>
+                <a:satMod val="130000"/>
+                <a:shade val="90000"/>
+                <a:lumMod val="103000"/>
+              </a:schemeClr>
+            </a:gs>
+            <a:gs pos="100000">
+              <a:schemeClr val="phClr">
+                <a:shade val="63000"/>
+                <a:satMod val="120000"/>
+              </a:schemeClr>
+            </a:gs>
+          </a:gsLst>
+          <a:lin ang="5400000" scaled="0"/>
+        </a:gradFill>
+      </a:bgFillStyleLst>
+    </a:fmtScheme>
+  </a:themeElements>
+  <a:objectDefaults/>
+  <a:extraClrSchemeLst/>
+  <a:extLst>
+    <a:ext uri="{05A4C25C-085E-4340-85A3-A5531E510DB2}">
+      <thm15:themeFamily xmlns:thm15="http://schemas.microsoft.com/office/thememl/2012/main" name="Office Theme" id="{62F939B6-93AF-4DB8-9C6B-D6C7DFDC589F}" vid="{4A3C46E8-61CC-4603-A589-7422A47A8E4A}"/>
+    </a:ext>
+  </a:extLst>
+</a:theme>
 </file>
--- a/캡스톤디자인 3주차.pptx
+++ b/캡스톤디자인 3주차.pptx
@@ -5,7 +5,7 @@
     <p:sldMasterId id="2147483648" r:id="rId1"/>
   </p:sldMasterIdLst>
   <p:notesMasterIdLst>
-    <p:notesMasterId r:id="rId9"/>
+    <p:notesMasterId r:id="rId13"/>
   </p:notesMasterIdLst>
   <p:sldIdLst>
     <p:sldId id="256" r:id="rId2"/>
@@ -14,7 +14,11 @@
     <p:sldId id="259" r:id="rId5"/>
     <p:sldId id="257" r:id="rId6"/>
     <p:sldId id="262" r:id="rId7"/>
-    <p:sldId id="261" r:id="rId8"/>
+    <p:sldId id="263" r:id="rId8"/>
+    <p:sldId id="264" r:id="rId9"/>
+    <p:sldId id="265" r:id="rId10"/>
+    <p:sldId id="266" r:id="rId11"/>
+    <p:sldId id="261" r:id="rId12"/>
   </p:sldIdLst>
   <p:sldSz cx="12192000" cy="6858000"/>
   <p:notesSz cx="6858000" cy="9144000"/>
@@ -3852,6 +3856,205 @@
 </p:sld>
 </file>
 
+<file path=ppt/slides/slide10.xml><?xml version="1.0" encoding="utf-8"?>
+<p:sld xmlns:a="http://schemas.openxmlformats.org/drawingml/2006/main" xmlns:r="http://schemas.openxmlformats.org/officeDocument/2006/relationships" xmlns:p="http://schemas.openxmlformats.org/presentationml/2006/main">
+  <p:cSld>
+    <p:spTree>
+      <p:nvGrpSpPr>
+        <p:cNvPr id="1" name="">
+          <a:extLst>
+            <a:ext uri="{FF2B5EF4-FFF2-40B4-BE49-F238E27FC236}">
+              <a16:creationId xmlns:a16="http://schemas.microsoft.com/office/drawing/2014/main" id="{7F150706-816C-B844-19EA-C45CA8B89490}"/>
+            </a:ext>
+          </a:extLst>
+        </p:cNvPr>
+        <p:cNvGrpSpPr/>
+        <p:nvPr/>
+      </p:nvGrpSpPr>
+      <p:grpSpPr>
+        <a:xfrm>
+          <a:off x="0" y="0"/>
+          <a:ext cx="0" cy="0"/>
+          <a:chOff x="0" y="0"/>
+          <a:chExt cx="0" cy="0"/>
+        </a:xfrm>
+      </p:grpSpPr>
+      <p:sp>
+        <p:nvSpPr>
+          <p:cNvPr id="2" name="제목 1">
+            <a:extLst>
+              <a:ext uri="{FF2B5EF4-FFF2-40B4-BE49-F238E27FC236}">
+                <a16:creationId xmlns:a16="http://schemas.microsoft.com/office/drawing/2014/main" id="{45CB662C-B329-29A2-C9D4-F7B83B48091A}"/>
+              </a:ext>
+            </a:extLst>
+          </p:cNvPr>
+          <p:cNvSpPr>
+            <a:spLocks noGrp="1"/>
+          </p:cNvSpPr>
+          <p:nvPr>
+            <p:ph type="title"/>
+          </p:nvPr>
+        </p:nvSpPr>
+        <p:spPr/>
+        <p:txBody>
+          <a:bodyPr/>
+          <a:lstStyle/>
+          <a:p>
+            <a:r>
+              <a:rPr lang="en-US" altLang="ko-KR" dirty="0"/>
+              <a:t>LSTM-Autoencoder</a:t>
+            </a:r>
+            <a:endParaRPr lang="ko-KR" altLang="en-US" dirty="0"/>
+          </a:p>
+        </p:txBody>
+      </p:sp>
+      <p:sp>
+        <p:nvSpPr>
+          <p:cNvPr id="3" name="내용 개체 틀 2">
+            <a:extLst>
+              <a:ext uri="{FF2B5EF4-FFF2-40B4-BE49-F238E27FC236}">
+                <a16:creationId xmlns:a16="http://schemas.microsoft.com/office/drawing/2014/main" id="{41CD30BC-4582-A06A-9C09-CCD1D2723087}"/>
+              </a:ext>
+            </a:extLst>
+          </p:cNvPr>
+          <p:cNvSpPr>
+            <a:spLocks noGrp="1"/>
+          </p:cNvSpPr>
+          <p:nvPr>
+            <p:ph idx="1"/>
+          </p:nvPr>
+        </p:nvSpPr>
+        <p:spPr/>
+        <p:txBody>
+          <a:bodyPr/>
+          <a:lstStyle/>
+          <a:p>
+            <a:endParaRPr lang="ko-KR" altLang="en-US" dirty="0"/>
+          </a:p>
+        </p:txBody>
+      </p:sp>
+    </p:spTree>
+    <p:extLst>
+      <p:ext uri="{BB962C8B-B14F-4D97-AF65-F5344CB8AC3E}">
+        <p14:creationId xmlns:p14="http://schemas.microsoft.com/office/powerpoint/2010/main" val="2647013918"/>
+      </p:ext>
+    </p:extLst>
+  </p:cSld>
+  <p:clrMapOvr>
+    <a:masterClrMapping/>
+  </p:clrMapOvr>
+</p:sld>
+</file>
+
+<file path=ppt/slides/slide11.xml><?xml version="1.0" encoding="utf-8"?>
+<p:sld xmlns:a="http://schemas.openxmlformats.org/drawingml/2006/main" xmlns:r="http://schemas.openxmlformats.org/officeDocument/2006/relationships" xmlns:p="http://schemas.openxmlformats.org/presentationml/2006/main">
+  <p:cSld>
+    <p:spTree>
+      <p:nvGrpSpPr>
+        <p:cNvPr id="1" name=""/>
+        <p:cNvGrpSpPr/>
+        <p:nvPr/>
+      </p:nvGrpSpPr>
+      <p:grpSpPr>
+        <a:xfrm>
+          <a:off x="0" y="0"/>
+          <a:ext cx="0" cy="0"/>
+          <a:chOff x="0" y="0"/>
+          <a:chExt cx="0" cy="0"/>
+        </a:xfrm>
+      </p:grpSpPr>
+      <p:sp>
+        <p:nvSpPr>
+          <p:cNvPr id="2" name="제목 1">
+            <a:extLst>
+              <a:ext uri="{FF2B5EF4-FFF2-40B4-BE49-F238E27FC236}">
+                <a16:creationId xmlns:a16="http://schemas.microsoft.com/office/drawing/2014/main" id="{AD581883-4B72-3882-5BEA-733AB2AA20B0}"/>
+              </a:ext>
+            </a:extLst>
+          </p:cNvPr>
+          <p:cNvSpPr>
+            <a:spLocks noGrp="1"/>
+          </p:cNvSpPr>
+          <p:nvPr>
+            <p:ph type="title"/>
+          </p:nvPr>
+        </p:nvSpPr>
+        <p:spPr/>
+        <p:txBody>
+          <a:bodyPr/>
+          <a:lstStyle/>
+          <a:p>
+            <a:r>
+              <a:rPr lang="ko-KR" altLang="en-US" dirty="0"/>
+              <a:t>출처</a:t>
+            </a:r>
+          </a:p>
+        </p:txBody>
+      </p:sp>
+      <p:sp>
+        <p:nvSpPr>
+          <p:cNvPr id="3" name="내용 개체 틀 2">
+            <a:extLst>
+              <a:ext uri="{FF2B5EF4-FFF2-40B4-BE49-F238E27FC236}">
+                <a16:creationId xmlns:a16="http://schemas.microsoft.com/office/drawing/2014/main" id="{FDBCC205-2D68-8506-3F4C-76B5BA9D0B24}"/>
+              </a:ext>
+            </a:extLst>
+          </p:cNvPr>
+          <p:cNvSpPr>
+            <a:spLocks noGrp="1"/>
+          </p:cNvSpPr>
+          <p:nvPr>
+            <p:ph idx="1"/>
+          </p:nvPr>
+        </p:nvSpPr>
+        <p:spPr>
+          <a:xfrm>
+            <a:off x="847078" y="1834503"/>
+            <a:ext cx="10515600" cy="4351338"/>
+          </a:xfrm>
+        </p:spPr>
+        <p:txBody>
+          <a:bodyPr/>
+          <a:lstStyle/>
+          <a:p>
+            <a:r>
+              <a:rPr lang="en-US" altLang="ko-KR" dirty="0">
+                <a:hlinkClick r:id="rId2"/>
+              </a:rPr>
+              <a:t>https://pasus.tistory.com/267</a:t>
+            </a:r>
+            <a:endParaRPr lang="en-US" altLang="ko-KR" dirty="0"/>
+          </a:p>
+          <a:p>
+            <a:r>
+              <a:rPr lang="en-US" altLang="ko-KR" dirty="0">
+                <a:hlinkClick r:id="rId3"/>
+              </a:rPr>
+              <a:t>https://inspaceai.github.io/2019/03/21/Anomaly_Detection_With_LSTM-AE/</a:t>
+            </a:r>
+            <a:endParaRPr lang="en-US" altLang="ko-KR" dirty="0"/>
+          </a:p>
+          <a:p>
+            <a:endParaRPr lang="en-US" altLang="ko-KR" dirty="0"/>
+          </a:p>
+          <a:p>
+            <a:endParaRPr lang="ko-KR" altLang="en-US" dirty="0"/>
+          </a:p>
+        </p:txBody>
+      </p:sp>
+    </p:spTree>
+    <p:extLst>
+      <p:ext uri="{BB962C8B-B14F-4D97-AF65-F5344CB8AC3E}">
+        <p14:creationId xmlns:p14="http://schemas.microsoft.com/office/powerpoint/2010/main" val="3989817147"/>
+      </p:ext>
+    </p:extLst>
+  </p:cSld>
+  <p:clrMapOvr>
+    <a:masterClrMapping/>
+  </p:clrMapOvr>
+</p:sld>
+</file>
+
 <file path=ppt/slides/slide2.xml><?xml version="1.0" encoding="utf-8"?>
 <p:sld xmlns:a="http://schemas.openxmlformats.org/drawingml/2006/main" xmlns:r="http://schemas.openxmlformats.org/officeDocument/2006/relationships" xmlns:p="http://schemas.openxmlformats.org/presentationml/2006/main">
   <p:cSld>
@@ -4698,7 +4901,7 @@
           <p:cNvPr id="2" name="제목 1">
             <a:extLst>
               <a:ext uri="{FF2B5EF4-FFF2-40B4-BE49-F238E27FC236}">
-                <a16:creationId xmlns:a16="http://schemas.microsoft.com/office/drawing/2014/main" id="{AD581883-4B72-3882-5BEA-733AB2AA20B0}"/>
+                <a16:creationId xmlns:a16="http://schemas.microsoft.com/office/drawing/2014/main" id="{6DF28550-689D-1AD8-0F8B-E00410EAFBF1}"/>
               </a:ext>
             </a:extLst>
           </p:cNvPr>
@@ -4715,59 +4918,46 @@
           <a:lstStyle/>
           <a:p>
             <a:r>
+              <a:rPr lang="en-US" altLang="ko-KR" dirty="0"/>
+              <a:t>LSTM-Autoencoder</a:t>
+            </a:r>
+            <a:endParaRPr lang="ko-KR" altLang="en-US" dirty="0"/>
+          </a:p>
+        </p:txBody>
+      </p:sp>
+      <p:sp>
+        <p:nvSpPr>
+          <p:cNvPr id="3" name="내용 개체 틀 2">
+            <a:extLst>
+              <a:ext uri="{FF2B5EF4-FFF2-40B4-BE49-F238E27FC236}">
+                <a16:creationId xmlns:a16="http://schemas.microsoft.com/office/drawing/2014/main" id="{7F96CA2B-B3F7-4412-FF2D-BCCF2FFCCF29}"/>
+              </a:ext>
+            </a:extLst>
+          </p:cNvPr>
+          <p:cNvSpPr>
+            <a:spLocks noGrp="1"/>
+          </p:cNvSpPr>
+          <p:nvPr>
+            <p:ph idx="1"/>
+          </p:nvPr>
+        </p:nvSpPr>
+        <p:spPr/>
+        <p:txBody>
+          <a:bodyPr/>
+          <a:lstStyle/>
+          <a:p>
+            <a:r>
+              <a:rPr lang="en-US" altLang="ko-KR" dirty="0"/>
+              <a:t>Input gate(</a:t>
+            </a:r>
+            <a:r>
               <a:rPr lang="ko-KR" altLang="en-US" dirty="0"/>
-              <a:t>출처</a:t>
-            </a:r>
-          </a:p>
-        </p:txBody>
-      </p:sp>
-      <p:sp>
-        <p:nvSpPr>
-          <p:cNvPr id="3" name="내용 개체 틀 2">
-            <a:extLst>
-              <a:ext uri="{FF2B5EF4-FFF2-40B4-BE49-F238E27FC236}">
-                <a16:creationId xmlns:a16="http://schemas.microsoft.com/office/drawing/2014/main" id="{FDBCC205-2D68-8506-3F4C-76B5BA9D0B24}"/>
-              </a:ext>
-            </a:extLst>
-          </p:cNvPr>
-          <p:cNvSpPr>
-            <a:spLocks noGrp="1"/>
-          </p:cNvSpPr>
-          <p:nvPr>
-            <p:ph idx="1"/>
-          </p:nvPr>
-        </p:nvSpPr>
-        <p:spPr>
-          <a:xfrm>
-            <a:off x="847078" y="1834503"/>
-            <a:ext cx="10515600" cy="4351338"/>
-          </a:xfrm>
-        </p:spPr>
-        <p:txBody>
-          <a:bodyPr/>
-          <a:lstStyle/>
-          <a:p>
-            <a:r>
-              <a:rPr lang="en-US" altLang="ko-KR" dirty="0">
-                <a:hlinkClick r:id="rId2"/>
-              </a:rPr>
-              <a:t>https://pasus.tistory.com/267</a:t>
-            </a:r>
-            <a:endParaRPr lang="en-US" altLang="ko-KR" dirty="0"/>
-          </a:p>
-          <a:p>
-            <a:r>
-              <a:rPr lang="en-US" altLang="ko-KR" dirty="0">
-                <a:hlinkClick r:id="rId3"/>
-              </a:rPr>
-              <a:t>https://inspaceai.github.io/2019/03/21/Anomaly_Detection_With_LSTM-AE/</a:t>
-            </a:r>
-            <a:endParaRPr lang="en-US" altLang="ko-KR" dirty="0"/>
-          </a:p>
-          <a:p>
-            <a:endParaRPr lang="en-US" altLang="ko-KR" dirty="0"/>
-          </a:p>
-          <a:p>
+              <a:t>입력 게이트</a:t>
+            </a:r>
+            <a:r>
+              <a:rPr lang="en-US" altLang="ko-KR" dirty="0"/>
+              <a:t>)</a:t>
+            </a:r>
             <a:endParaRPr lang="ko-KR" altLang="en-US" dirty="0"/>
           </a:p>
         </p:txBody>
@@ -4775,7 +4965,199 @@
     </p:spTree>
     <p:extLst>
       <p:ext uri="{BB962C8B-B14F-4D97-AF65-F5344CB8AC3E}">
-        <p14:creationId xmlns:p14="http://schemas.microsoft.com/office/powerpoint/2010/main" val="3989817147"/>
+        <p14:creationId xmlns:p14="http://schemas.microsoft.com/office/powerpoint/2010/main" val="1162515215"/>
+      </p:ext>
+    </p:extLst>
+  </p:cSld>
+  <p:clrMapOvr>
+    <a:masterClrMapping/>
+  </p:clrMapOvr>
+</p:sld>
+</file>
+
+<file path=ppt/slides/slide8.xml><?xml version="1.0" encoding="utf-8"?>
+<p:sld xmlns:a="http://schemas.openxmlformats.org/drawingml/2006/main" xmlns:r="http://schemas.openxmlformats.org/officeDocument/2006/relationships" xmlns:p="http://schemas.openxmlformats.org/presentationml/2006/main">
+  <p:cSld>
+    <p:spTree>
+      <p:nvGrpSpPr>
+        <p:cNvPr id="1" name="">
+          <a:extLst>
+            <a:ext uri="{FF2B5EF4-FFF2-40B4-BE49-F238E27FC236}">
+              <a16:creationId xmlns:a16="http://schemas.microsoft.com/office/drawing/2014/main" id="{BA24DD91-5BE9-004C-D8BB-C956EE5206A4}"/>
+            </a:ext>
+          </a:extLst>
+        </p:cNvPr>
+        <p:cNvGrpSpPr/>
+        <p:nvPr/>
+      </p:nvGrpSpPr>
+      <p:grpSpPr>
+        <a:xfrm>
+          <a:off x="0" y="0"/>
+          <a:ext cx="0" cy="0"/>
+          <a:chOff x="0" y="0"/>
+          <a:chExt cx="0" cy="0"/>
+        </a:xfrm>
+      </p:grpSpPr>
+      <p:sp>
+        <p:nvSpPr>
+          <p:cNvPr id="2" name="제목 1">
+            <a:extLst>
+              <a:ext uri="{FF2B5EF4-FFF2-40B4-BE49-F238E27FC236}">
+                <a16:creationId xmlns:a16="http://schemas.microsoft.com/office/drawing/2014/main" id="{14D9630C-B6D1-6D24-BF94-38ADA900CE4C}"/>
+              </a:ext>
+            </a:extLst>
+          </p:cNvPr>
+          <p:cNvSpPr>
+            <a:spLocks noGrp="1"/>
+          </p:cNvSpPr>
+          <p:nvPr>
+            <p:ph type="title"/>
+          </p:nvPr>
+        </p:nvSpPr>
+        <p:spPr/>
+        <p:txBody>
+          <a:bodyPr/>
+          <a:lstStyle/>
+          <a:p>
+            <a:r>
+              <a:rPr lang="en-US" altLang="ko-KR" dirty="0"/>
+              <a:t>LSTM-Autoencoder</a:t>
+            </a:r>
+            <a:endParaRPr lang="ko-KR" altLang="en-US" dirty="0"/>
+          </a:p>
+        </p:txBody>
+      </p:sp>
+      <p:sp>
+        <p:nvSpPr>
+          <p:cNvPr id="3" name="내용 개체 틀 2">
+            <a:extLst>
+              <a:ext uri="{FF2B5EF4-FFF2-40B4-BE49-F238E27FC236}">
+                <a16:creationId xmlns:a16="http://schemas.microsoft.com/office/drawing/2014/main" id="{6B8D5512-43EA-EF77-1462-371DE6BA837F}"/>
+              </a:ext>
+            </a:extLst>
+          </p:cNvPr>
+          <p:cNvSpPr>
+            <a:spLocks noGrp="1"/>
+          </p:cNvSpPr>
+          <p:nvPr>
+            <p:ph idx="1"/>
+          </p:nvPr>
+        </p:nvSpPr>
+        <p:spPr/>
+        <p:txBody>
+          <a:bodyPr/>
+          <a:lstStyle/>
+          <a:p>
+            <a:r>
+              <a:rPr lang="en-US" altLang="ko-KR" dirty="0"/>
+              <a:t>Forget gate(</a:t>
+            </a:r>
+            <a:r>
+              <a:rPr lang="ko-KR" altLang="en-US" dirty="0"/>
+              <a:t>망각 게이트</a:t>
+            </a:r>
+            <a:r>
+              <a:rPr lang="en-US" altLang="ko-KR" dirty="0"/>
+              <a:t>)</a:t>
+            </a:r>
+            <a:endParaRPr lang="ko-KR" altLang="en-US" dirty="0"/>
+          </a:p>
+        </p:txBody>
+      </p:sp>
+    </p:spTree>
+    <p:extLst>
+      <p:ext uri="{BB962C8B-B14F-4D97-AF65-F5344CB8AC3E}">
+        <p14:creationId xmlns:p14="http://schemas.microsoft.com/office/powerpoint/2010/main" val="1825550609"/>
+      </p:ext>
+    </p:extLst>
+  </p:cSld>
+  <p:clrMapOvr>
+    <a:masterClrMapping/>
+  </p:clrMapOvr>
+</p:sld>
+</file>
+
+<file path=ppt/slides/slide9.xml><?xml version="1.0" encoding="utf-8"?>
+<p:sld xmlns:a="http://schemas.openxmlformats.org/drawingml/2006/main" xmlns:r="http://schemas.openxmlformats.org/officeDocument/2006/relationships" xmlns:p="http://schemas.openxmlformats.org/presentationml/2006/main">
+  <p:cSld>
+    <p:spTree>
+      <p:nvGrpSpPr>
+        <p:cNvPr id="1" name="">
+          <a:extLst>
+            <a:ext uri="{FF2B5EF4-FFF2-40B4-BE49-F238E27FC236}">
+              <a16:creationId xmlns:a16="http://schemas.microsoft.com/office/drawing/2014/main" id="{D654CAAC-C2FD-FCB6-44C9-2295635C7EDF}"/>
+            </a:ext>
+          </a:extLst>
+        </p:cNvPr>
+        <p:cNvGrpSpPr/>
+        <p:nvPr/>
+      </p:nvGrpSpPr>
+      <p:grpSpPr>
+        <a:xfrm>
+          <a:off x="0" y="0"/>
+          <a:ext cx="0" cy="0"/>
+          <a:chOff x="0" y="0"/>
+          <a:chExt cx="0" cy="0"/>
+        </a:xfrm>
+      </p:grpSpPr>
+      <p:sp>
+        <p:nvSpPr>
+          <p:cNvPr id="2" name="제목 1">
+            <a:extLst>
+              <a:ext uri="{FF2B5EF4-FFF2-40B4-BE49-F238E27FC236}">
+                <a16:creationId xmlns:a16="http://schemas.microsoft.com/office/drawing/2014/main" id="{32D0FDAF-6814-3EE2-3744-DC69F2107B9E}"/>
+              </a:ext>
+            </a:extLst>
+          </p:cNvPr>
+          <p:cNvSpPr>
+            <a:spLocks noGrp="1"/>
+          </p:cNvSpPr>
+          <p:nvPr>
+            <p:ph type="title"/>
+          </p:nvPr>
+        </p:nvSpPr>
+        <p:spPr/>
+        <p:txBody>
+          <a:bodyPr/>
+          <a:lstStyle/>
+          <a:p>
+            <a:r>
+              <a:rPr lang="en-US" altLang="ko-KR" dirty="0"/>
+              <a:t>LSTM-Autoencoder</a:t>
+            </a:r>
+            <a:endParaRPr lang="ko-KR" altLang="en-US" dirty="0"/>
+          </a:p>
+        </p:txBody>
+      </p:sp>
+      <p:sp>
+        <p:nvSpPr>
+          <p:cNvPr id="3" name="내용 개체 틀 2">
+            <a:extLst>
+              <a:ext uri="{FF2B5EF4-FFF2-40B4-BE49-F238E27FC236}">
+                <a16:creationId xmlns:a16="http://schemas.microsoft.com/office/drawing/2014/main" id="{1985976B-DE43-BB69-73BB-3FFF7D1225DA}"/>
+              </a:ext>
+            </a:extLst>
+          </p:cNvPr>
+          <p:cNvSpPr>
+            <a:spLocks noGrp="1"/>
+          </p:cNvSpPr>
+          <p:nvPr>
+            <p:ph idx="1"/>
+          </p:nvPr>
+        </p:nvSpPr>
+        <p:spPr/>
+        <p:txBody>
+          <a:bodyPr/>
+          <a:lstStyle/>
+          <a:p>
+            <a:endParaRPr lang="ko-KR" altLang="en-US" dirty="0"/>
+          </a:p>
+        </p:txBody>
+      </p:sp>
+    </p:spTree>
+    <p:extLst>
+      <p:ext uri="{BB962C8B-B14F-4D97-AF65-F5344CB8AC3E}">
+        <p14:creationId xmlns:p14="http://schemas.microsoft.com/office/powerpoint/2010/main" val="2049485363"/>
       </p:ext>
     </p:extLst>
   </p:cSld>

--- a/캡스톤디자인 3주차.pptx
+++ b/캡스톤디자인 3주차.pptx
@@ -5,20 +5,18 @@
     <p:sldMasterId id="2147483648" r:id="rId1"/>
   </p:sldMasterIdLst>
   <p:notesMasterIdLst>
-    <p:notesMasterId r:id="rId13"/>
+    <p:notesMasterId r:id="rId11"/>
   </p:notesMasterIdLst>
   <p:sldIdLst>
     <p:sldId id="256" r:id="rId2"/>
     <p:sldId id="260" r:id="rId3"/>
     <p:sldId id="258" r:id="rId4"/>
     <p:sldId id="259" r:id="rId5"/>
-    <p:sldId id="257" r:id="rId6"/>
-    <p:sldId id="262" r:id="rId7"/>
+    <p:sldId id="262" r:id="rId6"/>
+    <p:sldId id="257" r:id="rId7"/>
     <p:sldId id="263" r:id="rId8"/>
-    <p:sldId id="264" r:id="rId9"/>
-    <p:sldId id="265" r:id="rId10"/>
-    <p:sldId id="266" r:id="rId11"/>
-    <p:sldId id="261" r:id="rId12"/>
+    <p:sldId id="265" r:id="rId9"/>
+    <p:sldId id="261" r:id="rId10"/>
   </p:sldIdLst>
   <p:sldSz cx="12192000" cy="6858000"/>
   <p:notesSz cx="6858000" cy="9144000"/>
@@ -475,6 +473,90 @@
 </file>
 
 <file path=ppt/notesSlides/notesSlide1.xml><?xml version="1.0" encoding="utf-8"?>
+<p:notes xmlns:a="http://schemas.openxmlformats.org/drawingml/2006/main" xmlns:r="http://schemas.openxmlformats.org/officeDocument/2006/relationships" xmlns:p="http://schemas.openxmlformats.org/presentationml/2006/main">
+  <p:cSld>
+    <p:spTree>
+      <p:nvGrpSpPr>
+        <p:cNvPr id="1" name=""/>
+        <p:cNvGrpSpPr/>
+        <p:nvPr/>
+      </p:nvGrpSpPr>
+      <p:grpSpPr>
+        <a:xfrm>
+          <a:off x="0" y="0"/>
+          <a:ext cx="0" cy="0"/>
+          <a:chOff x="0" y="0"/>
+          <a:chExt cx="0" cy="0"/>
+        </a:xfrm>
+      </p:grpSpPr>
+      <p:sp>
+        <p:nvSpPr>
+          <p:cNvPr id="2" name="슬라이드 이미지 개체 틀 1"/>
+          <p:cNvSpPr>
+            <a:spLocks noGrp="1" noRot="1" noChangeAspect="1"/>
+          </p:cNvSpPr>
+          <p:nvPr>
+            <p:ph type="sldImg"/>
+          </p:nvPr>
+        </p:nvSpPr>
+        <p:spPr/>
+      </p:sp>
+      <p:sp>
+        <p:nvSpPr>
+          <p:cNvPr id="3" name="슬라이드 노트 개체 틀 2"/>
+          <p:cNvSpPr>
+            <a:spLocks noGrp="1"/>
+          </p:cNvSpPr>
+          <p:nvPr>
+            <p:ph type="body" idx="1"/>
+          </p:nvPr>
+        </p:nvSpPr>
+        <p:spPr/>
+        <p:txBody>
+          <a:bodyPr/>
+          <a:lstStyle/>
+          <a:p>
+            <a:endParaRPr lang="ko-KR" altLang="en-US"/>
+          </a:p>
+        </p:txBody>
+      </p:sp>
+      <p:sp>
+        <p:nvSpPr>
+          <p:cNvPr id="4" name="슬라이드 번호 개체 틀 3"/>
+          <p:cNvSpPr>
+            <a:spLocks noGrp="1"/>
+          </p:cNvSpPr>
+          <p:nvPr>
+            <p:ph type="sldNum" sz="quarter" idx="5"/>
+          </p:nvPr>
+        </p:nvSpPr>
+        <p:spPr/>
+        <p:txBody>
+          <a:bodyPr/>
+          <a:lstStyle/>
+          <a:p>
+            <a:fld id="{FA523524-E5B6-4CAC-896D-5A3829789C79}" type="slidenum">
+              <a:rPr lang="ko-KR" altLang="en-US" smtClean="0"/>
+              <a:t>2</a:t>
+            </a:fld>
+            <a:endParaRPr lang="ko-KR" altLang="en-US"/>
+          </a:p>
+        </p:txBody>
+      </p:sp>
+    </p:spTree>
+    <p:extLst>
+      <p:ext uri="{BB962C8B-B14F-4D97-AF65-F5344CB8AC3E}">
+        <p14:creationId xmlns:p14="http://schemas.microsoft.com/office/powerpoint/2010/main" val="1691458363"/>
+      </p:ext>
+    </p:extLst>
+  </p:cSld>
+  <p:clrMapOvr>
+    <a:masterClrMapping/>
+  </p:clrMapOvr>
+</p:notes>
+</file>
+
+<file path=ppt/notesSlides/notesSlide2.xml><?xml version="1.0" encoding="utf-8"?>
 <p:notes xmlns:a="http://schemas.openxmlformats.org/drawingml/2006/main" xmlns:r="http://schemas.openxmlformats.org/officeDocument/2006/relationships" xmlns:p="http://schemas.openxmlformats.org/presentationml/2006/main">
   <p:cSld>
     <p:spTree>
@@ -3856,205 +3938,6 @@
 </p:sld>
 </file>
 
-<file path=ppt/slides/slide10.xml><?xml version="1.0" encoding="utf-8"?>
-<p:sld xmlns:a="http://schemas.openxmlformats.org/drawingml/2006/main" xmlns:r="http://schemas.openxmlformats.org/officeDocument/2006/relationships" xmlns:p="http://schemas.openxmlformats.org/presentationml/2006/main">
-  <p:cSld>
-    <p:spTree>
-      <p:nvGrpSpPr>
-        <p:cNvPr id="1" name="">
-          <a:extLst>
-            <a:ext uri="{FF2B5EF4-FFF2-40B4-BE49-F238E27FC236}">
-              <a16:creationId xmlns:a16="http://schemas.microsoft.com/office/drawing/2014/main" id="{7F150706-816C-B844-19EA-C45CA8B89490}"/>
-            </a:ext>
-          </a:extLst>
-        </p:cNvPr>
-        <p:cNvGrpSpPr/>
-        <p:nvPr/>
-      </p:nvGrpSpPr>
-      <p:grpSpPr>
-        <a:xfrm>
-          <a:off x="0" y="0"/>
-          <a:ext cx="0" cy="0"/>
-          <a:chOff x="0" y="0"/>
-          <a:chExt cx="0" cy="0"/>
-        </a:xfrm>
-      </p:grpSpPr>
-      <p:sp>
-        <p:nvSpPr>
-          <p:cNvPr id="2" name="제목 1">
-            <a:extLst>
-              <a:ext uri="{FF2B5EF4-FFF2-40B4-BE49-F238E27FC236}">
-                <a16:creationId xmlns:a16="http://schemas.microsoft.com/office/drawing/2014/main" id="{45CB662C-B329-29A2-C9D4-F7B83B48091A}"/>
-              </a:ext>
-            </a:extLst>
-          </p:cNvPr>
-          <p:cNvSpPr>
-            <a:spLocks noGrp="1"/>
-          </p:cNvSpPr>
-          <p:nvPr>
-            <p:ph type="title"/>
-          </p:nvPr>
-        </p:nvSpPr>
-        <p:spPr/>
-        <p:txBody>
-          <a:bodyPr/>
-          <a:lstStyle/>
-          <a:p>
-            <a:r>
-              <a:rPr lang="en-US" altLang="ko-KR" dirty="0"/>
-              <a:t>LSTM-Autoencoder</a:t>
-            </a:r>
-            <a:endParaRPr lang="ko-KR" altLang="en-US" dirty="0"/>
-          </a:p>
-        </p:txBody>
-      </p:sp>
-      <p:sp>
-        <p:nvSpPr>
-          <p:cNvPr id="3" name="내용 개체 틀 2">
-            <a:extLst>
-              <a:ext uri="{FF2B5EF4-FFF2-40B4-BE49-F238E27FC236}">
-                <a16:creationId xmlns:a16="http://schemas.microsoft.com/office/drawing/2014/main" id="{41CD30BC-4582-A06A-9C09-CCD1D2723087}"/>
-              </a:ext>
-            </a:extLst>
-          </p:cNvPr>
-          <p:cNvSpPr>
-            <a:spLocks noGrp="1"/>
-          </p:cNvSpPr>
-          <p:nvPr>
-            <p:ph idx="1"/>
-          </p:nvPr>
-        </p:nvSpPr>
-        <p:spPr/>
-        <p:txBody>
-          <a:bodyPr/>
-          <a:lstStyle/>
-          <a:p>
-            <a:endParaRPr lang="ko-KR" altLang="en-US" dirty="0"/>
-          </a:p>
-        </p:txBody>
-      </p:sp>
-    </p:spTree>
-    <p:extLst>
-      <p:ext uri="{BB962C8B-B14F-4D97-AF65-F5344CB8AC3E}">
-        <p14:creationId xmlns:p14="http://schemas.microsoft.com/office/powerpoint/2010/main" val="2647013918"/>
-      </p:ext>
-    </p:extLst>
-  </p:cSld>
-  <p:clrMapOvr>
-    <a:masterClrMapping/>
-  </p:clrMapOvr>
-</p:sld>
-</file>
-
-<file path=ppt/slides/slide11.xml><?xml version="1.0" encoding="utf-8"?>
-<p:sld xmlns:a="http://schemas.openxmlformats.org/drawingml/2006/main" xmlns:r="http://schemas.openxmlformats.org/officeDocument/2006/relationships" xmlns:p="http://schemas.openxmlformats.org/presentationml/2006/main">
-  <p:cSld>
-    <p:spTree>
-      <p:nvGrpSpPr>
-        <p:cNvPr id="1" name=""/>
-        <p:cNvGrpSpPr/>
-        <p:nvPr/>
-      </p:nvGrpSpPr>
-      <p:grpSpPr>
-        <a:xfrm>
-          <a:off x="0" y="0"/>
-          <a:ext cx="0" cy="0"/>
-          <a:chOff x="0" y="0"/>
-          <a:chExt cx="0" cy="0"/>
-        </a:xfrm>
-      </p:grpSpPr>
-      <p:sp>
-        <p:nvSpPr>
-          <p:cNvPr id="2" name="제목 1">
-            <a:extLst>
-              <a:ext uri="{FF2B5EF4-FFF2-40B4-BE49-F238E27FC236}">
-                <a16:creationId xmlns:a16="http://schemas.microsoft.com/office/drawing/2014/main" id="{AD581883-4B72-3882-5BEA-733AB2AA20B0}"/>
-              </a:ext>
-            </a:extLst>
-          </p:cNvPr>
-          <p:cNvSpPr>
-            <a:spLocks noGrp="1"/>
-          </p:cNvSpPr>
-          <p:nvPr>
-            <p:ph type="title"/>
-          </p:nvPr>
-        </p:nvSpPr>
-        <p:spPr/>
-        <p:txBody>
-          <a:bodyPr/>
-          <a:lstStyle/>
-          <a:p>
-            <a:r>
-              <a:rPr lang="ko-KR" altLang="en-US" dirty="0"/>
-              <a:t>출처</a:t>
-            </a:r>
-          </a:p>
-        </p:txBody>
-      </p:sp>
-      <p:sp>
-        <p:nvSpPr>
-          <p:cNvPr id="3" name="내용 개체 틀 2">
-            <a:extLst>
-              <a:ext uri="{FF2B5EF4-FFF2-40B4-BE49-F238E27FC236}">
-                <a16:creationId xmlns:a16="http://schemas.microsoft.com/office/drawing/2014/main" id="{FDBCC205-2D68-8506-3F4C-76B5BA9D0B24}"/>
-              </a:ext>
-            </a:extLst>
-          </p:cNvPr>
-          <p:cNvSpPr>
-            <a:spLocks noGrp="1"/>
-          </p:cNvSpPr>
-          <p:nvPr>
-            <p:ph idx="1"/>
-          </p:nvPr>
-        </p:nvSpPr>
-        <p:spPr>
-          <a:xfrm>
-            <a:off x="847078" y="1834503"/>
-            <a:ext cx="10515600" cy="4351338"/>
-          </a:xfrm>
-        </p:spPr>
-        <p:txBody>
-          <a:bodyPr/>
-          <a:lstStyle/>
-          <a:p>
-            <a:r>
-              <a:rPr lang="en-US" altLang="ko-KR" dirty="0">
-                <a:hlinkClick r:id="rId2"/>
-              </a:rPr>
-              <a:t>https://pasus.tistory.com/267</a:t>
-            </a:r>
-            <a:endParaRPr lang="en-US" altLang="ko-KR" dirty="0"/>
-          </a:p>
-          <a:p>
-            <a:r>
-              <a:rPr lang="en-US" altLang="ko-KR" dirty="0">
-                <a:hlinkClick r:id="rId3"/>
-              </a:rPr>
-              <a:t>https://inspaceai.github.io/2019/03/21/Anomaly_Detection_With_LSTM-AE/</a:t>
-            </a:r>
-            <a:endParaRPr lang="en-US" altLang="ko-KR" dirty="0"/>
-          </a:p>
-          <a:p>
-            <a:endParaRPr lang="en-US" altLang="ko-KR" dirty="0"/>
-          </a:p>
-          <a:p>
-            <a:endParaRPr lang="ko-KR" altLang="en-US" dirty="0"/>
-          </a:p>
-        </p:txBody>
-      </p:sp>
-    </p:spTree>
-    <p:extLst>
-      <p:ext uri="{BB962C8B-B14F-4D97-AF65-F5344CB8AC3E}">
-        <p14:creationId xmlns:p14="http://schemas.microsoft.com/office/powerpoint/2010/main" val="3989817147"/>
-      </p:ext>
-    </p:extLst>
-  </p:cSld>
-  <p:clrMapOvr>
-    <a:masterClrMapping/>
-  </p:clrMapOvr>
-</p:sld>
-</file>
-
 <file path=ppt/slides/slide2.xml><?xml version="1.0" encoding="utf-8"?>
 <p:sld xmlns:a="http://schemas.openxmlformats.org/drawingml/2006/main" xmlns:r="http://schemas.openxmlformats.org/officeDocument/2006/relationships" xmlns:p="http://schemas.openxmlformats.org/presentationml/2006/main">
   <p:cSld>
@@ -4565,6 +4448,147 @@
           <p:cNvPr id="2" name="제목 1">
             <a:extLst>
               <a:ext uri="{FF2B5EF4-FFF2-40B4-BE49-F238E27FC236}">
+                <a16:creationId xmlns:a16="http://schemas.microsoft.com/office/drawing/2014/main" id="{B8378B59-7A54-CE88-A19A-F16953A7AA15}"/>
+              </a:ext>
+            </a:extLst>
+          </p:cNvPr>
+          <p:cNvSpPr>
+            <a:spLocks noGrp="1"/>
+          </p:cNvSpPr>
+          <p:nvPr>
+            <p:ph type="title"/>
+          </p:nvPr>
+        </p:nvSpPr>
+        <p:spPr/>
+        <p:txBody>
+          <a:bodyPr/>
+          <a:lstStyle/>
+          <a:p>
+            <a:r>
+              <a:rPr lang="en-US" altLang="ko-KR" dirty="0"/>
+              <a:t>LSTM-Autoencoder</a:t>
+            </a:r>
+            <a:endParaRPr lang="ko-KR" altLang="en-US" dirty="0"/>
+          </a:p>
+        </p:txBody>
+      </p:sp>
+      <p:sp>
+        <p:nvSpPr>
+          <p:cNvPr id="3" name="내용 개체 틀 2">
+            <a:extLst>
+              <a:ext uri="{FF2B5EF4-FFF2-40B4-BE49-F238E27FC236}">
+                <a16:creationId xmlns:a16="http://schemas.microsoft.com/office/drawing/2014/main" id="{D202C859-A847-9855-08C5-B3744B9616ED}"/>
+              </a:ext>
+            </a:extLst>
+          </p:cNvPr>
+          <p:cNvSpPr>
+            <a:spLocks noGrp="1"/>
+          </p:cNvSpPr>
+          <p:nvPr>
+            <p:ph idx="1"/>
+          </p:nvPr>
+        </p:nvSpPr>
+        <p:spPr/>
+        <p:txBody>
+          <a:bodyPr/>
+          <a:lstStyle/>
+          <a:p>
+            <a:r>
+              <a:rPr lang="ko-KR" altLang="en-US" dirty="0"/>
+              <a:t>기존의 </a:t>
+            </a:r>
+            <a:r>
+              <a:rPr lang="en-US" altLang="ko-KR" dirty="0"/>
+              <a:t>Autoencoder</a:t>
+            </a:r>
+            <a:r>
+              <a:rPr lang="ko-KR" altLang="en-US" dirty="0"/>
+              <a:t>는 시간적인 특성을 담기 어려움</a:t>
+            </a:r>
+            <a:r>
+              <a:rPr lang="en-US" altLang="ko-KR" dirty="0"/>
+              <a:t>.</a:t>
+            </a:r>
+          </a:p>
+          <a:p>
+            <a:endParaRPr lang="en-US" altLang="ko-KR" dirty="0"/>
+          </a:p>
+          <a:p>
+            <a:r>
+              <a:rPr lang="ko-KR" altLang="en-US" dirty="0"/>
+              <a:t>따라서 시간적인 특성을 담을 수 있는 </a:t>
+            </a:r>
+            <a:r>
+              <a:rPr lang="en-US" altLang="ko-KR" dirty="0"/>
+              <a:t>LSTM</a:t>
+            </a:r>
+            <a:r>
+              <a:rPr lang="ko-KR" altLang="en-US" dirty="0"/>
+              <a:t>과 결합함</a:t>
+            </a:r>
+            <a:r>
+              <a:rPr lang="en-US" altLang="ko-KR" dirty="0"/>
+              <a:t>.</a:t>
+            </a:r>
+          </a:p>
+          <a:p>
+            <a:endParaRPr lang="en-US" altLang="ko-KR" dirty="0"/>
+          </a:p>
+          <a:p>
+            <a:r>
+              <a:rPr lang="en-US" altLang="ko-KR" sz="2800" dirty="0"/>
+              <a:t>LSTM-Autoencoder</a:t>
+            </a:r>
+            <a:r>
+              <a:rPr lang="ko-KR" altLang="en-US" sz="2800" dirty="0"/>
+              <a:t>는 비지도</a:t>
+            </a:r>
+            <a:r>
+              <a:rPr lang="en-US" altLang="ko-KR" sz="2800" dirty="0"/>
+              <a:t>(Unsupervised) </a:t>
+            </a:r>
+            <a:r>
+              <a:rPr lang="ko-KR" altLang="en-US" sz="2800" dirty="0"/>
+              <a:t>학습의 방법으로 훈련</a:t>
+            </a:r>
+          </a:p>
+        </p:txBody>
+      </p:sp>
+    </p:spTree>
+    <p:extLst>
+      <p:ext uri="{BB962C8B-B14F-4D97-AF65-F5344CB8AC3E}">
+        <p14:creationId xmlns:p14="http://schemas.microsoft.com/office/powerpoint/2010/main" val="969389698"/>
+      </p:ext>
+    </p:extLst>
+  </p:cSld>
+  <p:clrMapOvr>
+    <a:masterClrMapping/>
+  </p:clrMapOvr>
+</p:sld>
+</file>
+
+<file path=ppt/slides/slide6.xml><?xml version="1.0" encoding="utf-8"?>
+<p:sld xmlns:a="http://schemas.openxmlformats.org/drawingml/2006/main" xmlns:r="http://schemas.openxmlformats.org/officeDocument/2006/relationships" xmlns:p="http://schemas.openxmlformats.org/presentationml/2006/main">
+  <p:cSld>
+    <p:spTree>
+      <p:nvGrpSpPr>
+        <p:cNvPr id="1" name=""/>
+        <p:cNvGrpSpPr/>
+        <p:nvPr/>
+      </p:nvGrpSpPr>
+      <p:grpSpPr>
+        <a:xfrm>
+          <a:off x="0" y="0"/>
+          <a:ext cx="0" cy="0"/>
+          <a:chOff x="0" y="0"/>
+          <a:chExt cx="0" cy="0"/>
+        </a:xfrm>
+      </p:grpSpPr>
+      <p:sp>
+        <p:nvSpPr>
+          <p:cNvPr id="2" name="제목 1">
+            <a:extLst>
+              <a:ext uri="{FF2B5EF4-FFF2-40B4-BE49-F238E27FC236}">
                 <a16:creationId xmlns:a16="http://schemas.microsoft.com/office/drawing/2014/main" id="{27C85483-0598-B9EE-B281-E7806A851853}"/>
               </a:ext>
             </a:extLst>
@@ -4758,127 +4782,6 @@
 </p:sld>
 </file>
 
-<file path=ppt/slides/slide6.xml><?xml version="1.0" encoding="utf-8"?>
-<p:sld xmlns:a="http://schemas.openxmlformats.org/drawingml/2006/main" xmlns:r="http://schemas.openxmlformats.org/officeDocument/2006/relationships" xmlns:p="http://schemas.openxmlformats.org/presentationml/2006/main">
-  <p:cSld>
-    <p:spTree>
-      <p:nvGrpSpPr>
-        <p:cNvPr id="1" name=""/>
-        <p:cNvGrpSpPr/>
-        <p:nvPr/>
-      </p:nvGrpSpPr>
-      <p:grpSpPr>
-        <a:xfrm>
-          <a:off x="0" y="0"/>
-          <a:ext cx="0" cy="0"/>
-          <a:chOff x="0" y="0"/>
-          <a:chExt cx="0" cy="0"/>
-        </a:xfrm>
-      </p:grpSpPr>
-      <p:sp>
-        <p:nvSpPr>
-          <p:cNvPr id="2" name="제목 1">
-            <a:extLst>
-              <a:ext uri="{FF2B5EF4-FFF2-40B4-BE49-F238E27FC236}">
-                <a16:creationId xmlns:a16="http://schemas.microsoft.com/office/drawing/2014/main" id="{B8378B59-7A54-CE88-A19A-F16953A7AA15}"/>
-              </a:ext>
-            </a:extLst>
-          </p:cNvPr>
-          <p:cNvSpPr>
-            <a:spLocks noGrp="1"/>
-          </p:cNvSpPr>
-          <p:nvPr>
-            <p:ph type="title"/>
-          </p:nvPr>
-        </p:nvSpPr>
-        <p:spPr/>
-        <p:txBody>
-          <a:bodyPr/>
-          <a:lstStyle/>
-          <a:p>
-            <a:r>
-              <a:rPr lang="en-US" altLang="ko-KR" dirty="0"/>
-              <a:t>LSTM-Autoencoder</a:t>
-            </a:r>
-            <a:endParaRPr lang="ko-KR" altLang="en-US" dirty="0"/>
-          </a:p>
-        </p:txBody>
-      </p:sp>
-      <p:sp>
-        <p:nvSpPr>
-          <p:cNvPr id="3" name="내용 개체 틀 2">
-            <a:extLst>
-              <a:ext uri="{FF2B5EF4-FFF2-40B4-BE49-F238E27FC236}">
-                <a16:creationId xmlns:a16="http://schemas.microsoft.com/office/drawing/2014/main" id="{D202C859-A847-9855-08C5-B3744B9616ED}"/>
-              </a:ext>
-            </a:extLst>
-          </p:cNvPr>
-          <p:cNvSpPr>
-            <a:spLocks noGrp="1"/>
-          </p:cNvSpPr>
-          <p:nvPr>
-            <p:ph idx="1"/>
-          </p:nvPr>
-        </p:nvSpPr>
-        <p:spPr/>
-        <p:txBody>
-          <a:bodyPr/>
-          <a:lstStyle/>
-          <a:p>
-            <a:r>
-              <a:rPr lang="ko-KR" altLang="en-US" dirty="0"/>
-              <a:t>기존의 </a:t>
-            </a:r>
-            <a:r>
-              <a:rPr lang="en-US" altLang="ko-KR" dirty="0"/>
-              <a:t>Autoencoder</a:t>
-            </a:r>
-            <a:r>
-              <a:rPr lang="ko-KR" altLang="en-US" dirty="0"/>
-              <a:t>는 시간적인 특성을 담기 어려움</a:t>
-            </a:r>
-            <a:r>
-              <a:rPr lang="en-US" altLang="ko-KR" dirty="0"/>
-              <a:t>.</a:t>
-            </a:r>
-          </a:p>
-          <a:p>
-            <a:endParaRPr lang="en-US" altLang="ko-KR" dirty="0"/>
-          </a:p>
-          <a:p>
-            <a:r>
-              <a:rPr lang="ko-KR" altLang="en-US" dirty="0"/>
-              <a:t>따라서 시간적인 특성을 담을 수 있는 </a:t>
-            </a:r>
-            <a:r>
-              <a:rPr lang="en-US" altLang="ko-KR" dirty="0"/>
-              <a:t>LSTM</a:t>
-            </a:r>
-            <a:r>
-              <a:rPr lang="ko-KR" altLang="en-US" dirty="0"/>
-              <a:t>과 결합함</a:t>
-            </a:r>
-            <a:r>
-              <a:rPr lang="en-US" altLang="ko-KR" dirty="0"/>
-              <a:t>.</a:t>
-            </a:r>
-            <a:endParaRPr lang="ko-KR" altLang="en-US" dirty="0"/>
-          </a:p>
-        </p:txBody>
-      </p:sp>
-    </p:spTree>
-    <p:extLst>
-      <p:ext uri="{BB962C8B-B14F-4D97-AF65-F5344CB8AC3E}">
-        <p14:creationId xmlns:p14="http://schemas.microsoft.com/office/powerpoint/2010/main" val="969389698"/>
-      </p:ext>
-    </p:extLst>
-  </p:cSld>
-  <p:clrMapOvr>
-    <a:masterClrMapping/>
-  </p:clrMapOvr>
-</p:sld>
-</file>
-
 <file path=ppt/slides/slide7.xml><?xml version="1.0" encoding="utf-8"?>
 <p:sld xmlns:a="http://schemas.openxmlformats.org/drawingml/2006/main" xmlns:r="http://schemas.openxmlformats.org/officeDocument/2006/relationships" xmlns:p="http://schemas.openxmlformats.org/presentationml/2006/main">
   <p:cSld>
@@ -4943,25 +4846,75 @@
         </p:nvSpPr>
         <p:spPr/>
         <p:txBody>
-          <a:bodyPr/>
-          <a:lstStyle/>
-          <a:p>
-            <a:r>
-              <a:rPr lang="en-US" altLang="ko-KR" dirty="0"/>
-              <a:t>Input gate(</a:t>
-            </a:r>
-            <a:r>
-              <a:rPr lang="ko-KR" altLang="en-US" dirty="0"/>
-              <a:t>입력 게이트</a:t>
-            </a:r>
-            <a:r>
-              <a:rPr lang="en-US" altLang="ko-KR" dirty="0"/>
-              <a:t>)</a:t>
-            </a:r>
-            <a:endParaRPr lang="ko-KR" altLang="en-US" dirty="0"/>
-          </a:p>
-        </p:txBody>
-      </p:sp>
+          <a:bodyPr>
+            <a:normAutofit/>
+          </a:bodyPr>
+          <a:lstStyle/>
+          <a:p>
+            <a:r>
+              <a:rPr lang="en-US" altLang="ko-KR" sz="2400" dirty="0"/>
+              <a:t>Reconstruction Loss: </a:t>
+            </a:r>
+            <a:r>
+              <a:rPr lang="ko-KR" altLang="en-US" sz="2400" dirty="0"/>
+              <a:t>많이 사용되는 방식은 </a:t>
+            </a:r>
+            <a:r>
+              <a:rPr lang="en-US" altLang="ko-KR" sz="2400" dirty="0"/>
+              <a:t>MSE(Mean Squared Error)</a:t>
+            </a:r>
+          </a:p>
+          <a:p>
+            <a:endParaRPr lang="en-US" altLang="ko-KR" sz="2400" dirty="0"/>
+          </a:p>
+          <a:p>
+            <a:endParaRPr lang="en-US" altLang="ko-KR" sz="2400" dirty="0"/>
+          </a:p>
+          <a:p>
+            <a:endParaRPr lang="en-US" altLang="ko-KR" sz="2400" dirty="0"/>
+          </a:p>
+          <a:p>
+            <a:endParaRPr lang="en-US" altLang="ko-KR" sz="2400" dirty="0"/>
+          </a:p>
+          <a:p>
+            <a:r>
+              <a:rPr lang="ko-KR" altLang="en-US" sz="2400" dirty="0"/>
+              <a:t>원본 데이터와 복원 데이터 간의 오차를 최소화하는 방식으로 학습</a:t>
+            </a:r>
+            <a:endParaRPr lang="en-US" altLang="ko-KR" sz="2400" dirty="0"/>
+          </a:p>
+        </p:txBody>
+      </p:sp>
+      <p:pic>
+        <p:nvPicPr>
+          <p:cNvPr id="5" name="그림 4">
+            <a:extLst>
+              <a:ext uri="{FF2B5EF4-FFF2-40B4-BE49-F238E27FC236}">
+                <a16:creationId xmlns:a16="http://schemas.microsoft.com/office/drawing/2014/main" id="{83BB0D7F-D750-24E2-40CF-7035163BB69C}"/>
+              </a:ext>
+            </a:extLst>
+          </p:cNvPr>
+          <p:cNvPicPr>
+            <a:picLocks noChangeAspect="1"/>
+          </p:cNvPicPr>
+          <p:nvPr/>
+        </p:nvPicPr>
+        <p:blipFill>
+          <a:blip r:embed="rId2"/>
+          <a:stretch>
+            <a:fillRect/>
+          </a:stretch>
+        </p:blipFill>
+        <p:spPr>
+          <a:xfrm>
+            <a:off x="4218387" y="2392112"/>
+            <a:ext cx="3755225" cy="1292783"/>
+          </a:xfrm>
+          <a:prstGeom prst="rect">
+            <a:avLst/>
+          </a:prstGeom>
+        </p:spPr>
+      </p:pic>
     </p:spTree>
     <p:extLst>
       <p:ext uri="{BB962C8B-B14F-4D97-AF65-F5344CB8AC3E}">
@@ -4976,108 +4929,6 @@
 </file>
 
 <file path=ppt/slides/slide8.xml><?xml version="1.0" encoding="utf-8"?>
-<p:sld xmlns:a="http://schemas.openxmlformats.org/drawingml/2006/main" xmlns:r="http://schemas.openxmlformats.org/officeDocument/2006/relationships" xmlns:p="http://schemas.openxmlformats.org/presentationml/2006/main">
-  <p:cSld>
-    <p:spTree>
-      <p:nvGrpSpPr>
-        <p:cNvPr id="1" name="">
-          <a:extLst>
-            <a:ext uri="{FF2B5EF4-FFF2-40B4-BE49-F238E27FC236}">
-              <a16:creationId xmlns:a16="http://schemas.microsoft.com/office/drawing/2014/main" id="{BA24DD91-5BE9-004C-D8BB-C956EE5206A4}"/>
-            </a:ext>
-          </a:extLst>
-        </p:cNvPr>
-        <p:cNvGrpSpPr/>
-        <p:nvPr/>
-      </p:nvGrpSpPr>
-      <p:grpSpPr>
-        <a:xfrm>
-          <a:off x="0" y="0"/>
-          <a:ext cx="0" cy="0"/>
-          <a:chOff x="0" y="0"/>
-          <a:chExt cx="0" cy="0"/>
-        </a:xfrm>
-      </p:grpSpPr>
-      <p:sp>
-        <p:nvSpPr>
-          <p:cNvPr id="2" name="제목 1">
-            <a:extLst>
-              <a:ext uri="{FF2B5EF4-FFF2-40B4-BE49-F238E27FC236}">
-                <a16:creationId xmlns:a16="http://schemas.microsoft.com/office/drawing/2014/main" id="{14D9630C-B6D1-6D24-BF94-38ADA900CE4C}"/>
-              </a:ext>
-            </a:extLst>
-          </p:cNvPr>
-          <p:cNvSpPr>
-            <a:spLocks noGrp="1"/>
-          </p:cNvSpPr>
-          <p:nvPr>
-            <p:ph type="title"/>
-          </p:nvPr>
-        </p:nvSpPr>
-        <p:spPr/>
-        <p:txBody>
-          <a:bodyPr/>
-          <a:lstStyle/>
-          <a:p>
-            <a:r>
-              <a:rPr lang="en-US" altLang="ko-KR" dirty="0"/>
-              <a:t>LSTM-Autoencoder</a:t>
-            </a:r>
-            <a:endParaRPr lang="ko-KR" altLang="en-US" dirty="0"/>
-          </a:p>
-        </p:txBody>
-      </p:sp>
-      <p:sp>
-        <p:nvSpPr>
-          <p:cNvPr id="3" name="내용 개체 틀 2">
-            <a:extLst>
-              <a:ext uri="{FF2B5EF4-FFF2-40B4-BE49-F238E27FC236}">
-                <a16:creationId xmlns:a16="http://schemas.microsoft.com/office/drawing/2014/main" id="{6B8D5512-43EA-EF77-1462-371DE6BA837F}"/>
-              </a:ext>
-            </a:extLst>
-          </p:cNvPr>
-          <p:cNvSpPr>
-            <a:spLocks noGrp="1"/>
-          </p:cNvSpPr>
-          <p:nvPr>
-            <p:ph idx="1"/>
-          </p:nvPr>
-        </p:nvSpPr>
-        <p:spPr/>
-        <p:txBody>
-          <a:bodyPr/>
-          <a:lstStyle/>
-          <a:p>
-            <a:r>
-              <a:rPr lang="en-US" altLang="ko-KR" dirty="0"/>
-              <a:t>Forget gate(</a:t>
-            </a:r>
-            <a:r>
-              <a:rPr lang="ko-KR" altLang="en-US" dirty="0"/>
-              <a:t>망각 게이트</a:t>
-            </a:r>
-            <a:r>
-              <a:rPr lang="en-US" altLang="ko-KR" dirty="0"/>
-              <a:t>)</a:t>
-            </a:r>
-            <a:endParaRPr lang="ko-KR" altLang="en-US" dirty="0"/>
-          </a:p>
-        </p:txBody>
-      </p:sp>
-    </p:spTree>
-    <p:extLst>
-      <p:ext uri="{BB962C8B-B14F-4D97-AF65-F5344CB8AC3E}">
-        <p14:creationId xmlns:p14="http://schemas.microsoft.com/office/powerpoint/2010/main" val="1825550609"/>
-      </p:ext>
-    </p:extLst>
-  </p:cSld>
-  <p:clrMapOvr>
-    <a:masterClrMapping/>
-  </p:clrMapOvr>
-</p:sld>
-</file>
-
-<file path=ppt/slides/slide9.xml><?xml version="1.0" encoding="utf-8"?>
 <p:sld xmlns:a="http://schemas.openxmlformats.org/drawingml/2006/main" xmlns:r="http://schemas.openxmlformats.org/officeDocument/2006/relationships" xmlns:p="http://schemas.openxmlformats.org/presentationml/2006/main">
   <p:cSld>
     <p:spTree>
@@ -5147,10 +4998,45 @@
         </p:nvSpPr>
         <p:spPr/>
         <p:txBody>
-          <a:bodyPr/>
-          <a:lstStyle/>
-          <a:p>
-            <a:endParaRPr lang="ko-KR" altLang="en-US" dirty="0"/>
+          <a:bodyPr>
+            <a:normAutofit/>
+          </a:bodyPr>
+          <a:lstStyle/>
+          <a:p>
+            <a:r>
+              <a:rPr lang="ko-KR" altLang="en-US" sz="2400" dirty="0"/>
+              <a:t>다만</a:t>
+            </a:r>
+            <a:r>
+              <a:rPr lang="en-US" altLang="ko-KR" sz="2400" dirty="0"/>
+              <a:t>, LSTM-Autoencoder</a:t>
+            </a:r>
+            <a:r>
+              <a:rPr lang="ko-KR" altLang="en-US" sz="2400" dirty="0"/>
+              <a:t>을 학습시키기 위해서는 정상 데이터만이 훈련 데이터로 이용되어야 함</a:t>
+            </a:r>
+            <a:r>
+              <a:rPr lang="en-US" altLang="ko-KR" sz="2400" dirty="0"/>
+              <a:t>.</a:t>
+            </a:r>
+          </a:p>
+          <a:p>
+            <a:r>
+              <a:rPr lang="ko-KR" altLang="en-US" sz="2400" dirty="0"/>
+              <a:t>비정상적인 데이터가 섞인 데이터를 활용하고 싶다면 </a:t>
+            </a:r>
+            <a:r>
+              <a:rPr lang="ko-KR" altLang="en-US" sz="2400" dirty="0" err="1"/>
+              <a:t>전처리</a:t>
+            </a:r>
+            <a:r>
+              <a:rPr lang="ko-KR" altLang="en-US" sz="2400" dirty="0"/>
+              <a:t> 과정이 필요</a:t>
+            </a:r>
+            <a:endParaRPr lang="en-US" altLang="ko-KR" sz="2400" dirty="0"/>
+          </a:p>
+          <a:p>
+            <a:endParaRPr lang="en-US" altLang="ko-KR" sz="2400" dirty="0"/>
           </a:p>
         </p:txBody>
       </p:sp>
@@ -5158,6 +5044,115 @@
     <p:extLst>
       <p:ext uri="{BB962C8B-B14F-4D97-AF65-F5344CB8AC3E}">
         <p14:creationId xmlns:p14="http://schemas.microsoft.com/office/powerpoint/2010/main" val="2049485363"/>
+      </p:ext>
+    </p:extLst>
+  </p:cSld>
+  <p:clrMapOvr>
+    <a:masterClrMapping/>
+  </p:clrMapOvr>
+</p:sld>
+</file>
+
+<file path=ppt/slides/slide9.xml><?xml version="1.0" encoding="utf-8"?>
+<p:sld xmlns:a="http://schemas.openxmlformats.org/drawingml/2006/main" xmlns:r="http://schemas.openxmlformats.org/officeDocument/2006/relationships" xmlns:p="http://schemas.openxmlformats.org/presentationml/2006/main">
+  <p:cSld>
+    <p:spTree>
+      <p:nvGrpSpPr>
+        <p:cNvPr id="1" name=""/>
+        <p:cNvGrpSpPr/>
+        <p:nvPr/>
+      </p:nvGrpSpPr>
+      <p:grpSpPr>
+        <a:xfrm>
+          <a:off x="0" y="0"/>
+          <a:ext cx="0" cy="0"/>
+          <a:chOff x="0" y="0"/>
+          <a:chExt cx="0" cy="0"/>
+        </a:xfrm>
+      </p:grpSpPr>
+      <p:sp>
+        <p:nvSpPr>
+          <p:cNvPr id="2" name="제목 1">
+            <a:extLst>
+              <a:ext uri="{FF2B5EF4-FFF2-40B4-BE49-F238E27FC236}">
+                <a16:creationId xmlns:a16="http://schemas.microsoft.com/office/drawing/2014/main" id="{AD581883-4B72-3882-5BEA-733AB2AA20B0}"/>
+              </a:ext>
+            </a:extLst>
+          </p:cNvPr>
+          <p:cNvSpPr>
+            <a:spLocks noGrp="1"/>
+          </p:cNvSpPr>
+          <p:nvPr>
+            <p:ph type="title"/>
+          </p:nvPr>
+        </p:nvSpPr>
+        <p:spPr/>
+        <p:txBody>
+          <a:bodyPr/>
+          <a:lstStyle/>
+          <a:p>
+            <a:r>
+              <a:rPr lang="ko-KR" altLang="en-US" dirty="0"/>
+              <a:t>출처</a:t>
+            </a:r>
+          </a:p>
+        </p:txBody>
+      </p:sp>
+      <p:sp>
+        <p:nvSpPr>
+          <p:cNvPr id="3" name="내용 개체 틀 2">
+            <a:extLst>
+              <a:ext uri="{FF2B5EF4-FFF2-40B4-BE49-F238E27FC236}">
+                <a16:creationId xmlns:a16="http://schemas.microsoft.com/office/drawing/2014/main" id="{FDBCC205-2D68-8506-3F4C-76B5BA9D0B24}"/>
+              </a:ext>
+            </a:extLst>
+          </p:cNvPr>
+          <p:cNvSpPr>
+            <a:spLocks noGrp="1"/>
+          </p:cNvSpPr>
+          <p:nvPr>
+            <p:ph idx="1"/>
+          </p:nvPr>
+        </p:nvSpPr>
+        <p:spPr>
+          <a:xfrm>
+            <a:off x="847078" y="1834503"/>
+            <a:ext cx="10515600" cy="4351338"/>
+          </a:xfrm>
+        </p:spPr>
+        <p:txBody>
+          <a:bodyPr/>
+          <a:lstStyle/>
+          <a:p>
+            <a:r>
+              <a:rPr lang="en-US" altLang="ko-KR" dirty="0">
+                <a:hlinkClick r:id="rId2"/>
+              </a:rPr>
+              <a:t>https://pasus.tistory.com/267</a:t>
+            </a:r>
+            <a:endParaRPr lang="en-US" altLang="ko-KR" dirty="0"/>
+          </a:p>
+          <a:p>
+            <a:r>
+              <a:rPr lang="en-US" altLang="ko-KR" dirty="0">
+                <a:hlinkClick r:id="rId3"/>
+              </a:rPr>
+              <a:t>https://inspaceai.github.io/2019/03/21/Anomaly_Detection_With_LSTM-AE/</a:t>
+            </a:r>
+            <a:endParaRPr lang="en-US" altLang="ko-KR" dirty="0"/>
+          </a:p>
+          <a:p>
+            <a:endParaRPr lang="en-US" altLang="ko-KR" dirty="0"/>
+          </a:p>
+          <a:p>
+            <a:endParaRPr lang="ko-KR" altLang="en-US" dirty="0"/>
+          </a:p>
+        </p:txBody>
+      </p:sp>
+    </p:spTree>
+    <p:extLst>
+      <p:ext uri="{BB962C8B-B14F-4D97-AF65-F5344CB8AC3E}">
+        <p14:creationId xmlns:p14="http://schemas.microsoft.com/office/powerpoint/2010/main" val="3989817147"/>
       </p:ext>
     </p:extLst>
   </p:cSld>

--- a/캡스톤디자인 3주차.pptx
+++ b/캡스톤디자인 3주차.pptx
@@ -5,18 +5,25 @@
     <p:sldMasterId id="2147483648" r:id="rId1"/>
   </p:sldMasterIdLst>
   <p:notesMasterIdLst>
-    <p:notesMasterId r:id="rId11"/>
+    <p:notesMasterId r:id="rId18"/>
   </p:notesMasterIdLst>
   <p:sldIdLst>
     <p:sldId id="256" r:id="rId2"/>
     <p:sldId id="260" r:id="rId3"/>
     <p:sldId id="258" r:id="rId4"/>
     <p:sldId id="259" r:id="rId5"/>
-    <p:sldId id="262" r:id="rId6"/>
-    <p:sldId id="257" r:id="rId7"/>
-    <p:sldId id="263" r:id="rId8"/>
-    <p:sldId id="265" r:id="rId9"/>
-    <p:sldId id="261" r:id="rId10"/>
+    <p:sldId id="267" r:id="rId6"/>
+    <p:sldId id="262" r:id="rId7"/>
+    <p:sldId id="257" r:id="rId8"/>
+    <p:sldId id="263" r:id="rId9"/>
+    <p:sldId id="265" r:id="rId10"/>
+    <p:sldId id="266" r:id="rId11"/>
+    <p:sldId id="269" r:id="rId12"/>
+    <p:sldId id="270" r:id="rId13"/>
+    <p:sldId id="271" r:id="rId14"/>
+    <p:sldId id="272" r:id="rId15"/>
+    <p:sldId id="273" r:id="rId16"/>
+    <p:sldId id="261" r:id="rId17"/>
   </p:sldIdLst>
   <p:sldSz cx="12192000" cy="6858000"/>
   <p:notesSz cx="6858000" cy="9144000"/>
@@ -123,6 +130,18 @@
 </p:presentation>
 </file>
 
+<file path=ppt/commentAuthors.xml><?xml version="1.0" encoding="utf-8"?>
+<p:cmAuthorLst xmlns:a="http://schemas.openxmlformats.org/drawingml/2006/main" xmlns:r="http://schemas.openxmlformats.org/officeDocument/2006/relationships" xmlns:p="http://schemas.openxmlformats.org/presentationml/2006/main">
+  <p:cmAuthor id="1" name="Inseop Seo" initials="IS" lastIdx="1" clrIdx="0">
+    <p:extLst>
+      <p:ext uri="{19B8F6BF-5375-455C-9EA6-DF929625EA0E}">
+        <p15:presenceInfo xmlns:p15="http://schemas.microsoft.com/office/powerpoint/2012/main" userId="6f277c5a1d254d46" providerId="Windows Live"/>
+      </p:ext>
+    </p:extLst>
+  </p:cmAuthor>
+</p:cmAuthorLst>
+</file>
+
 <file path=ppt/notesMasters/notesMaster1.xml><?xml version="1.0" encoding="utf-8"?>
 <p:notesMaster xmlns:a="http://schemas.openxmlformats.org/drawingml/2006/main" xmlns:r="http://schemas.openxmlformats.org/officeDocument/2006/relationships" xmlns:p="http://schemas.openxmlformats.org/presentationml/2006/main">
   <p:cSld>
@@ -205,7 +224,7 @@
           <a:p>
             <a:fld id="{B9C56273-945D-4505-998A-F4CA5AA702A3}" type="datetimeFigureOut">
               <a:rPr lang="ko-KR" altLang="en-US" smtClean="0"/>
-              <a:t>2025-04-02</a:t>
+              <a:t>2025-04-03</a:t>
             </a:fld>
             <a:endParaRPr lang="ko-KR" altLang="en-US"/>
           </a:p>
@@ -787,7 +806,7 @@
           <a:p>
             <a:fld id="{5520B1F3-07DD-44E3-A9BF-64A33A5CC9D8}" type="datetimeFigureOut">
               <a:rPr lang="ko-KR" altLang="en-US" smtClean="0"/>
-              <a:t>2025-04-02</a:t>
+              <a:t>2025-04-03</a:t>
             </a:fld>
             <a:endParaRPr lang="ko-KR" altLang="en-US"/>
           </a:p>
@@ -985,7 +1004,7 @@
           <a:p>
             <a:fld id="{5520B1F3-07DD-44E3-A9BF-64A33A5CC9D8}" type="datetimeFigureOut">
               <a:rPr lang="ko-KR" altLang="en-US" smtClean="0"/>
-              <a:t>2025-04-02</a:t>
+              <a:t>2025-04-03</a:t>
             </a:fld>
             <a:endParaRPr lang="ko-KR" altLang="en-US"/>
           </a:p>
@@ -1193,7 +1212,7 @@
           <a:p>
             <a:fld id="{5520B1F3-07DD-44E3-A9BF-64A33A5CC9D8}" type="datetimeFigureOut">
               <a:rPr lang="ko-KR" altLang="en-US" smtClean="0"/>
-              <a:t>2025-04-02</a:t>
+              <a:t>2025-04-03</a:t>
             </a:fld>
             <a:endParaRPr lang="ko-KR" altLang="en-US"/>
           </a:p>
@@ -1391,7 +1410,7 @@
           <a:p>
             <a:fld id="{5520B1F3-07DD-44E3-A9BF-64A33A5CC9D8}" type="datetimeFigureOut">
               <a:rPr lang="ko-KR" altLang="en-US" smtClean="0"/>
-              <a:t>2025-04-02</a:t>
+              <a:t>2025-04-03</a:t>
             </a:fld>
             <a:endParaRPr lang="ko-KR" altLang="en-US"/>
           </a:p>
@@ -1666,7 +1685,7 @@
           <a:p>
             <a:fld id="{5520B1F3-07DD-44E3-A9BF-64A33A5CC9D8}" type="datetimeFigureOut">
               <a:rPr lang="ko-KR" altLang="en-US" smtClean="0"/>
-              <a:t>2025-04-02</a:t>
+              <a:t>2025-04-03</a:t>
             </a:fld>
             <a:endParaRPr lang="ko-KR" altLang="en-US"/>
           </a:p>
@@ -1931,7 +1950,7 @@
           <a:p>
             <a:fld id="{5520B1F3-07DD-44E3-A9BF-64A33A5CC9D8}" type="datetimeFigureOut">
               <a:rPr lang="ko-KR" altLang="en-US" smtClean="0"/>
-              <a:t>2025-04-02</a:t>
+              <a:t>2025-04-03</a:t>
             </a:fld>
             <a:endParaRPr lang="ko-KR" altLang="en-US"/>
           </a:p>
@@ -2343,7 +2362,7 @@
           <a:p>
             <a:fld id="{5520B1F3-07DD-44E3-A9BF-64A33A5CC9D8}" type="datetimeFigureOut">
               <a:rPr lang="ko-KR" altLang="en-US" smtClean="0"/>
-              <a:t>2025-04-02</a:t>
+              <a:t>2025-04-03</a:t>
             </a:fld>
             <a:endParaRPr lang="ko-KR" altLang="en-US"/>
           </a:p>
@@ -2484,7 +2503,7 @@
           <a:p>
             <a:fld id="{5520B1F3-07DD-44E3-A9BF-64A33A5CC9D8}" type="datetimeFigureOut">
               <a:rPr lang="ko-KR" altLang="en-US" smtClean="0"/>
-              <a:t>2025-04-02</a:t>
+              <a:t>2025-04-03</a:t>
             </a:fld>
             <a:endParaRPr lang="ko-KR" altLang="en-US"/>
           </a:p>
@@ -2597,7 +2616,7 @@
           <a:p>
             <a:fld id="{5520B1F3-07DD-44E3-A9BF-64A33A5CC9D8}" type="datetimeFigureOut">
               <a:rPr lang="ko-KR" altLang="en-US" smtClean="0"/>
-              <a:t>2025-04-02</a:t>
+              <a:t>2025-04-03</a:t>
             </a:fld>
             <a:endParaRPr lang="ko-KR" altLang="en-US"/>
           </a:p>
@@ -2908,7 +2927,7 @@
           <a:p>
             <a:fld id="{5520B1F3-07DD-44E3-A9BF-64A33A5CC9D8}" type="datetimeFigureOut">
               <a:rPr lang="ko-KR" altLang="en-US" smtClean="0"/>
-              <a:t>2025-04-02</a:t>
+              <a:t>2025-04-03</a:t>
             </a:fld>
             <a:endParaRPr lang="ko-KR" altLang="en-US"/>
           </a:p>
@@ -3196,7 +3215,7 @@
           <a:p>
             <a:fld id="{5520B1F3-07DD-44E3-A9BF-64A33A5CC9D8}" type="datetimeFigureOut">
               <a:rPr lang="ko-KR" altLang="en-US" smtClean="0"/>
-              <a:t>2025-04-02</a:t>
+              <a:t>2025-04-03</a:t>
             </a:fld>
             <a:endParaRPr lang="ko-KR" altLang="en-US"/>
           </a:p>
@@ -3437,7 +3456,7 @@
           <a:p>
             <a:fld id="{5520B1F3-07DD-44E3-A9BF-64A33A5CC9D8}" type="datetimeFigureOut">
               <a:rPr lang="ko-KR" altLang="en-US" smtClean="0"/>
-              <a:t>2025-04-02</a:t>
+              <a:t>2025-04-03</a:t>
             </a:fld>
             <a:endParaRPr lang="ko-KR" altLang="en-US"/>
           </a:p>
@@ -3938,6 +3957,1307 @@
 </p:sld>
 </file>
 
+<file path=ppt/slides/slide10.xml><?xml version="1.0" encoding="utf-8"?>
+<p:sld xmlns:a="http://schemas.openxmlformats.org/drawingml/2006/main" xmlns:r="http://schemas.openxmlformats.org/officeDocument/2006/relationships" xmlns:p="http://schemas.openxmlformats.org/presentationml/2006/main">
+  <p:cSld>
+    <p:spTree>
+      <p:nvGrpSpPr>
+        <p:cNvPr id="1" name=""/>
+        <p:cNvGrpSpPr/>
+        <p:nvPr/>
+      </p:nvGrpSpPr>
+      <p:grpSpPr>
+        <a:xfrm>
+          <a:off x="0" y="0"/>
+          <a:ext cx="0" cy="0"/>
+          <a:chOff x="0" y="0"/>
+          <a:chExt cx="0" cy="0"/>
+        </a:xfrm>
+      </p:grpSpPr>
+      <p:sp>
+        <p:nvSpPr>
+          <p:cNvPr id="2" name="제목 1">
+            <a:extLst>
+              <a:ext uri="{FF2B5EF4-FFF2-40B4-BE49-F238E27FC236}">
+                <a16:creationId xmlns:a16="http://schemas.microsoft.com/office/drawing/2014/main" id="{3777FB34-5BE5-F596-E0AD-84125EB7F3FC}"/>
+              </a:ext>
+            </a:extLst>
+          </p:cNvPr>
+          <p:cNvSpPr>
+            <a:spLocks noGrp="1"/>
+          </p:cNvSpPr>
+          <p:nvPr>
+            <p:ph type="title"/>
+          </p:nvPr>
+        </p:nvSpPr>
+        <p:spPr/>
+        <p:txBody>
+          <a:bodyPr/>
+          <a:lstStyle/>
+          <a:p>
+            <a:r>
+              <a:rPr lang="en-US" altLang="ko-KR" dirty="0"/>
+              <a:t>Curve Shifting</a:t>
+            </a:r>
+            <a:endParaRPr lang="ko-KR" altLang="en-US" dirty="0"/>
+          </a:p>
+        </p:txBody>
+      </p:sp>
+      <p:pic>
+        <p:nvPicPr>
+          <p:cNvPr id="1026" name="Picture 2">
+            <a:extLst>
+              <a:ext uri="{FF2B5EF4-FFF2-40B4-BE49-F238E27FC236}">
+                <a16:creationId xmlns:a16="http://schemas.microsoft.com/office/drawing/2014/main" id="{906A0B70-BCF2-AF8A-7F02-0E263730BCBD}"/>
+              </a:ext>
+            </a:extLst>
+          </p:cNvPr>
+          <p:cNvPicPr>
+            <a:picLocks noGrp="1" noChangeAspect="1" noChangeArrowheads="1"/>
+          </p:cNvPicPr>
+          <p:nvPr>
+            <p:ph sz="half" idx="1"/>
+          </p:nvPr>
+        </p:nvPicPr>
+        <p:blipFill>
+          <a:blip r:embed="rId2">
+            <a:extLst>
+              <a:ext uri="{28A0092B-C50C-407E-A947-70E740481C1C}">
+                <a14:useLocalDpi xmlns:a14="http://schemas.microsoft.com/office/drawing/2010/main" val="0"/>
+              </a:ext>
+            </a:extLst>
+          </a:blip>
+          <a:stretch>
+            <a:fillRect/>
+          </a:stretch>
+        </p:blipFill>
+        <p:spPr bwMode="auto">
+          <a:xfrm>
+            <a:off x="6570521" y="1825625"/>
+            <a:ext cx="4384957" cy="4351338"/>
+          </a:xfrm>
+          <a:prstGeom prst="rect">
+            <a:avLst/>
+          </a:prstGeom>
+          <a:noFill/>
+          <a:extLst>
+            <a:ext uri="{909E8E84-426E-40DD-AFC4-6F175D3DCCD1}">
+              <a14:hiddenFill xmlns:a14="http://schemas.microsoft.com/office/drawing/2010/main">
+                <a:solidFill>
+                  <a:srgbClr val="FFFFFF"/>
+                </a:solidFill>
+              </a14:hiddenFill>
+            </a:ext>
+          </a:extLst>
+        </p:spPr>
+      </p:pic>
+      <p:sp>
+        <p:nvSpPr>
+          <p:cNvPr id="4" name="내용 개체 틀 3">
+            <a:extLst>
+              <a:ext uri="{FF2B5EF4-FFF2-40B4-BE49-F238E27FC236}">
+                <a16:creationId xmlns:a16="http://schemas.microsoft.com/office/drawing/2014/main" id="{44C30BE8-A0DD-430C-94C1-ABCA89213A18}"/>
+              </a:ext>
+            </a:extLst>
+          </p:cNvPr>
+          <p:cNvSpPr>
+            <a:spLocks noGrp="1"/>
+          </p:cNvSpPr>
+          <p:nvPr>
+            <p:ph sz="half" idx="2"/>
+          </p:nvPr>
+        </p:nvSpPr>
+        <p:spPr>
+          <a:xfrm>
+            <a:off x="914400" y="1825625"/>
+            <a:ext cx="5181600" cy="4351338"/>
+          </a:xfrm>
+        </p:spPr>
+        <p:txBody>
+          <a:bodyPr>
+            <a:normAutofit/>
+          </a:bodyPr>
+          <a:lstStyle/>
+          <a:p>
+            <a:r>
+              <a:rPr lang="ko-KR" altLang="en-US" sz="1800" dirty="0"/>
+              <a:t>미래를 예측하기 위한 방법 중 하나</a:t>
+            </a:r>
+            <a:r>
+              <a:rPr lang="en-US" altLang="ko-KR" sz="1800" dirty="0"/>
+              <a:t>.</a:t>
+            </a:r>
+          </a:p>
+          <a:p>
+            <a:endParaRPr lang="en-US" altLang="ko-KR" sz="1800" dirty="0"/>
+          </a:p>
+          <a:p>
+            <a:r>
+              <a:rPr lang="ko-KR" altLang="en-US" sz="1800" dirty="0"/>
+              <a:t>데이터의 시점을 변화</a:t>
+            </a:r>
+            <a:endParaRPr lang="en-US" altLang="ko-KR" sz="1800" dirty="0"/>
+          </a:p>
+          <a:p>
+            <a:endParaRPr lang="en-US" altLang="ko-KR" sz="1800" dirty="0"/>
+          </a:p>
+          <a:p>
+            <a:r>
+              <a:rPr lang="ko-KR" altLang="en-US" sz="1800" dirty="0"/>
+              <a:t>오른쪽의 예시를 들면 </a:t>
+            </a:r>
+            <a:r>
+              <a:rPr lang="en-US" altLang="ko-KR" sz="1800" dirty="0"/>
+              <a:t>2</a:t>
+            </a:r>
+            <a:r>
+              <a:rPr lang="ko-KR" altLang="en-US" sz="1800" dirty="0"/>
+              <a:t>일 전에 비정상 신호를 예측하고자 한다면 비정상 신호가 발생한 날짜로부터 </a:t>
+            </a:r>
+            <a:r>
+              <a:rPr lang="en-US" altLang="ko-KR" sz="1800" dirty="0">
+                <a:solidFill>
+                  <a:srgbClr val="FF0000"/>
+                </a:solidFill>
+              </a:rPr>
+              <a:t>2</a:t>
+            </a:r>
+            <a:r>
+              <a:rPr lang="ko-KR" altLang="en-US" sz="1800" dirty="0">
+                <a:solidFill>
+                  <a:srgbClr val="FF0000"/>
+                </a:solidFill>
+              </a:rPr>
+              <a:t>일 전까지의 데이터를 비정상 신호로 바꿈</a:t>
+            </a:r>
+            <a:r>
+              <a:rPr lang="en-US" altLang="ko-KR" sz="1800" dirty="0">
+                <a:solidFill>
+                  <a:srgbClr val="FF0000"/>
+                </a:solidFill>
+              </a:rPr>
+              <a:t>.</a:t>
+            </a:r>
+          </a:p>
+          <a:p>
+            <a:endParaRPr lang="en-US" altLang="ko-KR" sz="1800" dirty="0"/>
+          </a:p>
+          <a:p>
+            <a:r>
+              <a:rPr lang="ko-KR" altLang="en-US" sz="1800" dirty="0"/>
+              <a:t>비정상 신호가 발생하기 전에 </a:t>
+            </a:r>
+            <a:r>
+              <a:rPr lang="ko-KR" altLang="en-US" sz="1800" dirty="0">
+                <a:solidFill>
+                  <a:srgbClr val="FF0000"/>
+                </a:solidFill>
+              </a:rPr>
+              <a:t>어떤 조짐이 있을 것이라는 가정</a:t>
+            </a:r>
+            <a:r>
+              <a:rPr lang="ko-KR" altLang="en-US" sz="1800" dirty="0"/>
+              <a:t>을 가지고 학습하는 방법</a:t>
+            </a:r>
+          </a:p>
+        </p:txBody>
+      </p:sp>
+    </p:spTree>
+    <p:extLst>
+      <p:ext uri="{BB962C8B-B14F-4D97-AF65-F5344CB8AC3E}">
+        <p14:creationId xmlns:p14="http://schemas.microsoft.com/office/powerpoint/2010/main" val="3103968307"/>
+      </p:ext>
+    </p:extLst>
+  </p:cSld>
+  <p:clrMapOvr>
+    <a:masterClrMapping/>
+  </p:clrMapOvr>
+</p:sld>
+</file>
+
+<file path=ppt/slides/slide11.xml><?xml version="1.0" encoding="utf-8"?>
+<p:sld xmlns:a="http://schemas.openxmlformats.org/drawingml/2006/main" xmlns:r="http://schemas.openxmlformats.org/officeDocument/2006/relationships" xmlns:p="http://schemas.openxmlformats.org/presentationml/2006/main">
+  <p:cSld>
+    <p:spTree>
+      <p:nvGrpSpPr>
+        <p:cNvPr id="1" name=""/>
+        <p:cNvGrpSpPr/>
+        <p:nvPr/>
+      </p:nvGrpSpPr>
+      <p:grpSpPr>
+        <a:xfrm>
+          <a:off x="0" y="0"/>
+          <a:ext cx="0" cy="0"/>
+          <a:chOff x="0" y="0"/>
+          <a:chExt cx="0" cy="0"/>
+        </a:xfrm>
+      </p:grpSpPr>
+      <p:sp>
+        <p:nvSpPr>
+          <p:cNvPr id="3" name="제목 2">
+            <a:extLst>
+              <a:ext uri="{FF2B5EF4-FFF2-40B4-BE49-F238E27FC236}">
+                <a16:creationId xmlns:a16="http://schemas.microsoft.com/office/drawing/2014/main" id="{37F49BBC-50C0-A1CC-A97C-73B59CDA28D5}"/>
+              </a:ext>
+            </a:extLst>
+          </p:cNvPr>
+          <p:cNvSpPr>
+            <a:spLocks noGrp="1"/>
+          </p:cNvSpPr>
+          <p:nvPr>
+            <p:ph type="ctrTitle"/>
+          </p:nvPr>
+        </p:nvSpPr>
+        <p:spPr/>
+        <p:txBody>
+          <a:bodyPr/>
+          <a:lstStyle/>
+          <a:p>
+            <a:r>
+              <a:rPr lang="ko-KR" altLang="en-US" dirty="0"/>
+              <a:t>지수가중이동평균</a:t>
+            </a:r>
+          </a:p>
+        </p:txBody>
+      </p:sp>
+      <p:sp>
+        <p:nvSpPr>
+          <p:cNvPr id="4" name="부제목 3">
+            <a:extLst>
+              <a:ext uri="{FF2B5EF4-FFF2-40B4-BE49-F238E27FC236}">
+                <a16:creationId xmlns:a16="http://schemas.microsoft.com/office/drawing/2014/main" id="{E3D02370-1812-DF29-A846-EAE8A595DA4F}"/>
+              </a:ext>
+            </a:extLst>
+          </p:cNvPr>
+          <p:cNvSpPr>
+            <a:spLocks noGrp="1"/>
+          </p:cNvSpPr>
+          <p:nvPr>
+            <p:ph type="subTitle" idx="1"/>
+          </p:nvPr>
+        </p:nvSpPr>
+        <p:spPr/>
+        <p:txBody>
+          <a:bodyPr/>
+          <a:lstStyle/>
+          <a:p>
+            <a:r>
+              <a:rPr lang="en-US" altLang="ko-KR" dirty="0"/>
+              <a:t>Exponentially Weighted Moving Average</a:t>
+            </a:r>
+            <a:endParaRPr lang="ko-KR" altLang="en-US" dirty="0"/>
+          </a:p>
+        </p:txBody>
+      </p:sp>
+    </p:spTree>
+    <p:extLst>
+      <p:ext uri="{BB962C8B-B14F-4D97-AF65-F5344CB8AC3E}">
+        <p14:creationId xmlns:p14="http://schemas.microsoft.com/office/powerpoint/2010/main" val="2643047610"/>
+      </p:ext>
+    </p:extLst>
+  </p:cSld>
+  <p:clrMapOvr>
+    <a:masterClrMapping/>
+  </p:clrMapOvr>
+</p:sld>
+</file>
+
+<file path=ppt/slides/slide12.xml><?xml version="1.0" encoding="utf-8"?>
+<p:sld xmlns:a="http://schemas.openxmlformats.org/drawingml/2006/main" xmlns:r="http://schemas.openxmlformats.org/officeDocument/2006/relationships" xmlns:p="http://schemas.openxmlformats.org/presentationml/2006/main">
+  <p:cSld>
+    <p:spTree>
+      <p:nvGrpSpPr>
+        <p:cNvPr id="1" name=""/>
+        <p:cNvGrpSpPr/>
+        <p:nvPr/>
+      </p:nvGrpSpPr>
+      <p:grpSpPr>
+        <a:xfrm>
+          <a:off x="0" y="0"/>
+          <a:ext cx="0" cy="0"/>
+          <a:chOff x="0" y="0"/>
+          <a:chExt cx="0" cy="0"/>
+        </a:xfrm>
+      </p:grpSpPr>
+      <p:sp>
+        <p:nvSpPr>
+          <p:cNvPr id="2" name="제목 1">
+            <a:extLst>
+              <a:ext uri="{FF2B5EF4-FFF2-40B4-BE49-F238E27FC236}">
+                <a16:creationId xmlns:a16="http://schemas.microsoft.com/office/drawing/2014/main" id="{F0C5DC1D-DA2C-F948-F6D6-34A983DCF0C0}"/>
+              </a:ext>
+            </a:extLst>
+          </p:cNvPr>
+          <p:cNvSpPr>
+            <a:spLocks noGrp="1"/>
+          </p:cNvSpPr>
+          <p:nvPr>
+            <p:ph type="title"/>
+          </p:nvPr>
+        </p:nvSpPr>
+        <p:spPr/>
+        <p:txBody>
+          <a:bodyPr>
+            <a:normAutofit/>
+          </a:bodyPr>
+          <a:lstStyle/>
+          <a:p>
+            <a:r>
+              <a:rPr lang="ko-KR" altLang="en-US" sz="4000" dirty="0"/>
+              <a:t>이동 평균 </a:t>
+            </a:r>
+            <a:r>
+              <a:rPr lang="en-US" altLang="ko-KR" sz="4000" dirty="0"/>
+              <a:t>(Moving Average)</a:t>
+            </a:r>
+            <a:endParaRPr lang="ko-KR" altLang="en-US" sz="4000" dirty="0"/>
+          </a:p>
+        </p:txBody>
+      </p:sp>
+      <p:sp>
+        <p:nvSpPr>
+          <p:cNvPr id="3" name="내용 개체 틀 2">
+            <a:extLst>
+              <a:ext uri="{FF2B5EF4-FFF2-40B4-BE49-F238E27FC236}">
+                <a16:creationId xmlns:a16="http://schemas.microsoft.com/office/drawing/2014/main" id="{069A2723-A458-F57D-3922-EAF9ECEF382C}"/>
+              </a:ext>
+            </a:extLst>
+          </p:cNvPr>
+          <p:cNvSpPr>
+            <a:spLocks noGrp="1"/>
+          </p:cNvSpPr>
+          <p:nvPr>
+            <p:ph idx="1"/>
+          </p:nvPr>
+        </p:nvSpPr>
+        <p:spPr>
+          <a:xfrm>
+            <a:off x="838200" y="1887769"/>
+            <a:ext cx="10515600" cy="4351338"/>
+          </a:xfrm>
+        </p:spPr>
+        <p:txBody>
+          <a:bodyPr/>
+          <a:lstStyle/>
+          <a:p>
+            <a:r>
+              <a:rPr lang="ko-KR" altLang="en-US" dirty="0"/>
+              <a:t>최근의 자료를 반영하여 데이터의 경향을 알 수 있다</a:t>
+            </a:r>
+            <a:r>
+              <a:rPr lang="en-US" altLang="ko-KR" dirty="0"/>
+              <a:t>.</a:t>
+            </a:r>
+            <a:endParaRPr lang="ko-KR" altLang="en-US" dirty="0"/>
+          </a:p>
+        </p:txBody>
+      </p:sp>
+      <p:pic>
+        <p:nvPicPr>
+          <p:cNvPr id="3076" name="Picture 4">
+            <a:extLst>
+              <a:ext uri="{FF2B5EF4-FFF2-40B4-BE49-F238E27FC236}">
+                <a16:creationId xmlns:a16="http://schemas.microsoft.com/office/drawing/2014/main" id="{EF543C82-BDBE-0770-EC16-4512F1B373C3}"/>
+              </a:ext>
+            </a:extLst>
+          </p:cNvPr>
+          <p:cNvPicPr>
+            <a:picLocks noChangeAspect="1" noChangeArrowheads="1"/>
+          </p:cNvPicPr>
+          <p:nvPr/>
+        </p:nvPicPr>
+        <p:blipFill>
+          <a:blip r:embed="rId2">
+            <a:extLst>
+              <a:ext uri="{28A0092B-C50C-407E-A947-70E740481C1C}">
+                <a14:useLocalDpi xmlns:a14="http://schemas.microsoft.com/office/drawing/2010/main" val="0"/>
+              </a:ext>
+            </a:extLst>
+          </a:blip>
+          <a:srcRect/>
+          <a:stretch>
+            <a:fillRect/>
+          </a:stretch>
+        </p:blipFill>
+        <p:spPr bwMode="auto">
+          <a:xfrm>
+            <a:off x="2085974" y="3125132"/>
+            <a:ext cx="8020050" cy="609600"/>
+          </a:xfrm>
+          <a:prstGeom prst="rect">
+            <a:avLst/>
+          </a:prstGeom>
+          <a:noFill/>
+          <a:extLst>
+            <a:ext uri="{909E8E84-426E-40DD-AFC4-6F175D3DCCD1}">
+              <a14:hiddenFill xmlns:a14="http://schemas.microsoft.com/office/drawing/2010/main">
+                <a:solidFill>
+                  <a:srgbClr val="FFFFFF"/>
+                </a:solidFill>
+              </a14:hiddenFill>
+            </a:ext>
+          </a:extLst>
+        </p:spPr>
+      </p:pic>
+      <p:pic>
+        <p:nvPicPr>
+          <p:cNvPr id="3078" name="Picture 6">
+            <a:extLst>
+              <a:ext uri="{FF2B5EF4-FFF2-40B4-BE49-F238E27FC236}">
+                <a16:creationId xmlns:a16="http://schemas.microsoft.com/office/drawing/2014/main" id="{4DC08E98-E1F6-573F-6B41-5189B9DC525D}"/>
+              </a:ext>
+            </a:extLst>
+          </p:cNvPr>
+          <p:cNvPicPr>
+            <a:picLocks noChangeAspect="1" noChangeArrowheads="1"/>
+          </p:cNvPicPr>
+          <p:nvPr/>
+        </p:nvPicPr>
+        <p:blipFill>
+          <a:blip r:embed="rId3">
+            <a:extLst>
+              <a:ext uri="{28A0092B-C50C-407E-A947-70E740481C1C}">
+                <a14:useLocalDpi xmlns:a14="http://schemas.microsoft.com/office/drawing/2010/main" val="0"/>
+              </a:ext>
+            </a:extLst>
+          </a:blip>
+          <a:srcRect/>
+          <a:stretch>
+            <a:fillRect/>
+          </a:stretch>
+        </p:blipFill>
+        <p:spPr bwMode="auto">
+          <a:xfrm>
+            <a:off x="4071937" y="4955821"/>
+            <a:ext cx="4048125" cy="657225"/>
+          </a:xfrm>
+          <a:prstGeom prst="rect">
+            <a:avLst/>
+          </a:prstGeom>
+          <a:noFill/>
+          <a:extLst>
+            <a:ext uri="{909E8E84-426E-40DD-AFC4-6F175D3DCCD1}">
+              <a14:hiddenFill xmlns:a14="http://schemas.microsoft.com/office/drawing/2010/main">
+                <a:solidFill>
+                  <a:srgbClr val="FFFFFF"/>
+                </a:solidFill>
+              </a14:hiddenFill>
+            </a:ext>
+          </a:extLst>
+        </p:spPr>
+      </p:pic>
+      <p:sp>
+        <p:nvSpPr>
+          <p:cNvPr id="8" name="TextBox 7">
+            <a:extLst>
+              <a:ext uri="{FF2B5EF4-FFF2-40B4-BE49-F238E27FC236}">
+                <a16:creationId xmlns:a16="http://schemas.microsoft.com/office/drawing/2014/main" id="{439BC8D3-75F3-4406-C89A-EE7310D6E662}"/>
+              </a:ext>
+            </a:extLst>
+          </p:cNvPr>
+          <p:cNvSpPr txBox="1"/>
+          <p:nvPr/>
+        </p:nvSpPr>
+        <p:spPr>
+          <a:xfrm>
+            <a:off x="5212672" y="3902637"/>
+            <a:ext cx="1766656" cy="369332"/>
+          </a:xfrm>
+          <a:prstGeom prst="rect">
+            <a:avLst/>
+          </a:prstGeom>
+          <a:noFill/>
+        </p:spPr>
+        <p:txBody>
+          <a:bodyPr wrap="square" rtlCol="0">
+            <a:spAutoFit/>
+          </a:bodyPr>
+          <a:lstStyle/>
+          <a:p>
+            <a:r>
+              <a:rPr lang="en-US" altLang="ko-KR" dirty="0"/>
+              <a:t>3</a:t>
+            </a:r>
+            <a:r>
+              <a:rPr lang="ko-KR" altLang="en-US" dirty="0"/>
+              <a:t>개의 이동평균</a:t>
+            </a:r>
+          </a:p>
+        </p:txBody>
+      </p:sp>
+      <p:sp>
+        <p:nvSpPr>
+          <p:cNvPr id="9" name="TextBox 8">
+            <a:extLst>
+              <a:ext uri="{FF2B5EF4-FFF2-40B4-BE49-F238E27FC236}">
+                <a16:creationId xmlns:a16="http://schemas.microsoft.com/office/drawing/2014/main" id="{9A3E0B9B-0AF6-3FD2-BAE1-10FD4E27DDF1}"/>
+              </a:ext>
+            </a:extLst>
+          </p:cNvPr>
+          <p:cNvSpPr txBox="1"/>
+          <p:nvPr/>
+        </p:nvSpPr>
+        <p:spPr>
+          <a:xfrm>
+            <a:off x="5146828" y="5741410"/>
+            <a:ext cx="1898342" cy="369332"/>
+          </a:xfrm>
+          <a:prstGeom prst="rect">
+            <a:avLst/>
+          </a:prstGeom>
+          <a:noFill/>
+        </p:spPr>
+        <p:txBody>
+          <a:bodyPr wrap="square" rtlCol="0">
+            <a:spAutoFit/>
+          </a:bodyPr>
+          <a:lstStyle/>
+          <a:p>
+            <a:r>
+              <a:rPr lang="en-US" altLang="ko-KR" dirty="0"/>
+              <a:t>n</a:t>
+            </a:r>
+            <a:r>
+              <a:rPr lang="ko-KR" altLang="en-US" dirty="0"/>
+              <a:t>개의 이동평균</a:t>
+            </a:r>
+          </a:p>
+        </p:txBody>
+      </p:sp>
+    </p:spTree>
+    <p:extLst>
+      <p:ext uri="{BB962C8B-B14F-4D97-AF65-F5344CB8AC3E}">
+        <p14:creationId xmlns:p14="http://schemas.microsoft.com/office/powerpoint/2010/main" val="1479704443"/>
+      </p:ext>
+    </p:extLst>
+  </p:cSld>
+  <p:clrMapOvr>
+    <a:masterClrMapping/>
+  </p:clrMapOvr>
+</p:sld>
+</file>
+
+<file path=ppt/slides/slide13.xml><?xml version="1.0" encoding="utf-8"?>
+<p:sld xmlns:a="http://schemas.openxmlformats.org/drawingml/2006/main" xmlns:r="http://schemas.openxmlformats.org/officeDocument/2006/relationships" xmlns:p="http://schemas.openxmlformats.org/presentationml/2006/main">
+  <p:cSld>
+    <p:spTree>
+      <p:nvGrpSpPr>
+        <p:cNvPr id="1" name=""/>
+        <p:cNvGrpSpPr/>
+        <p:nvPr/>
+      </p:nvGrpSpPr>
+      <p:grpSpPr>
+        <a:xfrm>
+          <a:off x="0" y="0"/>
+          <a:ext cx="0" cy="0"/>
+          <a:chOff x="0" y="0"/>
+          <a:chExt cx="0" cy="0"/>
+        </a:xfrm>
+      </p:grpSpPr>
+      <p:sp>
+        <p:nvSpPr>
+          <p:cNvPr id="2" name="제목 1">
+            <a:extLst>
+              <a:ext uri="{FF2B5EF4-FFF2-40B4-BE49-F238E27FC236}">
+                <a16:creationId xmlns:a16="http://schemas.microsoft.com/office/drawing/2014/main" id="{4DDE7A5F-E8E8-3C70-7C5B-52B4DF121BC6}"/>
+              </a:ext>
+            </a:extLst>
+          </p:cNvPr>
+          <p:cNvSpPr>
+            <a:spLocks noGrp="1"/>
+          </p:cNvSpPr>
+          <p:nvPr>
+            <p:ph type="title"/>
+          </p:nvPr>
+        </p:nvSpPr>
+        <p:spPr/>
+        <p:txBody>
+          <a:bodyPr>
+            <a:normAutofit/>
+          </a:bodyPr>
+          <a:lstStyle/>
+          <a:p>
+            <a:r>
+              <a:rPr lang="ko-KR" altLang="en-US" sz="4000" dirty="0"/>
+              <a:t>가중 평균 </a:t>
+            </a:r>
+            <a:r>
+              <a:rPr lang="en-US" altLang="ko-KR" sz="4000" dirty="0"/>
+              <a:t>(Weighted Average)</a:t>
+            </a:r>
+            <a:endParaRPr lang="ko-KR" altLang="en-US" sz="4000" dirty="0"/>
+          </a:p>
+        </p:txBody>
+      </p:sp>
+      <p:sp>
+        <p:nvSpPr>
+          <p:cNvPr id="3" name="내용 개체 틀 2">
+            <a:extLst>
+              <a:ext uri="{FF2B5EF4-FFF2-40B4-BE49-F238E27FC236}">
+                <a16:creationId xmlns:a16="http://schemas.microsoft.com/office/drawing/2014/main" id="{D5D75BCC-3ABE-CB2C-85C2-F5C21505BBB1}"/>
+              </a:ext>
+            </a:extLst>
+          </p:cNvPr>
+          <p:cNvSpPr>
+            <a:spLocks noGrp="1"/>
+          </p:cNvSpPr>
+          <p:nvPr>
+            <p:ph idx="1"/>
+          </p:nvPr>
+        </p:nvSpPr>
+        <p:spPr/>
+        <p:txBody>
+          <a:bodyPr/>
+          <a:lstStyle/>
+          <a:p>
+            <a:r>
+              <a:rPr lang="ko-KR" altLang="en-US" dirty="0"/>
+              <a:t>항목마다 가중치를 다르게 부여함</a:t>
+            </a:r>
+            <a:r>
+              <a:rPr lang="en-US" altLang="ko-KR" dirty="0"/>
+              <a:t>.</a:t>
+            </a:r>
+            <a:endParaRPr lang="ko-KR" altLang="en-US" dirty="0"/>
+          </a:p>
+        </p:txBody>
+      </p:sp>
+      <p:pic>
+        <p:nvPicPr>
+          <p:cNvPr id="6146" name="Picture 2">
+            <a:extLst>
+              <a:ext uri="{FF2B5EF4-FFF2-40B4-BE49-F238E27FC236}">
+                <a16:creationId xmlns:a16="http://schemas.microsoft.com/office/drawing/2014/main" id="{9725949E-5748-553A-5AB7-465F7F1D6E1F}"/>
+              </a:ext>
+            </a:extLst>
+          </p:cNvPr>
+          <p:cNvPicPr>
+            <a:picLocks noChangeAspect="1" noChangeArrowheads="1"/>
+          </p:cNvPicPr>
+          <p:nvPr/>
+        </p:nvPicPr>
+        <p:blipFill>
+          <a:blip r:embed="rId2">
+            <a:extLst>
+              <a:ext uri="{28A0092B-C50C-407E-A947-70E740481C1C}">
+                <a14:useLocalDpi xmlns:a14="http://schemas.microsoft.com/office/drawing/2010/main" val="0"/>
+              </a:ext>
+            </a:extLst>
+          </a:blip>
+          <a:srcRect/>
+          <a:stretch>
+            <a:fillRect/>
+          </a:stretch>
+        </p:blipFill>
+        <p:spPr bwMode="auto">
+          <a:xfrm>
+            <a:off x="3718301" y="3429000"/>
+            <a:ext cx="4755397" cy="1967005"/>
+          </a:xfrm>
+          <a:prstGeom prst="rect">
+            <a:avLst/>
+          </a:prstGeom>
+          <a:noFill/>
+          <a:extLst>
+            <a:ext uri="{909E8E84-426E-40DD-AFC4-6F175D3DCCD1}">
+              <a14:hiddenFill xmlns:a14="http://schemas.microsoft.com/office/drawing/2010/main">
+                <a:solidFill>
+                  <a:srgbClr val="FFFFFF"/>
+                </a:solidFill>
+              </a14:hiddenFill>
+            </a:ext>
+          </a:extLst>
+        </p:spPr>
+      </p:pic>
+    </p:spTree>
+    <p:extLst>
+      <p:ext uri="{BB962C8B-B14F-4D97-AF65-F5344CB8AC3E}">
+        <p14:creationId xmlns:p14="http://schemas.microsoft.com/office/powerpoint/2010/main" val="2310201583"/>
+      </p:ext>
+    </p:extLst>
+  </p:cSld>
+  <p:clrMapOvr>
+    <a:masterClrMapping/>
+  </p:clrMapOvr>
+</p:sld>
+</file>
+
+<file path=ppt/slides/slide14.xml><?xml version="1.0" encoding="utf-8"?>
+<p:sld xmlns:a="http://schemas.openxmlformats.org/drawingml/2006/main" xmlns:r="http://schemas.openxmlformats.org/officeDocument/2006/relationships" xmlns:p="http://schemas.openxmlformats.org/presentationml/2006/main">
+  <p:cSld>
+    <p:spTree>
+      <p:nvGrpSpPr>
+        <p:cNvPr id="1" name=""/>
+        <p:cNvGrpSpPr/>
+        <p:nvPr/>
+      </p:nvGrpSpPr>
+      <p:grpSpPr>
+        <a:xfrm>
+          <a:off x="0" y="0"/>
+          <a:ext cx="0" cy="0"/>
+          <a:chOff x="0" y="0"/>
+          <a:chExt cx="0" cy="0"/>
+        </a:xfrm>
+      </p:grpSpPr>
+      <p:sp>
+        <p:nvSpPr>
+          <p:cNvPr id="2" name="제목 1">
+            <a:extLst>
+              <a:ext uri="{FF2B5EF4-FFF2-40B4-BE49-F238E27FC236}">
+                <a16:creationId xmlns:a16="http://schemas.microsoft.com/office/drawing/2014/main" id="{1BD34D09-C875-B040-FA01-3E59CCD1C760}"/>
+              </a:ext>
+            </a:extLst>
+          </p:cNvPr>
+          <p:cNvSpPr>
+            <a:spLocks noGrp="1"/>
+          </p:cNvSpPr>
+          <p:nvPr>
+            <p:ph type="title"/>
+          </p:nvPr>
+        </p:nvSpPr>
+        <p:spPr/>
+        <p:txBody>
+          <a:bodyPr>
+            <a:normAutofit/>
+          </a:bodyPr>
+          <a:lstStyle/>
+          <a:p>
+            <a:r>
+              <a:rPr lang="ko-KR" altLang="en-US" sz="4000" dirty="0"/>
+              <a:t>가중 이동 평균 </a:t>
+            </a:r>
+            <a:r>
+              <a:rPr lang="en-US" altLang="ko-KR" sz="4000" dirty="0"/>
+              <a:t>(Weighted Moving Average)</a:t>
+            </a:r>
+            <a:endParaRPr lang="ko-KR" altLang="en-US" sz="4000" dirty="0"/>
+          </a:p>
+        </p:txBody>
+      </p:sp>
+      <p:sp>
+        <p:nvSpPr>
+          <p:cNvPr id="3" name="내용 개체 틀 2">
+            <a:extLst>
+              <a:ext uri="{FF2B5EF4-FFF2-40B4-BE49-F238E27FC236}">
+                <a16:creationId xmlns:a16="http://schemas.microsoft.com/office/drawing/2014/main" id="{886438F5-753B-D2FB-871C-38A1CE623FB9}"/>
+              </a:ext>
+            </a:extLst>
+          </p:cNvPr>
+          <p:cNvSpPr>
+            <a:spLocks noGrp="1"/>
+          </p:cNvSpPr>
+          <p:nvPr>
+            <p:ph idx="1"/>
+          </p:nvPr>
+        </p:nvSpPr>
+        <p:spPr/>
+        <p:txBody>
+          <a:bodyPr/>
+          <a:lstStyle/>
+          <a:p>
+            <a:r>
+              <a:rPr lang="ko-KR" altLang="en-US" dirty="0"/>
+              <a:t>가중 평균과 이동 평균을 합친 개념</a:t>
+            </a:r>
+          </a:p>
+        </p:txBody>
+      </p:sp>
+      <p:pic>
+        <p:nvPicPr>
+          <p:cNvPr id="7170" name="Picture 2">
+            <a:extLst>
+              <a:ext uri="{FF2B5EF4-FFF2-40B4-BE49-F238E27FC236}">
+                <a16:creationId xmlns:a16="http://schemas.microsoft.com/office/drawing/2014/main" id="{1A204D5E-570C-7D0A-B854-C6453ED2F4A0}"/>
+              </a:ext>
+            </a:extLst>
+          </p:cNvPr>
+          <p:cNvPicPr>
+            <a:picLocks noChangeAspect="1" noChangeArrowheads="1"/>
+          </p:cNvPicPr>
+          <p:nvPr/>
+        </p:nvPicPr>
+        <p:blipFill>
+          <a:blip r:embed="rId2">
+            <a:extLst>
+              <a:ext uri="{28A0092B-C50C-407E-A947-70E740481C1C}">
+                <a14:useLocalDpi xmlns:a14="http://schemas.microsoft.com/office/drawing/2010/main" val="0"/>
+              </a:ext>
+            </a:extLst>
+          </a:blip>
+          <a:srcRect/>
+          <a:stretch>
+            <a:fillRect/>
+          </a:stretch>
+        </p:blipFill>
+        <p:spPr bwMode="auto">
+          <a:xfrm>
+            <a:off x="1652587" y="2834481"/>
+            <a:ext cx="8886825" cy="2333625"/>
+          </a:xfrm>
+          <a:prstGeom prst="rect">
+            <a:avLst/>
+          </a:prstGeom>
+          <a:noFill/>
+          <a:extLst>
+            <a:ext uri="{909E8E84-426E-40DD-AFC4-6F175D3DCCD1}">
+              <a14:hiddenFill xmlns:a14="http://schemas.microsoft.com/office/drawing/2010/main">
+                <a:solidFill>
+                  <a:srgbClr val="FFFFFF"/>
+                </a:solidFill>
+              </a14:hiddenFill>
+            </a:ext>
+          </a:extLst>
+        </p:spPr>
+      </p:pic>
+    </p:spTree>
+    <p:extLst>
+      <p:ext uri="{BB962C8B-B14F-4D97-AF65-F5344CB8AC3E}">
+        <p14:creationId xmlns:p14="http://schemas.microsoft.com/office/powerpoint/2010/main" val="2715168400"/>
+      </p:ext>
+    </p:extLst>
+  </p:cSld>
+  <p:clrMapOvr>
+    <a:masterClrMapping/>
+  </p:clrMapOvr>
+</p:sld>
+</file>
+
+<file path=ppt/slides/slide15.xml><?xml version="1.0" encoding="utf-8"?>
+<p:sld xmlns:a="http://schemas.openxmlformats.org/drawingml/2006/main" xmlns:r="http://schemas.openxmlformats.org/officeDocument/2006/relationships" xmlns:p="http://schemas.openxmlformats.org/presentationml/2006/main">
+  <p:cSld>
+    <p:spTree>
+      <p:nvGrpSpPr>
+        <p:cNvPr id="1" name=""/>
+        <p:cNvGrpSpPr/>
+        <p:nvPr/>
+      </p:nvGrpSpPr>
+      <p:grpSpPr>
+        <a:xfrm>
+          <a:off x="0" y="0"/>
+          <a:ext cx="0" cy="0"/>
+          <a:chOff x="0" y="0"/>
+          <a:chExt cx="0" cy="0"/>
+        </a:xfrm>
+      </p:grpSpPr>
+      <p:sp>
+        <p:nvSpPr>
+          <p:cNvPr id="2" name="제목 1">
+            <a:extLst>
+              <a:ext uri="{FF2B5EF4-FFF2-40B4-BE49-F238E27FC236}">
+                <a16:creationId xmlns:a16="http://schemas.microsoft.com/office/drawing/2014/main" id="{B5198B0C-FE28-4D9B-38C2-8997354405B0}"/>
+              </a:ext>
+            </a:extLst>
+          </p:cNvPr>
+          <p:cNvSpPr>
+            <a:spLocks noGrp="1"/>
+          </p:cNvSpPr>
+          <p:nvPr>
+            <p:ph type="title"/>
+          </p:nvPr>
+        </p:nvSpPr>
+        <p:spPr/>
+        <p:txBody>
+          <a:bodyPr>
+            <a:normAutofit/>
+          </a:bodyPr>
+          <a:lstStyle/>
+          <a:p>
+            <a:r>
+              <a:rPr lang="ko-KR" altLang="en-US" sz="4000" dirty="0"/>
+              <a:t>지수 가중 이동 평균</a:t>
+            </a:r>
+            <a:r>
+              <a:rPr lang="en-US" altLang="ko-KR" sz="4000" dirty="0"/>
+              <a:t>(Exponentially Weighted Moving Average)</a:t>
+            </a:r>
+            <a:endParaRPr lang="ko-KR" altLang="en-US" sz="4000" dirty="0"/>
+          </a:p>
+        </p:txBody>
+      </p:sp>
+      <mc:AlternateContent xmlns:mc="http://schemas.openxmlformats.org/markup-compatibility/2006">
+        <mc:Choice xmlns:a14="http://schemas.microsoft.com/office/drawing/2010/main" Requires="a14">
+          <p:sp>
+            <p:nvSpPr>
+              <p:cNvPr id="3" name="내용 개체 틀 2">
+                <a:extLst>
+                  <a:ext uri="{FF2B5EF4-FFF2-40B4-BE49-F238E27FC236}">
+                    <a16:creationId xmlns:a16="http://schemas.microsoft.com/office/drawing/2014/main" id="{ADA1452E-C2BD-1DAA-1ACC-133484CBFBE3}"/>
+                  </a:ext>
+                </a:extLst>
+              </p:cNvPr>
+              <p:cNvSpPr>
+                <a:spLocks noGrp="1"/>
+              </p:cNvSpPr>
+              <p:nvPr>
+                <p:ph idx="1"/>
+              </p:nvPr>
+            </p:nvSpPr>
+            <p:spPr/>
+            <p:txBody>
+              <a:bodyPr/>
+              <a:lstStyle/>
+              <a:p>
+                <a:r>
+                  <a:rPr lang="ko-KR" altLang="en-US" dirty="0"/>
+                  <a:t>최근으로부터 멀어질수록 급격하게 가중치를 떨어뜨려서 계산</a:t>
+                </a:r>
+                <a:endParaRPr lang="en-US" altLang="ko-KR" dirty="0"/>
+              </a:p>
+              <a:p>
+                <a:r>
+                  <a:rPr lang="en-US" altLang="ko-KR" dirty="0"/>
+                  <a:t>0 &lt; </a:t>
+                </a:r>
+                <a14:m>
+                  <m:oMath xmlns:m="http://schemas.openxmlformats.org/officeDocument/2006/math">
+                    <m:r>
+                      <a:rPr lang="ko-KR" altLang="en-US" i="1" smtClean="0">
+                        <a:latin typeface="Cambria Math" panose="02040503050406030204" pitchFamily="18" charset="0"/>
+                      </a:rPr>
+                      <m:t>𝛼</m:t>
+                    </m:r>
+                  </m:oMath>
+                </a14:m>
+                <a:r>
+                  <a:rPr lang="ko-KR" altLang="en-US" dirty="0"/>
+                  <a:t> </a:t>
+                </a:r>
+                <a:r>
+                  <a:rPr lang="en-US" altLang="ko-KR" dirty="0"/>
+                  <a:t>&lt; 1</a:t>
+                </a:r>
+                <a:endParaRPr lang="ko-KR" altLang="en-US" dirty="0"/>
+              </a:p>
+            </p:txBody>
+          </p:sp>
+        </mc:Choice>
+        <mc:Fallback>
+          <p:sp>
+            <p:nvSpPr>
+              <p:cNvPr id="3" name="내용 개체 틀 2">
+                <a:extLst>
+                  <a:ext uri="{FF2B5EF4-FFF2-40B4-BE49-F238E27FC236}">
+                    <a16:creationId xmlns:a16="http://schemas.microsoft.com/office/drawing/2014/main" id="{ADA1452E-C2BD-1DAA-1ACC-133484CBFBE3}"/>
+                  </a:ext>
+                </a:extLst>
+              </p:cNvPr>
+              <p:cNvSpPr>
+                <a:spLocks noGrp="1" noRot="1" noChangeAspect="1" noMove="1" noResize="1" noEditPoints="1" noAdjustHandles="1" noChangeArrowheads="1" noChangeShapeType="1" noTextEdit="1"/>
+              </p:cNvSpPr>
+              <p:nvPr>
+                <p:ph idx="1"/>
+              </p:nvPr>
+            </p:nvSpPr>
+            <p:spPr>
+              <a:blipFill>
+                <a:blip r:embed="rId2"/>
+                <a:stretch>
+                  <a:fillRect l="-1043" t="-2381"/>
+                </a:stretch>
+              </a:blipFill>
+            </p:spPr>
+            <p:txBody>
+              <a:bodyPr/>
+              <a:lstStyle/>
+              <a:p>
+                <a:r>
+                  <a:rPr lang="ko-KR" altLang="en-US">
+                    <a:noFill/>
+                  </a:rPr>
+                  <a:t> </a:t>
+                </a:r>
+              </a:p>
+            </p:txBody>
+          </p:sp>
+        </mc:Fallback>
+      </mc:AlternateContent>
+      <p:pic>
+        <p:nvPicPr>
+          <p:cNvPr id="8196" name="Picture 4">
+            <a:extLst>
+              <a:ext uri="{FF2B5EF4-FFF2-40B4-BE49-F238E27FC236}">
+                <a16:creationId xmlns:a16="http://schemas.microsoft.com/office/drawing/2014/main" id="{E157ACE7-266E-2AD6-AD6B-7498DB4CC843}"/>
+              </a:ext>
+            </a:extLst>
+          </p:cNvPr>
+          <p:cNvPicPr>
+            <a:picLocks noChangeAspect="1" noChangeArrowheads="1"/>
+          </p:cNvPicPr>
+          <p:nvPr/>
+        </p:nvPicPr>
+        <p:blipFill>
+          <a:blip r:embed="rId3">
+            <a:extLst>
+              <a:ext uri="{28A0092B-C50C-407E-A947-70E740481C1C}">
+                <a14:useLocalDpi xmlns:a14="http://schemas.microsoft.com/office/drawing/2010/main" val="0"/>
+              </a:ext>
+            </a:extLst>
+          </a:blip>
+          <a:srcRect/>
+          <a:stretch>
+            <a:fillRect/>
+          </a:stretch>
+        </p:blipFill>
+        <p:spPr bwMode="auto">
+          <a:xfrm>
+            <a:off x="2695575" y="4001294"/>
+            <a:ext cx="6800850" cy="352425"/>
+          </a:xfrm>
+          <a:prstGeom prst="rect">
+            <a:avLst/>
+          </a:prstGeom>
+          <a:noFill/>
+          <a:extLst>
+            <a:ext uri="{909E8E84-426E-40DD-AFC4-6F175D3DCCD1}">
+              <a14:hiddenFill xmlns:a14="http://schemas.microsoft.com/office/drawing/2010/main">
+                <a:solidFill>
+                  <a:srgbClr val="FFFFFF"/>
+                </a:solidFill>
+              </a14:hiddenFill>
+            </a:ext>
+          </a:extLst>
+        </p:spPr>
+      </p:pic>
+      <p:pic>
+        <p:nvPicPr>
+          <p:cNvPr id="8198" name="Picture 6">
+            <a:extLst>
+              <a:ext uri="{FF2B5EF4-FFF2-40B4-BE49-F238E27FC236}">
+                <a16:creationId xmlns:a16="http://schemas.microsoft.com/office/drawing/2014/main" id="{4E0F65CD-9ACA-9B98-94B6-1713C5222274}"/>
+              </a:ext>
+            </a:extLst>
+          </p:cNvPr>
+          <p:cNvPicPr>
+            <a:picLocks noChangeAspect="1" noChangeArrowheads="1"/>
+          </p:cNvPicPr>
+          <p:nvPr/>
+        </p:nvPicPr>
+        <p:blipFill>
+          <a:blip r:embed="rId4">
+            <a:extLst>
+              <a:ext uri="{28A0092B-C50C-407E-A947-70E740481C1C}">
+                <a14:useLocalDpi xmlns:a14="http://schemas.microsoft.com/office/drawing/2010/main" val="0"/>
+              </a:ext>
+            </a:extLst>
+          </a:blip>
+          <a:srcRect/>
+          <a:stretch>
+            <a:fillRect/>
+          </a:stretch>
+        </p:blipFill>
+        <p:spPr bwMode="auto">
+          <a:xfrm>
+            <a:off x="4100512" y="4621212"/>
+            <a:ext cx="3990975" cy="257175"/>
+          </a:xfrm>
+          <a:prstGeom prst="rect">
+            <a:avLst/>
+          </a:prstGeom>
+          <a:noFill/>
+          <a:extLst>
+            <a:ext uri="{909E8E84-426E-40DD-AFC4-6F175D3DCCD1}">
+              <a14:hiddenFill xmlns:a14="http://schemas.microsoft.com/office/drawing/2010/main">
+                <a:solidFill>
+                  <a:srgbClr val="FFFFFF"/>
+                </a:solidFill>
+              </a14:hiddenFill>
+            </a:ext>
+          </a:extLst>
+        </p:spPr>
+      </p:pic>
+      <p:pic>
+        <p:nvPicPr>
+          <p:cNvPr id="8200" name="Picture 8">
+            <a:extLst>
+              <a:ext uri="{FF2B5EF4-FFF2-40B4-BE49-F238E27FC236}">
+                <a16:creationId xmlns:a16="http://schemas.microsoft.com/office/drawing/2014/main" id="{3945DC97-89AE-F23D-0D33-E7958AB0C0FD}"/>
+              </a:ext>
+            </a:extLst>
+          </p:cNvPr>
+          <p:cNvPicPr>
+            <a:picLocks noChangeAspect="1" noChangeArrowheads="1"/>
+          </p:cNvPicPr>
+          <p:nvPr/>
+        </p:nvPicPr>
+        <p:blipFill>
+          <a:blip r:embed="rId5">
+            <a:extLst>
+              <a:ext uri="{28A0092B-C50C-407E-A947-70E740481C1C}">
+                <a14:useLocalDpi xmlns:a14="http://schemas.microsoft.com/office/drawing/2010/main" val="0"/>
+              </a:ext>
+            </a:extLst>
+          </a:blip>
+          <a:srcRect/>
+          <a:stretch>
+            <a:fillRect/>
+          </a:stretch>
+        </p:blipFill>
+        <p:spPr bwMode="auto">
+          <a:xfrm>
+            <a:off x="4395786" y="5105797"/>
+            <a:ext cx="3400425" cy="542925"/>
+          </a:xfrm>
+          <a:prstGeom prst="rect">
+            <a:avLst/>
+          </a:prstGeom>
+          <a:noFill/>
+          <a:extLst>
+            <a:ext uri="{909E8E84-426E-40DD-AFC4-6F175D3DCCD1}">
+              <a14:hiddenFill xmlns:a14="http://schemas.microsoft.com/office/drawing/2010/main">
+                <a:solidFill>
+                  <a:srgbClr val="FFFFFF"/>
+                </a:solidFill>
+              </a14:hiddenFill>
+            </a:ext>
+          </a:extLst>
+        </p:spPr>
+      </p:pic>
+    </p:spTree>
+    <p:extLst>
+      <p:ext uri="{BB962C8B-B14F-4D97-AF65-F5344CB8AC3E}">
+        <p14:creationId xmlns:p14="http://schemas.microsoft.com/office/powerpoint/2010/main" val="418509663"/>
+      </p:ext>
+    </p:extLst>
+  </p:cSld>
+  <p:clrMapOvr>
+    <a:masterClrMapping/>
+  </p:clrMapOvr>
+</p:sld>
+</file>
+
+<file path=ppt/slides/slide16.xml><?xml version="1.0" encoding="utf-8"?>
+<p:sld xmlns:a="http://schemas.openxmlformats.org/drawingml/2006/main" xmlns:r="http://schemas.openxmlformats.org/officeDocument/2006/relationships" xmlns:p="http://schemas.openxmlformats.org/presentationml/2006/main">
+  <p:cSld>
+    <p:spTree>
+      <p:nvGrpSpPr>
+        <p:cNvPr id="1" name=""/>
+        <p:cNvGrpSpPr/>
+        <p:nvPr/>
+      </p:nvGrpSpPr>
+      <p:grpSpPr>
+        <a:xfrm>
+          <a:off x="0" y="0"/>
+          <a:ext cx="0" cy="0"/>
+          <a:chOff x="0" y="0"/>
+          <a:chExt cx="0" cy="0"/>
+        </a:xfrm>
+      </p:grpSpPr>
+      <p:sp>
+        <p:nvSpPr>
+          <p:cNvPr id="2" name="제목 1">
+            <a:extLst>
+              <a:ext uri="{FF2B5EF4-FFF2-40B4-BE49-F238E27FC236}">
+                <a16:creationId xmlns:a16="http://schemas.microsoft.com/office/drawing/2014/main" id="{AD581883-4B72-3882-5BEA-733AB2AA20B0}"/>
+              </a:ext>
+            </a:extLst>
+          </p:cNvPr>
+          <p:cNvSpPr>
+            <a:spLocks noGrp="1"/>
+          </p:cNvSpPr>
+          <p:nvPr>
+            <p:ph type="title"/>
+          </p:nvPr>
+        </p:nvSpPr>
+        <p:spPr/>
+        <p:txBody>
+          <a:bodyPr/>
+          <a:lstStyle/>
+          <a:p>
+            <a:r>
+              <a:rPr lang="ko-KR" altLang="en-US" dirty="0"/>
+              <a:t>출처</a:t>
+            </a:r>
+          </a:p>
+        </p:txBody>
+      </p:sp>
+      <p:sp>
+        <p:nvSpPr>
+          <p:cNvPr id="3" name="내용 개체 틀 2">
+            <a:extLst>
+              <a:ext uri="{FF2B5EF4-FFF2-40B4-BE49-F238E27FC236}">
+                <a16:creationId xmlns:a16="http://schemas.microsoft.com/office/drawing/2014/main" id="{FDBCC205-2D68-8506-3F4C-76B5BA9D0B24}"/>
+              </a:ext>
+            </a:extLst>
+          </p:cNvPr>
+          <p:cNvSpPr>
+            <a:spLocks noGrp="1"/>
+          </p:cNvSpPr>
+          <p:nvPr>
+            <p:ph idx="1"/>
+          </p:nvPr>
+        </p:nvSpPr>
+        <p:spPr>
+          <a:xfrm>
+            <a:off x="847078" y="1834503"/>
+            <a:ext cx="10515600" cy="4351338"/>
+          </a:xfrm>
+        </p:spPr>
+        <p:txBody>
+          <a:bodyPr/>
+          <a:lstStyle/>
+          <a:p>
+            <a:r>
+              <a:rPr lang="en-US" altLang="ko-KR" dirty="0">
+                <a:hlinkClick r:id="rId2"/>
+              </a:rPr>
+              <a:t>https://pasus.tistory.com/267</a:t>
+            </a:r>
+            <a:endParaRPr lang="en-US" altLang="ko-KR" dirty="0"/>
+          </a:p>
+          <a:p>
+            <a:r>
+              <a:rPr lang="en-US" altLang="ko-KR" dirty="0">
+                <a:hlinkClick r:id="rId3"/>
+              </a:rPr>
+              <a:t>https://inspaceai.github.io/2019/03/21/Anomaly_Detection_With_LSTM-AE/</a:t>
+            </a:r>
+            <a:endParaRPr lang="en-US" altLang="ko-KR" dirty="0"/>
+          </a:p>
+          <a:p>
+            <a:r>
+              <a:rPr lang="en-US" altLang="ko-KR" dirty="0">
+                <a:hlinkClick r:id="rId4"/>
+              </a:rPr>
+              <a:t>https://velog.io/@jaehyeong/LSTM-Autoencoder-for-Anomaly-Detection</a:t>
+            </a:r>
+            <a:endParaRPr lang="en-US" altLang="ko-KR" dirty="0"/>
+          </a:p>
+          <a:p>
+            <a:r>
+              <a:rPr lang="en-US" altLang="ko-KR" dirty="0">
+                <a:hlinkClick r:id="rId5"/>
+              </a:rPr>
+              <a:t>https://www.researchgate.net/figure/LSTM-Autoencoder-Architecture_fig2_367170294</a:t>
+            </a:r>
+            <a:endParaRPr lang="en-US" altLang="ko-KR" dirty="0"/>
+          </a:p>
+          <a:p>
+            <a:r>
+              <a:rPr lang="en-US" altLang="ko-KR" dirty="0">
+                <a:hlinkClick r:id="rId6"/>
+              </a:rPr>
+              <a:t>https://toyourlight.tistory.com/29</a:t>
+            </a:r>
+            <a:endParaRPr lang="en-US" altLang="ko-KR" dirty="0"/>
+          </a:p>
+          <a:p>
+            <a:endParaRPr lang="en-US" altLang="ko-KR" dirty="0"/>
+          </a:p>
+        </p:txBody>
+      </p:sp>
+    </p:spTree>
+    <p:extLst>
+      <p:ext uri="{BB962C8B-B14F-4D97-AF65-F5344CB8AC3E}">
+        <p14:creationId xmlns:p14="http://schemas.microsoft.com/office/powerpoint/2010/main" val="3989817147"/>
+      </p:ext>
+    </p:extLst>
+  </p:cSld>
+  <p:clrMapOvr>
+    <a:masterClrMapping/>
+  </p:clrMapOvr>
+</p:sld>
+</file>
+
 <file path=ppt/slides/slide2.xml><?xml version="1.0" encoding="utf-8"?>
 <p:sld xmlns:a="http://schemas.openxmlformats.org/drawingml/2006/main" xmlns:r="http://schemas.openxmlformats.org/officeDocument/2006/relationships" xmlns:p="http://schemas.openxmlformats.org/presentationml/2006/main">
   <p:cSld>
@@ -4448,7 +5768,7 @@
           <p:cNvPr id="2" name="제목 1">
             <a:extLst>
               <a:ext uri="{FF2B5EF4-FFF2-40B4-BE49-F238E27FC236}">
-                <a16:creationId xmlns:a16="http://schemas.microsoft.com/office/drawing/2014/main" id="{B8378B59-7A54-CE88-A19A-F16953A7AA15}"/>
+                <a16:creationId xmlns:a16="http://schemas.microsoft.com/office/drawing/2014/main" id="{554146D7-53E8-3DAB-2590-8C5C51A1CE40}"/>
               </a:ext>
             </a:extLst>
           </p:cNvPr>
@@ -4464,100 +5784,67 @@
           <a:bodyPr/>
           <a:lstStyle/>
           <a:p>
-            <a:r>
-              <a:rPr lang="en-US" altLang="ko-KR" dirty="0"/>
-              <a:t>LSTM-Autoencoder</a:t>
-            </a:r>
-            <a:endParaRPr lang="ko-KR" altLang="en-US" dirty="0"/>
-          </a:p>
-        </p:txBody>
-      </p:sp>
-      <p:sp>
-        <p:nvSpPr>
-          <p:cNvPr id="3" name="내용 개체 틀 2">
-            <a:extLst>
-              <a:ext uri="{FF2B5EF4-FFF2-40B4-BE49-F238E27FC236}">
-                <a16:creationId xmlns:a16="http://schemas.microsoft.com/office/drawing/2014/main" id="{D202C859-A847-9855-08C5-B3744B9616ED}"/>
-              </a:ext>
-            </a:extLst>
-          </p:cNvPr>
-          <p:cNvSpPr>
-            <a:spLocks noGrp="1"/>
-          </p:cNvSpPr>
-          <p:nvPr>
-            <p:ph idx="1"/>
-          </p:nvPr>
-        </p:nvSpPr>
-        <p:spPr/>
-        <p:txBody>
-          <a:bodyPr/>
-          <a:lstStyle/>
-          <a:p>
-            <a:r>
-              <a:rPr lang="ko-KR" altLang="en-US" dirty="0"/>
-              <a:t>기존의 </a:t>
-            </a:r>
             <a:r>
               <a:rPr lang="en-US" altLang="ko-KR" dirty="0"/>
               <a:t>Autoencoder</a:t>
             </a:r>
-            <a:r>
-              <a:rPr lang="ko-KR" altLang="en-US" dirty="0"/>
-              <a:t>는 시간적인 특성을 담기 어려움</a:t>
-            </a:r>
-            <a:r>
-              <a:rPr lang="en-US" altLang="ko-KR" dirty="0"/>
-              <a:t>.</a:t>
-            </a:r>
-          </a:p>
-          <a:p>
-            <a:endParaRPr lang="en-US" altLang="ko-KR" dirty="0"/>
-          </a:p>
-          <a:p>
-            <a:r>
-              <a:rPr lang="ko-KR" altLang="en-US" dirty="0"/>
-              <a:t>따라서 시간적인 특성을 담을 수 있는 </a:t>
-            </a:r>
-            <a:r>
-              <a:rPr lang="en-US" altLang="ko-KR" dirty="0"/>
-              <a:t>LSTM</a:t>
-            </a:r>
-            <a:r>
-              <a:rPr lang="ko-KR" altLang="en-US" dirty="0"/>
-              <a:t>과 결합함</a:t>
-            </a:r>
-            <a:r>
-              <a:rPr lang="en-US" altLang="ko-KR" dirty="0"/>
-              <a:t>.</a:t>
-            </a:r>
-          </a:p>
-          <a:p>
-            <a:endParaRPr lang="en-US" altLang="ko-KR" dirty="0"/>
-          </a:p>
-          <a:p>
-            <a:r>
-              <a:rPr lang="en-US" altLang="ko-KR" sz="2800" dirty="0"/>
-              <a:t>LSTM-Autoencoder</a:t>
-            </a:r>
-            <a:r>
-              <a:rPr lang="ko-KR" altLang="en-US" sz="2800" dirty="0"/>
-              <a:t>는 비지도</a:t>
-            </a:r>
-            <a:r>
-              <a:rPr lang="en-US" altLang="ko-KR" sz="2800" dirty="0"/>
-              <a:t>(Unsupervised) </a:t>
-            </a:r>
-            <a:r>
-              <a:rPr lang="ko-KR" altLang="en-US" sz="2800" dirty="0"/>
-              <a:t>학습의 방법으로 훈련</a:t>
-            </a:r>
-          </a:p>
-        </p:txBody>
-      </p:sp>
+            <a:endParaRPr lang="ko-KR" altLang="en-US" dirty="0"/>
+          </a:p>
+        </p:txBody>
+      </p:sp>
+      <p:pic>
+        <p:nvPicPr>
+          <p:cNvPr id="1026" name="Picture 2">
+            <a:extLst>
+              <a:ext uri="{FF2B5EF4-FFF2-40B4-BE49-F238E27FC236}">
+                <a16:creationId xmlns:a16="http://schemas.microsoft.com/office/drawing/2014/main" id="{329EA4AC-351E-67ED-E066-BABA28EA6249}"/>
+              </a:ext>
+            </a:extLst>
+          </p:cNvPr>
+          <p:cNvPicPr>
+            <a:picLocks noGrp="1" noChangeAspect="1" noChangeArrowheads="1"/>
+          </p:cNvPicPr>
+          <p:nvPr>
+            <p:ph idx="1"/>
+          </p:nvPr>
+        </p:nvPicPr>
+        <p:blipFill>
+          <a:blip r:embed="rId2">
+            <a:extLst>
+              <a:ext uri="{28A0092B-C50C-407E-A947-70E740481C1C}">
+                <a14:useLocalDpi xmlns:a14="http://schemas.microsoft.com/office/drawing/2010/main" val="0"/>
+              </a:ext>
+            </a:extLst>
+          </a:blip>
+          <a:srcRect/>
+          <a:stretch>
+            <a:fillRect/>
+          </a:stretch>
+        </p:blipFill>
+        <p:spPr bwMode="auto">
+          <a:xfrm>
+            <a:off x="1803179" y="2464515"/>
+            <a:ext cx="8585641" cy="3073558"/>
+          </a:xfrm>
+          <a:prstGeom prst="rect">
+            <a:avLst/>
+          </a:prstGeom>
+          <a:noFill/>
+          <a:extLst>
+            <a:ext uri="{909E8E84-426E-40DD-AFC4-6F175D3DCCD1}">
+              <a14:hiddenFill xmlns:a14="http://schemas.microsoft.com/office/drawing/2010/main">
+                <a:solidFill>
+                  <a:srgbClr val="FFFFFF"/>
+                </a:solidFill>
+              </a14:hiddenFill>
+            </a:ext>
+          </a:extLst>
+        </p:spPr>
+      </p:pic>
     </p:spTree>
     <p:extLst>
       <p:ext uri="{BB962C8B-B14F-4D97-AF65-F5344CB8AC3E}">
-        <p14:creationId xmlns:p14="http://schemas.microsoft.com/office/powerpoint/2010/main" val="969389698"/>
+        <p14:creationId xmlns:p14="http://schemas.microsoft.com/office/powerpoint/2010/main" val="1133381068"/>
       </p:ext>
     </p:extLst>
   </p:cSld>
@@ -4589,6 +5876,147 @@
           <p:cNvPr id="2" name="제목 1">
             <a:extLst>
               <a:ext uri="{FF2B5EF4-FFF2-40B4-BE49-F238E27FC236}">
+                <a16:creationId xmlns:a16="http://schemas.microsoft.com/office/drawing/2014/main" id="{B8378B59-7A54-CE88-A19A-F16953A7AA15}"/>
+              </a:ext>
+            </a:extLst>
+          </p:cNvPr>
+          <p:cNvSpPr>
+            <a:spLocks noGrp="1"/>
+          </p:cNvSpPr>
+          <p:nvPr>
+            <p:ph type="title"/>
+          </p:nvPr>
+        </p:nvSpPr>
+        <p:spPr/>
+        <p:txBody>
+          <a:bodyPr/>
+          <a:lstStyle/>
+          <a:p>
+            <a:r>
+              <a:rPr lang="en-US" altLang="ko-KR" dirty="0"/>
+              <a:t>LSTM-Autoencoder</a:t>
+            </a:r>
+            <a:endParaRPr lang="ko-KR" altLang="en-US" dirty="0"/>
+          </a:p>
+        </p:txBody>
+      </p:sp>
+      <p:sp>
+        <p:nvSpPr>
+          <p:cNvPr id="3" name="내용 개체 틀 2">
+            <a:extLst>
+              <a:ext uri="{FF2B5EF4-FFF2-40B4-BE49-F238E27FC236}">
+                <a16:creationId xmlns:a16="http://schemas.microsoft.com/office/drawing/2014/main" id="{D202C859-A847-9855-08C5-B3744B9616ED}"/>
+              </a:ext>
+            </a:extLst>
+          </p:cNvPr>
+          <p:cNvSpPr>
+            <a:spLocks noGrp="1"/>
+          </p:cNvSpPr>
+          <p:nvPr>
+            <p:ph idx="1"/>
+          </p:nvPr>
+        </p:nvSpPr>
+        <p:spPr/>
+        <p:txBody>
+          <a:bodyPr/>
+          <a:lstStyle/>
+          <a:p>
+            <a:r>
+              <a:rPr lang="ko-KR" altLang="en-US" dirty="0"/>
+              <a:t>기존의 </a:t>
+            </a:r>
+            <a:r>
+              <a:rPr lang="en-US" altLang="ko-KR" dirty="0"/>
+              <a:t>Autoencoder</a:t>
+            </a:r>
+            <a:r>
+              <a:rPr lang="ko-KR" altLang="en-US" dirty="0"/>
+              <a:t>는 시간적인 특성을 담기 어려움</a:t>
+            </a:r>
+            <a:r>
+              <a:rPr lang="en-US" altLang="ko-KR" dirty="0"/>
+              <a:t>.</a:t>
+            </a:r>
+          </a:p>
+          <a:p>
+            <a:endParaRPr lang="en-US" altLang="ko-KR" dirty="0"/>
+          </a:p>
+          <a:p>
+            <a:r>
+              <a:rPr lang="ko-KR" altLang="en-US" dirty="0"/>
+              <a:t>따라서 시간적인 특성을 담을 수 있는 </a:t>
+            </a:r>
+            <a:r>
+              <a:rPr lang="en-US" altLang="ko-KR" dirty="0"/>
+              <a:t>LSTM</a:t>
+            </a:r>
+            <a:r>
+              <a:rPr lang="ko-KR" altLang="en-US" dirty="0"/>
+              <a:t>과 결합함</a:t>
+            </a:r>
+            <a:r>
+              <a:rPr lang="en-US" altLang="ko-KR" dirty="0"/>
+              <a:t>.</a:t>
+            </a:r>
+          </a:p>
+          <a:p>
+            <a:endParaRPr lang="en-US" altLang="ko-KR" dirty="0"/>
+          </a:p>
+          <a:p>
+            <a:r>
+              <a:rPr lang="en-US" altLang="ko-KR" sz="2800" dirty="0"/>
+              <a:t>LSTM-Autoencoder</a:t>
+            </a:r>
+            <a:r>
+              <a:rPr lang="ko-KR" altLang="en-US" sz="2800" dirty="0"/>
+              <a:t>는 비지도</a:t>
+            </a:r>
+            <a:r>
+              <a:rPr lang="en-US" altLang="ko-KR" sz="2800" dirty="0"/>
+              <a:t>(Unsupervised) </a:t>
+            </a:r>
+            <a:r>
+              <a:rPr lang="ko-KR" altLang="en-US" sz="2800" dirty="0"/>
+              <a:t>학습의 방법으로 훈련</a:t>
+            </a:r>
+          </a:p>
+        </p:txBody>
+      </p:sp>
+    </p:spTree>
+    <p:extLst>
+      <p:ext uri="{BB962C8B-B14F-4D97-AF65-F5344CB8AC3E}">
+        <p14:creationId xmlns:p14="http://schemas.microsoft.com/office/powerpoint/2010/main" val="969389698"/>
+      </p:ext>
+    </p:extLst>
+  </p:cSld>
+  <p:clrMapOvr>
+    <a:masterClrMapping/>
+  </p:clrMapOvr>
+</p:sld>
+</file>
+
+<file path=ppt/slides/slide7.xml><?xml version="1.0" encoding="utf-8"?>
+<p:sld xmlns:a="http://schemas.openxmlformats.org/drawingml/2006/main" xmlns:r="http://schemas.openxmlformats.org/officeDocument/2006/relationships" xmlns:p="http://schemas.openxmlformats.org/presentationml/2006/main">
+  <p:cSld>
+    <p:spTree>
+      <p:nvGrpSpPr>
+        <p:cNvPr id="1" name=""/>
+        <p:cNvGrpSpPr/>
+        <p:nvPr/>
+      </p:nvGrpSpPr>
+      <p:grpSpPr>
+        <a:xfrm>
+          <a:off x="0" y="0"/>
+          <a:ext cx="0" cy="0"/>
+          <a:chOff x="0" y="0"/>
+          <a:chExt cx="0" cy="0"/>
+        </a:xfrm>
+      </p:grpSpPr>
+      <p:sp>
+        <p:nvSpPr>
+          <p:cNvPr id="2" name="제목 1">
+            <a:extLst>
+              <a:ext uri="{FF2B5EF4-FFF2-40B4-BE49-F238E27FC236}">
                 <a16:creationId xmlns:a16="http://schemas.microsoft.com/office/drawing/2014/main" id="{27C85483-0598-B9EE-B281-E7806A851853}"/>
               </a:ext>
             </a:extLst>
@@ -4724,10 +6152,10 @@
       </p:sp>
       <p:pic>
         <p:nvPicPr>
-          <p:cNvPr id="1026" name="Picture 2">
-            <a:extLst>
-              <a:ext uri="{FF2B5EF4-FFF2-40B4-BE49-F238E27FC236}">
-                <a16:creationId xmlns:a16="http://schemas.microsoft.com/office/drawing/2014/main" id="{329EA4AC-351E-67ED-E066-BABA28EA6249}"/>
+          <p:cNvPr id="2052" name="Picture 4" descr="LSTM-Autoencoder Architecture.">
+            <a:extLst>
+              <a:ext uri="{FF2B5EF4-FFF2-40B4-BE49-F238E27FC236}">
+                <a16:creationId xmlns:a16="http://schemas.microsoft.com/office/drawing/2014/main" id="{92696B66-2E3C-7D30-3E2C-F88677DFADD2}"/>
               </a:ext>
             </a:extLst>
           </p:cNvPr>
@@ -4751,8 +6179,8 @@
         </p:blipFill>
         <p:spPr bwMode="auto">
           <a:xfrm>
-            <a:off x="2469086" y="3896421"/>
-            <a:ext cx="7253827" cy="2596454"/>
+            <a:off x="2469086" y="4001294"/>
+            <a:ext cx="7253827" cy="2782056"/>
           </a:xfrm>
           <a:prstGeom prst="rect">
             <a:avLst/>
@@ -4782,7 +6210,7 @@
 </p:sld>
 </file>
 
-<file path=ppt/slides/slide7.xml><?xml version="1.0" encoding="utf-8"?>
+<file path=ppt/slides/slide8.xml><?xml version="1.0" encoding="utf-8"?>
 <p:sld xmlns:a="http://schemas.openxmlformats.org/drawingml/2006/main" xmlns:r="http://schemas.openxmlformats.org/officeDocument/2006/relationships" xmlns:p="http://schemas.openxmlformats.org/presentationml/2006/main">
   <p:cSld>
     <p:spTree>
@@ -4928,7 +6356,7 @@
 </p:sld>
 </file>
 
-<file path=ppt/slides/slide8.xml><?xml version="1.0" encoding="utf-8"?>
+<file path=ppt/slides/slide9.xml><?xml version="1.0" encoding="utf-8"?>
 <p:sld xmlns:a="http://schemas.openxmlformats.org/drawingml/2006/main" xmlns:r="http://schemas.openxmlformats.org/officeDocument/2006/relationships" xmlns:p="http://schemas.openxmlformats.org/presentationml/2006/main">
   <p:cSld>
     <p:spTree>
@@ -5022,21 +6450,99 @@
           </a:p>
           <a:p>
             <a:r>
+              <a:rPr lang="ko-KR" altLang="en-US" sz="2400" dirty="0">
+                <a:solidFill>
+                  <a:srgbClr val="FF0000"/>
+                </a:solidFill>
+              </a:rPr>
+              <a:t>비정상적인 데이터가 섞인 데이터를 활용하고 싶다면 </a:t>
+            </a:r>
+            <a:r>
+              <a:rPr lang="ko-KR" altLang="en-US" sz="2400" dirty="0" err="1">
+                <a:solidFill>
+                  <a:srgbClr val="FF0000"/>
+                </a:solidFill>
+              </a:rPr>
+              <a:t>전처리</a:t>
+            </a:r>
+            <a:r>
+              <a:rPr lang="ko-KR" altLang="en-US" sz="2400" dirty="0">
+                <a:solidFill>
+                  <a:srgbClr val="FF0000"/>
+                </a:solidFill>
+              </a:rPr>
+              <a:t> 과정이 필요</a:t>
+            </a:r>
+            <a:endParaRPr lang="en-US" altLang="ko-KR" sz="2400" dirty="0">
+              <a:solidFill>
+                <a:srgbClr val="FF0000"/>
+              </a:solidFill>
+            </a:endParaRPr>
+          </a:p>
+          <a:p>
+            <a:endParaRPr lang="en-US" altLang="ko-KR" sz="2400" dirty="0"/>
+          </a:p>
+          <a:p>
+            <a:r>
               <a:rPr lang="ko-KR" altLang="en-US" sz="2400" dirty="0"/>
-              <a:t>비정상적인 데이터가 섞인 데이터를 활용하고 싶다면 </a:t>
-            </a:r>
-            <a:r>
-              <a:rPr lang="ko-KR" altLang="en-US" sz="2400" dirty="0" err="1"/>
-              <a:t>전처리</a:t>
+              <a:t>또한</a:t>
+            </a:r>
+            <a:r>
+              <a:rPr lang="en-US" altLang="ko-KR" sz="2400" dirty="0"/>
+              <a:t>, </a:t>
+            </a:r>
+            <a:r>
+              <a:rPr lang="ko-KR" altLang="en-US" sz="2400" dirty="0">
+                <a:solidFill>
+                  <a:srgbClr val="FF0000"/>
+                </a:solidFill>
+              </a:rPr>
+              <a:t>현재 시점</a:t>
             </a:r>
             <a:r>
               <a:rPr lang="ko-KR" altLang="en-US" sz="2400" dirty="0"/>
-              <a:t> 과정이 필요</a:t>
-            </a:r>
+              <a:t>에서 이상을 탐지하는 것은 의미가 없음</a:t>
+            </a:r>
+            <a:r>
+              <a:rPr lang="en-US" altLang="ko-KR" sz="2400" dirty="0"/>
+              <a:t>. </a:t>
+            </a:r>
+          </a:p>
+          <a:p>
+            <a:pPr lvl="1"/>
+            <a:r>
+              <a:rPr lang="en-US" altLang="ko-KR" sz="2000" dirty="0"/>
+              <a:t>(</a:t>
+            </a:r>
+            <a:r>
+              <a:rPr lang="ko-KR" altLang="en-US" sz="2000" dirty="0"/>
+              <a:t>이미 사고가 발생했기 때문</a:t>
+            </a:r>
+            <a:r>
+              <a:rPr lang="en-US" altLang="ko-KR" sz="2000" dirty="0"/>
+              <a:t>)</a:t>
+            </a:r>
+          </a:p>
+          <a:p>
             <a:endParaRPr lang="en-US" altLang="ko-KR" sz="2400" dirty="0"/>
           </a:p>
           <a:p>
-            <a:endParaRPr lang="en-US" altLang="ko-KR" sz="2400" dirty="0"/>
+            <a:r>
+              <a:rPr lang="ko-KR" altLang="en-US" sz="2400" dirty="0"/>
+              <a:t>따라서 </a:t>
+            </a:r>
+            <a:r>
+              <a:rPr lang="en-US" altLang="ko-KR" sz="2400" dirty="0"/>
+              <a:t>Future Value</a:t>
+            </a:r>
+            <a:r>
+              <a:rPr lang="ko-KR" altLang="en-US" sz="2400" dirty="0"/>
+              <a:t>를 예측하는 방법이 필요함</a:t>
+            </a:r>
+            <a:r>
+              <a:rPr lang="en-US" altLang="ko-KR" sz="2400" dirty="0"/>
+              <a:t>.</a:t>
+            </a:r>
           </a:p>
         </p:txBody>
       </p:sp>
@@ -5044,115 +6550,6 @@
     <p:extLst>
       <p:ext uri="{BB962C8B-B14F-4D97-AF65-F5344CB8AC3E}">
         <p14:creationId xmlns:p14="http://schemas.microsoft.com/office/powerpoint/2010/main" val="2049485363"/>
-      </p:ext>
-    </p:extLst>
-  </p:cSld>
-  <p:clrMapOvr>
-    <a:masterClrMapping/>
-  </p:clrMapOvr>
-</p:sld>
-</file>
-
-<file path=ppt/slides/slide9.xml><?xml version="1.0" encoding="utf-8"?>
-<p:sld xmlns:a="http://schemas.openxmlformats.org/drawingml/2006/main" xmlns:r="http://schemas.openxmlformats.org/officeDocument/2006/relationships" xmlns:p="http://schemas.openxmlformats.org/presentationml/2006/main">
-  <p:cSld>
-    <p:spTree>
-      <p:nvGrpSpPr>
-        <p:cNvPr id="1" name=""/>
-        <p:cNvGrpSpPr/>
-        <p:nvPr/>
-      </p:nvGrpSpPr>
-      <p:grpSpPr>
-        <a:xfrm>
-          <a:off x="0" y="0"/>
-          <a:ext cx="0" cy="0"/>
-          <a:chOff x="0" y="0"/>
-          <a:chExt cx="0" cy="0"/>
-        </a:xfrm>
-      </p:grpSpPr>
-      <p:sp>
-        <p:nvSpPr>
-          <p:cNvPr id="2" name="제목 1">
-            <a:extLst>
-              <a:ext uri="{FF2B5EF4-FFF2-40B4-BE49-F238E27FC236}">
-                <a16:creationId xmlns:a16="http://schemas.microsoft.com/office/drawing/2014/main" id="{AD581883-4B72-3882-5BEA-733AB2AA20B0}"/>
-              </a:ext>
-            </a:extLst>
-          </p:cNvPr>
-          <p:cNvSpPr>
-            <a:spLocks noGrp="1"/>
-          </p:cNvSpPr>
-          <p:nvPr>
-            <p:ph type="title"/>
-          </p:nvPr>
-        </p:nvSpPr>
-        <p:spPr/>
-        <p:txBody>
-          <a:bodyPr/>
-          <a:lstStyle/>
-          <a:p>
-            <a:r>
-              <a:rPr lang="ko-KR" altLang="en-US" dirty="0"/>
-              <a:t>출처</a:t>
-            </a:r>
-          </a:p>
-        </p:txBody>
-      </p:sp>
-      <p:sp>
-        <p:nvSpPr>
-          <p:cNvPr id="3" name="내용 개체 틀 2">
-            <a:extLst>
-              <a:ext uri="{FF2B5EF4-FFF2-40B4-BE49-F238E27FC236}">
-                <a16:creationId xmlns:a16="http://schemas.microsoft.com/office/drawing/2014/main" id="{FDBCC205-2D68-8506-3F4C-76B5BA9D0B24}"/>
-              </a:ext>
-            </a:extLst>
-          </p:cNvPr>
-          <p:cNvSpPr>
-            <a:spLocks noGrp="1"/>
-          </p:cNvSpPr>
-          <p:nvPr>
-            <p:ph idx="1"/>
-          </p:nvPr>
-        </p:nvSpPr>
-        <p:spPr>
-          <a:xfrm>
-            <a:off x="847078" y="1834503"/>
-            <a:ext cx="10515600" cy="4351338"/>
-          </a:xfrm>
-        </p:spPr>
-        <p:txBody>
-          <a:bodyPr/>
-          <a:lstStyle/>
-          <a:p>
-            <a:r>
-              <a:rPr lang="en-US" altLang="ko-KR" dirty="0">
-                <a:hlinkClick r:id="rId2"/>
-              </a:rPr>
-              <a:t>https://pasus.tistory.com/267</a:t>
-            </a:r>
-            <a:endParaRPr lang="en-US" altLang="ko-KR" dirty="0"/>
-          </a:p>
-          <a:p>
-            <a:r>
-              <a:rPr lang="en-US" altLang="ko-KR" dirty="0">
-                <a:hlinkClick r:id="rId3"/>
-              </a:rPr>
-              <a:t>https://inspaceai.github.io/2019/03/21/Anomaly_Detection_With_LSTM-AE/</a:t>
-            </a:r>
-            <a:endParaRPr lang="en-US" altLang="ko-KR" dirty="0"/>
-          </a:p>
-          <a:p>
-            <a:endParaRPr lang="en-US" altLang="ko-KR" dirty="0"/>
-          </a:p>
-          <a:p>
-            <a:endParaRPr lang="ko-KR" altLang="en-US" dirty="0"/>
-          </a:p>
-        </p:txBody>
-      </p:sp>
-    </p:spTree>
-    <p:extLst>
-      <p:ext uri="{BB962C8B-B14F-4D97-AF65-F5344CB8AC3E}">
-        <p14:creationId xmlns:p14="http://schemas.microsoft.com/office/powerpoint/2010/main" val="3989817147"/>
       </p:ext>
     </p:extLst>
   </p:cSld>

--- a/캡스톤디자인 3주차.pptx
+++ b/캡스톤디자인 3주차.pptx
@@ -4874,8 +4874,8 @@
           </a:p>
         </p:txBody>
       </p:sp>
-      <mc:AlternateContent xmlns:mc="http://schemas.openxmlformats.org/markup-compatibility/2006">
-        <mc:Choice xmlns:a14="http://schemas.microsoft.com/office/drawing/2010/main" Requires="a14">
+      <mc:AlternateContent xmlns:mc="http://schemas.openxmlformats.org/markup-compatibility/2006" xmlns:a14="http://schemas.microsoft.com/office/drawing/2010/main">
+        <mc:Choice Requires="a14">
           <p:sp>
             <p:nvSpPr>
               <p:cNvPr id="3" name="내용 개체 틀 2">
@@ -4931,7 +4931,7 @@
             </p:txBody>
           </p:sp>
         </mc:Choice>
-        <mc:Fallback>
+        <mc:Fallback xmlns="">
           <p:sp>
             <p:nvSpPr>
               <p:cNvPr id="3" name="내용 개체 틀 2">
